--- a/Task 3/Muhammad Cikal Merdeka_Task_3_Analyzing eCommerce Business Performance with SQL.pptx
+++ b/Task 3/Muhammad Cikal Merdeka_Task_3_Analyzing eCommerce Business Performance with SQL.pptx
@@ -1,19 +1,21 @@
 
 <file path=ppt/presentation.xml><?xml version="1.0" encoding="utf-8"?>
-<p:presentation xmlns:a="http://schemas.openxmlformats.org/drawingml/2006/main" xmlns:r="http://schemas.openxmlformats.org/officeDocument/2006/relationships" xmlns:mc="http://schemas.openxmlformats.org/markup-compatibility/2006" xmlns:mv="urn:schemas-microsoft-com:mac:vml" xmlns:p="http://schemas.openxmlformats.org/presentationml/2006/main" xmlns:c="http://schemas.openxmlformats.org/drawingml/2006/chart" xmlns:dgm="http://schemas.openxmlformats.org/drawingml/2006/diagram" xmlns:o="urn:schemas-microsoft-com:office:office" xmlns:v="urn:schemas-microsoft-com:vml" xmlns:pvml="urn:schemas-microsoft-com:office:powerpoint" xmlns:com="http://schemas.openxmlformats.org/drawingml/2006/compatibility" xmlns:p14="http://schemas.microsoft.com/office/powerpoint/2010/main" xmlns:p15="http://schemas.microsoft.com/office/powerpoint/2012/main" xmlns:ahyp="http://schemas.microsoft.com/office/drawing/2018/hyperlinkcolor" autoCompressPictures="0" strictFirstAndLastChars="0" saveSubsetFonts="1">
+<p:presentation xmlns:a="http://schemas.openxmlformats.org/drawingml/2006/main" xmlns:r="http://schemas.openxmlformats.org/officeDocument/2006/relationships" xmlns:p="http://schemas.openxmlformats.org/presentationml/2006/main" strictFirstAndLastChars="0" saveSubsetFonts="1" autoCompressPictures="0">
   <p:sldMasterIdLst>
-    <p:sldMasterId id="2147483659" r:id="rId4"/>
+    <p:sldMasterId id="2147483659" r:id="rId1"/>
   </p:sldMasterIdLst>
   <p:notesMasterIdLst>
     <p:notesMasterId r:id="rId5"/>
   </p:notesMasterIdLst>
   <p:sldIdLst>
-    <p:sldId id="256" r:id="rId6"/>
+    <p:sldId id="256" r:id="rId2"/>
+    <p:sldId id="257" r:id="rId3"/>
+    <p:sldId id="258" r:id="rId4"/>
   </p:sldIdLst>
-  <p:sldSz cy="5143500" cx="9144000"/>
+  <p:sldSz cx="9144000" cy="5143500" type="screen16x9"/>
   <p:notesSz cx="6858000" cy="9144000"/>
   <p:defaultTextStyle>
-    <a:defPPr lvl="0" marR="0" rtl="0" algn="l">
+    <a:defPPr marR="0" lvl="0" algn="l" rtl="0">
       <a:lnSpc>
         <a:spcPct val="100000"/>
       </a:lnSpc>
@@ -24,7 +26,7 @@
         <a:spcPts val="0"/>
       </a:spcAft>
     </a:defPPr>
-    <a:lvl1pPr lvl="0" marR="0" rtl="0" algn="l">
+    <a:lvl1pPr marR="0" lvl="0" algn="l" rtl="0">
       <a:lnSpc>
         <a:spcPct val="100000"/>
       </a:lnSpc>
@@ -38,7 +40,7 @@
         <a:srgbClr val="000000"/>
       </a:buClr>
       <a:buFont typeface="Arial"/>
-      <a:defRPr b="0" i="0" sz="1400" u="none" cap="none" strike="noStrike">
+      <a:defRPr sz="1400" b="0" i="0" u="none" strike="noStrike" cap="none">
         <a:solidFill>
           <a:srgbClr val="000000"/>
         </a:solidFill>
@@ -48,7 +50,7 @@
         <a:sym typeface="Arial"/>
       </a:defRPr>
     </a:lvl1pPr>
-    <a:lvl2pPr lvl="1" marR="0" rtl="0" algn="l">
+    <a:lvl2pPr marR="0" lvl="1" algn="l" rtl="0">
       <a:lnSpc>
         <a:spcPct val="100000"/>
       </a:lnSpc>
@@ -62,7 +64,7 @@
         <a:srgbClr val="000000"/>
       </a:buClr>
       <a:buFont typeface="Arial"/>
-      <a:defRPr b="0" i="0" sz="1400" u="none" cap="none" strike="noStrike">
+      <a:defRPr sz="1400" b="0" i="0" u="none" strike="noStrike" cap="none">
         <a:solidFill>
           <a:srgbClr val="000000"/>
         </a:solidFill>
@@ -72,7 +74,7 @@
         <a:sym typeface="Arial"/>
       </a:defRPr>
     </a:lvl2pPr>
-    <a:lvl3pPr lvl="2" marR="0" rtl="0" algn="l">
+    <a:lvl3pPr marR="0" lvl="2" algn="l" rtl="0">
       <a:lnSpc>
         <a:spcPct val="100000"/>
       </a:lnSpc>
@@ -86,7 +88,7 @@
         <a:srgbClr val="000000"/>
       </a:buClr>
       <a:buFont typeface="Arial"/>
-      <a:defRPr b="0" i="0" sz="1400" u="none" cap="none" strike="noStrike">
+      <a:defRPr sz="1400" b="0" i="0" u="none" strike="noStrike" cap="none">
         <a:solidFill>
           <a:srgbClr val="000000"/>
         </a:solidFill>
@@ -96,7 +98,7 @@
         <a:sym typeface="Arial"/>
       </a:defRPr>
     </a:lvl3pPr>
-    <a:lvl4pPr lvl="3" marR="0" rtl="0" algn="l">
+    <a:lvl4pPr marR="0" lvl="3" algn="l" rtl="0">
       <a:lnSpc>
         <a:spcPct val="100000"/>
       </a:lnSpc>
@@ -110,7 +112,7 @@
         <a:srgbClr val="000000"/>
       </a:buClr>
       <a:buFont typeface="Arial"/>
-      <a:defRPr b="0" i="0" sz="1400" u="none" cap="none" strike="noStrike">
+      <a:defRPr sz="1400" b="0" i="0" u="none" strike="noStrike" cap="none">
         <a:solidFill>
           <a:srgbClr val="000000"/>
         </a:solidFill>
@@ -120,7 +122,7 @@
         <a:sym typeface="Arial"/>
       </a:defRPr>
     </a:lvl4pPr>
-    <a:lvl5pPr lvl="4" marR="0" rtl="0" algn="l">
+    <a:lvl5pPr marR="0" lvl="4" algn="l" rtl="0">
       <a:lnSpc>
         <a:spcPct val="100000"/>
       </a:lnSpc>
@@ -134,7 +136,7 @@
         <a:srgbClr val="000000"/>
       </a:buClr>
       <a:buFont typeface="Arial"/>
-      <a:defRPr b="0" i="0" sz="1400" u="none" cap="none" strike="noStrike">
+      <a:defRPr sz="1400" b="0" i="0" u="none" strike="noStrike" cap="none">
         <a:solidFill>
           <a:srgbClr val="000000"/>
         </a:solidFill>
@@ -144,7 +146,7 @@
         <a:sym typeface="Arial"/>
       </a:defRPr>
     </a:lvl5pPr>
-    <a:lvl6pPr lvl="5" marR="0" rtl="0" algn="l">
+    <a:lvl6pPr marR="0" lvl="5" algn="l" rtl="0">
       <a:lnSpc>
         <a:spcPct val="100000"/>
       </a:lnSpc>
@@ -158,7 +160,7 @@
         <a:srgbClr val="000000"/>
       </a:buClr>
       <a:buFont typeface="Arial"/>
-      <a:defRPr b="0" i="0" sz="1400" u="none" cap="none" strike="noStrike">
+      <a:defRPr sz="1400" b="0" i="0" u="none" strike="noStrike" cap="none">
         <a:solidFill>
           <a:srgbClr val="000000"/>
         </a:solidFill>
@@ -168,7 +170,7 @@
         <a:sym typeface="Arial"/>
       </a:defRPr>
     </a:lvl6pPr>
-    <a:lvl7pPr lvl="6" marR="0" rtl="0" algn="l">
+    <a:lvl7pPr marR="0" lvl="6" algn="l" rtl="0">
       <a:lnSpc>
         <a:spcPct val="100000"/>
       </a:lnSpc>
@@ -182,7 +184,7 @@
         <a:srgbClr val="000000"/>
       </a:buClr>
       <a:buFont typeface="Arial"/>
-      <a:defRPr b="0" i="0" sz="1400" u="none" cap="none" strike="noStrike">
+      <a:defRPr sz="1400" b="0" i="0" u="none" strike="noStrike" cap="none">
         <a:solidFill>
           <a:srgbClr val="000000"/>
         </a:solidFill>
@@ -192,7 +194,7 @@
         <a:sym typeface="Arial"/>
       </a:defRPr>
     </a:lvl7pPr>
-    <a:lvl8pPr lvl="7" marR="0" rtl="0" algn="l">
+    <a:lvl8pPr marR="0" lvl="7" algn="l" rtl="0">
       <a:lnSpc>
         <a:spcPct val="100000"/>
       </a:lnSpc>
@@ -206,7 +208,7 @@
         <a:srgbClr val="000000"/>
       </a:buClr>
       <a:buFont typeface="Arial"/>
-      <a:defRPr b="0" i="0" sz="1400" u="none" cap="none" strike="noStrike">
+      <a:defRPr sz="1400" b="0" i="0" u="none" strike="noStrike" cap="none">
         <a:solidFill>
           <a:srgbClr val="000000"/>
         </a:solidFill>
@@ -216,7 +218,7 @@
         <a:sym typeface="Arial"/>
       </a:defRPr>
     </a:lvl8pPr>
-    <a:lvl9pPr lvl="8" marR="0" rtl="0" algn="l">
+    <a:lvl9pPr marR="0" lvl="8" algn="l" rtl="0">
       <a:lnSpc>
         <a:spcPct val="100000"/>
       </a:lnSpc>
@@ -230,7 +232,7 @@
         <a:srgbClr val="000000"/>
       </a:buClr>
       <a:buFont typeface="Arial"/>
-      <a:defRPr b="0" i="0" sz="1400" u="none" cap="none" strike="noStrike">
+      <a:defRPr sz="1400" b="0" i="0" u="none" strike="noStrike" cap="none">
         <a:solidFill>
           <a:srgbClr val="000000"/>
         </a:solidFill>
@@ -243,7 +245,7 @@
   </p:defaultTextStyle>
   <p:extLst>
     <p:ext uri="{EFAFB233-063F-42B5-8137-9DF3F51BA10A}">
-      <p15:sldGuideLst>
+      <p15:sldGuideLst xmlns:p15="http://schemas.microsoft.com/office/powerpoint/2012/main">
         <p15:guide id="1" orient="horz" pos="1620">
           <p15:clr>
             <a:srgbClr val="A4A3A4"/>
@@ -261,11 +263,16 @@
 </file>
 
 <file path=ppt/notesMasters/notesMaster1.xml><?xml version="1.0" encoding="utf-8"?>
-<p:notesMaster xmlns:a="http://schemas.openxmlformats.org/drawingml/2006/main" xmlns:r="http://schemas.openxmlformats.org/officeDocument/2006/relationships" xmlns:mc="http://schemas.openxmlformats.org/markup-compatibility/2006" xmlns:mv="urn:schemas-microsoft-com:mac:vml" xmlns:p="http://schemas.openxmlformats.org/presentationml/2006/main" xmlns:c="http://schemas.openxmlformats.org/drawingml/2006/chart" xmlns:dgm="http://schemas.openxmlformats.org/drawingml/2006/diagram" xmlns:o="urn:schemas-microsoft-com:office:office" xmlns:v="urn:schemas-microsoft-com:vml" xmlns:pvml="urn:schemas-microsoft-com:office:powerpoint" xmlns:com="http://schemas.openxmlformats.org/drawingml/2006/compatibility" xmlns:p14="http://schemas.microsoft.com/office/powerpoint/2010/main" xmlns:p15="http://schemas.microsoft.com/office/powerpoint/2012/main" xmlns:ahyp="http://schemas.microsoft.com/office/drawing/2018/hyperlinkcolor">
+<p:notesMaster xmlns:a="http://schemas.openxmlformats.org/drawingml/2006/main" xmlns:r="http://schemas.openxmlformats.org/officeDocument/2006/relationships" xmlns:p="http://schemas.openxmlformats.org/presentationml/2006/main">
   <p:cSld>
+    <p:bg>
+      <p:bgRef idx="1001">
+        <a:schemeClr val="bg1"/>
+      </p:bgRef>
+    </p:bg>
     <p:spTree>
       <p:nvGrpSpPr>
-        <p:cNvPr id="2" name="Shape 2"/>
+        <p:cNvPr id="1" name="Shape 2"/>
         <p:cNvGrpSpPr/>
         <p:nvPr/>
       </p:nvGrpSpPr>
@@ -280,9 +287,11 @@
       <p:sp>
         <p:nvSpPr>
           <p:cNvPr id="3" name="Google Shape;3;n"/>
-          <p:cNvSpPr/>
+          <p:cNvSpPr>
+            <a:spLocks noGrp="1" noRot="1" noChangeAspect="1"/>
+          </p:cNvSpPr>
           <p:nvPr>
-            <p:ph idx="2" type="sldImg"/>
+            <p:ph type="sldImg" idx="2"/>
           </p:nvPr>
         </p:nvSpPr>
         <p:spPr>
@@ -291,9 +300,13 @@
             <a:ext cx="6096075" cy="3429000"/>
           </a:xfrm>
           <a:custGeom>
-            <a:rect b="b" l="l" r="r" t="t"/>
+            <a:avLst/>
+            <a:gdLst/>
+            <a:ahLst/>
+            <a:cxnLst/>
+            <a:rect l="l" t="t" r="r" b="b"/>
             <a:pathLst>
-              <a:path extrusionOk="0" h="120000" w="120000">
+              <a:path w="120000" h="120000" extrusionOk="0">
                 <a:moveTo>
                   <a:pt x="0" y="0"/>
                 </a:moveTo>
@@ -311,23 +324,25 @@
             </a:pathLst>
           </a:custGeom>
           <a:noFill/>
-          <a:ln cap="flat" cmpd="sng" w="9525">
+          <a:ln w="9525" cap="flat" cmpd="sng">
             <a:solidFill>
               <a:srgbClr val="000000"/>
             </a:solidFill>
             <a:prstDash val="solid"/>
             <a:round/>
-            <a:headEnd len="sm" w="sm" type="none"/>
-            <a:tailEnd len="sm" w="sm" type="none"/>
+            <a:headEnd type="none" w="sm" len="sm"/>
+            <a:tailEnd type="none" w="sm" len="sm"/>
           </a:ln>
         </p:spPr>
       </p:sp>
       <p:sp>
         <p:nvSpPr>
           <p:cNvPr id="4" name="Google Shape;4;n"/>
-          <p:cNvSpPr txBox="1"/>
+          <p:cNvSpPr txBox="1">
+            <a:spLocks noGrp="1"/>
+          </p:cNvSpPr>
           <p:nvPr>
-            <p:ph idx="1" type="body"/>
+            <p:ph type="body" idx="1"/>
           </p:nvPr>
         </p:nvSpPr>
         <p:spPr>
@@ -344,11 +359,11 @@
           </a:ln>
         </p:spPr>
         <p:txBody>
-          <a:bodyPr anchorCtr="0" anchor="t" bIns="91425" lIns="91425" spcFirstLastPara="1" rIns="91425" wrap="square" tIns="91425">
+          <a:bodyPr spcFirstLastPara="1" wrap="square" lIns="91425" tIns="91425" rIns="91425" bIns="91425" anchor="t" anchorCtr="0">
             <a:noAutofit/>
           </a:bodyPr>
           <a:lstStyle>
-            <a:lvl1pPr indent="-298450" lvl="0" marL="457200">
+            <a:lvl1pPr marL="457200" lvl="0" indent="-298450">
               <a:spcBef>
                 <a:spcPts val="0"/>
               </a:spcBef>
@@ -359,7 +374,7 @@
               <a:buChar char="●"/>
               <a:defRPr sz="1100"/>
             </a:lvl1pPr>
-            <a:lvl2pPr indent="-298450" lvl="1" marL="914400">
+            <a:lvl2pPr marL="914400" lvl="1" indent="-298450">
               <a:spcBef>
                 <a:spcPts val="0"/>
               </a:spcBef>
@@ -370,7 +385,7 @@
               <a:buChar char="○"/>
               <a:defRPr sz="1100"/>
             </a:lvl2pPr>
-            <a:lvl3pPr indent="-298450" lvl="2" marL="1371600">
+            <a:lvl3pPr marL="1371600" lvl="2" indent="-298450">
               <a:spcBef>
                 <a:spcPts val="0"/>
               </a:spcBef>
@@ -381,7 +396,7 @@
               <a:buChar char="■"/>
               <a:defRPr sz="1100"/>
             </a:lvl3pPr>
-            <a:lvl4pPr indent="-298450" lvl="3" marL="1828800">
+            <a:lvl4pPr marL="1828800" lvl="3" indent="-298450">
               <a:spcBef>
                 <a:spcPts val="0"/>
               </a:spcBef>
@@ -392,7 +407,7 @@
               <a:buChar char="●"/>
               <a:defRPr sz="1100"/>
             </a:lvl4pPr>
-            <a:lvl5pPr indent="-298450" lvl="4" marL="2286000">
+            <a:lvl5pPr marL="2286000" lvl="4" indent="-298450">
               <a:spcBef>
                 <a:spcPts val="0"/>
               </a:spcBef>
@@ -403,7 +418,7 @@
               <a:buChar char="○"/>
               <a:defRPr sz="1100"/>
             </a:lvl5pPr>
-            <a:lvl6pPr indent="-298450" lvl="5" marL="2743200">
+            <a:lvl6pPr marL="2743200" lvl="5" indent="-298450">
               <a:spcBef>
                 <a:spcPts val="0"/>
               </a:spcBef>
@@ -414,7 +429,7 @@
               <a:buChar char="■"/>
               <a:defRPr sz="1100"/>
             </a:lvl6pPr>
-            <a:lvl7pPr indent="-298450" lvl="6" marL="3200400">
+            <a:lvl7pPr marL="3200400" lvl="6" indent="-298450">
               <a:spcBef>
                 <a:spcPts val="0"/>
               </a:spcBef>
@@ -425,7 +440,7 @@
               <a:buChar char="●"/>
               <a:defRPr sz="1100"/>
             </a:lvl7pPr>
-            <a:lvl8pPr indent="-298450" lvl="7" marL="3657600">
+            <a:lvl8pPr marL="3657600" lvl="7" indent="-298450">
               <a:spcBef>
                 <a:spcPts val="0"/>
               </a:spcBef>
@@ -436,7 +451,7 @@
               <a:buChar char="○"/>
               <a:defRPr sz="1100"/>
             </a:lvl8pPr>
-            <a:lvl9pPr indent="-298450" lvl="8" marL="4114800">
+            <a:lvl9pPr marL="4114800" lvl="8" indent="-298450">
               <a:spcBef>
                 <a:spcPts val="0"/>
               </a:spcBef>
@@ -448,14 +463,16 @@
               <a:defRPr sz="1100"/>
             </a:lvl9pPr>
           </a:lstStyle>
-          <a:p/>
+          <a:p>
+            <a:endParaRPr/>
+          </a:p>
         </p:txBody>
       </p:sp>
     </p:spTree>
   </p:cSld>
-  <p:clrMap accent1="accent1" accent2="accent2" accent3="accent3" accent4="accent4" accent5="accent5" accent6="accent6" bg1="lt1" bg2="dk2" tx1="dk1" tx2="lt2" folHlink="folHlink" hlink="hlink"/>
+  <p:clrMap bg1="lt1" tx1="dk1" bg2="dk2" tx2="lt2" accent1="accent1" accent2="accent2" accent3="accent3" accent4="accent4" accent5="accent5" accent6="accent6" hlink="hlink" folHlink="folHlink"/>
   <p:notesStyle>
-    <a:defPPr lvl="0" marR="0" rtl="0" algn="l">
+    <a:defPPr marR="0" lvl="0" algn="l" rtl="0">
       <a:lnSpc>
         <a:spcPct val="100000"/>
       </a:lnSpc>
@@ -466,7 +483,7 @@
         <a:spcPts val="0"/>
       </a:spcAft>
     </a:defPPr>
-    <a:lvl1pPr lvl="0" marR="0" rtl="0" algn="l">
+    <a:lvl1pPr marR="0" lvl="0" algn="l" rtl="0">
       <a:lnSpc>
         <a:spcPct val="100000"/>
       </a:lnSpc>
@@ -480,7 +497,7 @@
         <a:srgbClr val="000000"/>
       </a:buClr>
       <a:buFont typeface="Arial"/>
-      <a:defRPr b="0" i="0" sz="1400" u="none" cap="none" strike="noStrike">
+      <a:defRPr sz="1400" b="0" i="0" u="none" strike="noStrike" cap="none">
         <a:solidFill>
           <a:srgbClr val="000000"/>
         </a:solidFill>
@@ -490,7 +507,7 @@
         <a:sym typeface="Arial"/>
       </a:defRPr>
     </a:lvl1pPr>
-    <a:lvl2pPr lvl="1" marR="0" rtl="0" algn="l">
+    <a:lvl2pPr marR="0" lvl="1" algn="l" rtl="0">
       <a:lnSpc>
         <a:spcPct val="100000"/>
       </a:lnSpc>
@@ -504,7 +521,7 @@
         <a:srgbClr val="000000"/>
       </a:buClr>
       <a:buFont typeface="Arial"/>
-      <a:defRPr b="0" i="0" sz="1400" u="none" cap="none" strike="noStrike">
+      <a:defRPr sz="1400" b="0" i="0" u="none" strike="noStrike" cap="none">
         <a:solidFill>
           <a:srgbClr val="000000"/>
         </a:solidFill>
@@ -514,7 +531,7 @@
         <a:sym typeface="Arial"/>
       </a:defRPr>
     </a:lvl2pPr>
-    <a:lvl3pPr lvl="2" marR="0" rtl="0" algn="l">
+    <a:lvl3pPr marR="0" lvl="2" algn="l" rtl="0">
       <a:lnSpc>
         <a:spcPct val="100000"/>
       </a:lnSpc>
@@ -528,7 +545,7 @@
         <a:srgbClr val="000000"/>
       </a:buClr>
       <a:buFont typeface="Arial"/>
-      <a:defRPr b="0" i="0" sz="1400" u="none" cap="none" strike="noStrike">
+      <a:defRPr sz="1400" b="0" i="0" u="none" strike="noStrike" cap="none">
         <a:solidFill>
           <a:srgbClr val="000000"/>
         </a:solidFill>
@@ -538,7 +555,7 @@
         <a:sym typeface="Arial"/>
       </a:defRPr>
     </a:lvl3pPr>
-    <a:lvl4pPr lvl="3" marR="0" rtl="0" algn="l">
+    <a:lvl4pPr marR="0" lvl="3" algn="l" rtl="0">
       <a:lnSpc>
         <a:spcPct val="100000"/>
       </a:lnSpc>
@@ -552,7 +569,7 @@
         <a:srgbClr val="000000"/>
       </a:buClr>
       <a:buFont typeface="Arial"/>
-      <a:defRPr b="0" i="0" sz="1400" u="none" cap="none" strike="noStrike">
+      <a:defRPr sz="1400" b="0" i="0" u="none" strike="noStrike" cap="none">
         <a:solidFill>
           <a:srgbClr val="000000"/>
         </a:solidFill>
@@ -562,7 +579,7 @@
         <a:sym typeface="Arial"/>
       </a:defRPr>
     </a:lvl4pPr>
-    <a:lvl5pPr lvl="4" marR="0" rtl="0" algn="l">
+    <a:lvl5pPr marR="0" lvl="4" algn="l" rtl="0">
       <a:lnSpc>
         <a:spcPct val="100000"/>
       </a:lnSpc>
@@ -576,7 +593,7 @@
         <a:srgbClr val="000000"/>
       </a:buClr>
       <a:buFont typeface="Arial"/>
-      <a:defRPr b="0" i="0" sz="1400" u="none" cap="none" strike="noStrike">
+      <a:defRPr sz="1400" b="0" i="0" u="none" strike="noStrike" cap="none">
         <a:solidFill>
           <a:srgbClr val="000000"/>
         </a:solidFill>
@@ -586,7 +603,7 @@
         <a:sym typeface="Arial"/>
       </a:defRPr>
     </a:lvl5pPr>
-    <a:lvl6pPr lvl="5" marR="0" rtl="0" algn="l">
+    <a:lvl6pPr marR="0" lvl="5" algn="l" rtl="0">
       <a:lnSpc>
         <a:spcPct val="100000"/>
       </a:lnSpc>
@@ -600,7 +617,7 @@
         <a:srgbClr val="000000"/>
       </a:buClr>
       <a:buFont typeface="Arial"/>
-      <a:defRPr b="0" i="0" sz="1400" u="none" cap="none" strike="noStrike">
+      <a:defRPr sz="1400" b="0" i="0" u="none" strike="noStrike" cap="none">
         <a:solidFill>
           <a:srgbClr val="000000"/>
         </a:solidFill>
@@ -610,7 +627,7 @@
         <a:sym typeface="Arial"/>
       </a:defRPr>
     </a:lvl6pPr>
-    <a:lvl7pPr lvl="6" marR="0" rtl="0" algn="l">
+    <a:lvl7pPr marR="0" lvl="6" algn="l" rtl="0">
       <a:lnSpc>
         <a:spcPct val="100000"/>
       </a:lnSpc>
@@ -624,7 +641,7 @@
         <a:srgbClr val="000000"/>
       </a:buClr>
       <a:buFont typeface="Arial"/>
-      <a:defRPr b="0" i="0" sz="1400" u="none" cap="none" strike="noStrike">
+      <a:defRPr sz="1400" b="0" i="0" u="none" strike="noStrike" cap="none">
         <a:solidFill>
           <a:srgbClr val="000000"/>
         </a:solidFill>
@@ -634,7 +651,7 @@
         <a:sym typeface="Arial"/>
       </a:defRPr>
     </a:lvl7pPr>
-    <a:lvl8pPr lvl="7" marR="0" rtl="0" algn="l">
+    <a:lvl8pPr marR="0" lvl="7" algn="l" rtl="0">
       <a:lnSpc>
         <a:spcPct val="100000"/>
       </a:lnSpc>
@@ -648,7 +665,7 @@
         <a:srgbClr val="000000"/>
       </a:buClr>
       <a:buFont typeface="Arial"/>
-      <a:defRPr b="0" i="0" sz="1400" u="none" cap="none" strike="noStrike">
+      <a:defRPr sz="1400" b="0" i="0" u="none" strike="noStrike" cap="none">
         <a:solidFill>
           <a:srgbClr val="000000"/>
         </a:solidFill>
@@ -658,7 +675,7 @@
         <a:sym typeface="Arial"/>
       </a:defRPr>
     </a:lvl8pPr>
-    <a:lvl9pPr lvl="8" marR="0" rtl="0" algn="l">
+    <a:lvl9pPr marR="0" lvl="8" algn="l" rtl="0">
       <a:lnSpc>
         <a:spcPct val="100000"/>
       </a:lnSpc>
@@ -672,7 +689,7 @@
         <a:srgbClr val="000000"/>
       </a:buClr>
       <a:buFont typeface="Arial"/>
-      <a:defRPr b="0" i="0" sz="1400" u="none" cap="none" strike="noStrike">
+      <a:defRPr sz="1400" b="0" i="0" u="none" strike="noStrike" cap="none">
         <a:solidFill>
           <a:srgbClr val="000000"/>
         </a:solidFill>
@@ -687,11 +704,11 @@
 </file>
 
 <file path=ppt/notesSlides/notesSlide1.xml><?xml version="1.0" encoding="utf-8"?>
-<p:notes xmlns:a="http://schemas.openxmlformats.org/drawingml/2006/main" xmlns:r="http://schemas.openxmlformats.org/officeDocument/2006/relationships" xmlns:mc="http://schemas.openxmlformats.org/markup-compatibility/2006" xmlns:mv="urn:schemas-microsoft-com:mac:vml" xmlns:p="http://schemas.openxmlformats.org/presentationml/2006/main" xmlns:c="http://schemas.openxmlformats.org/drawingml/2006/chart" xmlns:dgm="http://schemas.openxmlformats.org/drawingml/2006/diagram" xmlns:o="urn:schemas-microsoft-com:office:office" xmlns:v="urn:schemas-microsoft-com:vml" xmlns:pvml="urn:schemas-microsoft-com:office:powerpoint" xmlns:com="http://schemas.openxmlformats.org/drawingml/2006/compatibility" xmlns:p14="http://schemas.microsoft.com/office/powerpoint/2010/main" xmlns:p15="http://schemas.microsoft.com/office/powerpoint/2012/main" xmlns:ahyp="http://schemas.microsoft.com/office/drawing/2018/hyperlinkcolor" showMasterPhAnim="0" showMasterSp="0">
+<p:notes xmlns:a="http://schemas.openxmlformats.org/drawingml/2006/main" xmlns:r="http://schemas.openxmlformats.org/officeDocument/2006/relationships" xmlns:p="http://schemas.openxmlformats.org/presentationml/2006/main" showMasterSp="0" showMasterPhAnim="0">
   <p:cSld>
     <p:spTree>
       <p:nvGrpSpPr>
-        <p:cNvPr id="50" name="Shape 50"/>
+        <p:cNvPr id="1" name="Shape 50"/>
         <p:cNvGrpSpPr/>
         <p:nvPr/>
       </p:nvGrpSpPr>
@@ -706,20 +723,26 @@
       <p:sp>
         <p:nvSpPr>
           <p:cNvPr id="51" name="Google Shape;51;gfd2dfdc1f4_0_45:notes"/>
-          <p:cNvSpPr/>
+          <p:cNvSpPr>
+            <a:spLocks noGrp="1" noRot="1" noChangeAspect="1"/>
+          </p:cNvSpPr>
           <p:nvPr>
-            <p:ph idx="2" type="sldImg"/>
+            <p:ph type="sldImg" idx="2"/>
           </p:nvPr>
         </p:nvSpPr>
         <p:spPr>
           <a:xfrm>
-            <a:off x="381300" y="685800"/>
+            <a:off x="381000" y="685800"/>
             <a:ext cx="6096000" cy="3429000"/>
           </a:xfrm>
           <a:custGeom>
-            <a:rect b="b" l="l" r="r" t="t"/>
+            <a:avLst/>
+            <a:gdLst/>
+            <a:ahLst/>
+            <a:cxnLst/>
+            <a:rect l="l" t="t" r="r" b="b"/>
             <a:pathLst>
-              <a:path extrusionOk="0" h="120000" w="120000">
+              <a:path w="120000" h="120000" extrusionOk="0">
                 <a:moveTo>
                   <a:pt x="0" y="0"/>
                 </a:moveTo>
@@ -741,9 +764,11 @@
       <p:sp>
         <p:nvSpPr>
           <p:cNvPr id="52" name="Google Shape;52;gfd2dfdc1f4_0_45:notes"/>
-          <p:cNvSpPr txBox="1"/>
+          <p:cNvSpPr txBox="1">
+            <a:spLocks noGrp="1"/>
+          </p:cNvSpPr>
           <p:nvPr>
-            <p:ph idx="1" type="body"/>
+            <p:ph type="body" idx="1"/>
           </p:nvPr>
         </p:nvSpPr>
         <p:spPr>
@@ -756,12 +781,12 @@
           </a:prstGeom>
         </p:spPr>
         <p:txBody>
-          <a:bodyPr anchorCtr="0" anchor="t" bIns="91425" lIns="91425" spcFirstLastPara="1" rIns="91425" wrap="square" tIns="91425">
+          <a:bodyPr spcFirstLastPara="1" wrap="square" lIns="91425" tIns="91425" rIns="91425" bIns="91425" anchor="t" anchorCtr="0">
             <a:noAutofit/>
           </a:bodyPr>
           <a:lstStyle/>
           <a:p>
-            <a:pPr indent="0" lvl="0" marL="0" rtl="0" algn="l">
+            <a:pPr marL="0" lvl="0" indent="0" algn="l" rtl="0">
               <a:spcBef>
                 <a:spcPts val="0"/>
               </a:spcBef>
@@ -770,9 +795,6 @@
               </a:spcAft>
               <a:buNone/>
             </a:pPr>
-            <a:r>
-              <a:t/>
-            </a:r>
             <a:endParaRPr/>
           </a:p>
         </p:txBody>
@@ -785,12 +807,230 @@
 </p:notes>
 </file>
 
+<file path=ppt/notesSlides/notesSlide2.xml><?xml version="1.0" encoding="utf-8"?>
+<p:notes xmlns:a="http://schemas.openxmlformats.org/drawingml/2006/main" xmlns:r="http://schemas.openxmlformats.org/officeDocument/2006/relationships" xmlns:p="http://schemas.openxmlformats.org/presentationml/2006/main" showMasterSp="0" showMasterPhAnim="0">
+  <p:cSld>
+    <p:spTree>
+      <p:nvGrpSpPr>
+        <p:cNvPr id="1" name="Shape 50"/>
+        <p:cNvGrpSpPr/>
+        <p:nvPr/>
+      </p:nvGrpSpPr>
+      <p:grpSpPr>
+        <a:xfrm>
+          <a:off x="0" y="0"/>
+          <a:ext cx="0" cy="0"/>
+          <a:chOff x="0" y="0"/>
+          <a:chExt cx="0" cy="0"/>
+        </a:xfrm>
+      </p:grpSpPr>
+      <p:sp>
+        <p:nvSpPr>
+          <p:cNvPr id="51" name="Google Shape;51;gfd2dfdc1f4_0_45:notes"/>
+          <p:cNvSpPr>
+            <a:spLocks noGrp="1" noRot="1" noChangeAspect="1"/>
+          </p:cNvSpPr>
+          <p:nvPr>
+            <p:ph type="sldImg" idx="2"/>
+          </p:nvPr>
+        </p:nvSpPr>
+        <p:spPr>
+          <a:xfrm>
+            <a:off x="381000" y="685800"/>
+            <a:ext cx="6096000" cy="3429000"/>
+          </a:xfrm>
+          <a:custGeom>
+            <a:avLst/>
+            <a:gdLst/>
+            <a:ahLst/>
+            <a:cxnLst/>
+            <a:rect l="l" t="t" r="r" b="b"/>
+            <a:pathLst>
+              <a:path w="120000" h="120000" extrusionOk="0">
+                <a:moveTo>
+                  <a:pt x="0" y="0"/>
+                </a:moveTo>
+                <a:lnTo>
+                  <a:pt x="120000" y="0"/>
+                </a:lnTo>
+                <a:lnTo>
+                  <a:pt x="120000" y="120000"/>
+                </a:lnTo>
+                <a:lnTo>
+                  <a:pt x="0" y="120000"/>
+                </a:lnTo>
+                <a:close/>
+              </a:path>
+            </a:pathLst>
+          </a:custGeom>
+        </p:spPr>
+      </p:sp>
+      <p:sp>
+        <p:nvSpPr>
+          <p:cNvPr id="52" name="Google Shape;52;gfd2dfdc1f4_0_45:notes"/>
+          <p:cNvSpPr txBox="1">
+            <a:spLocks noGrp="1"/>
+          </p:cNvSpPr>
+          <p:nvPr>
+            <p:ph type="body" idx="1"/>
+          </p:nvPr>
+        </p:nvSpPr>
+        <p:spPr>
+          <a:xfrm>
+            <a:off x="685800" y="4343400"/>
+            <a:ext cx="5486400" cy="4114800"/>
+          </a:xfrm>
+          <a:prstGeom prst="rect">
+            <a:avLst/>
+          </a:prstGeom>
+        </p:spPr>
+        <p:txBody>
+          <a:bodyPr spcFirstLastPara="1" wrap="square" lIns="91425" tIns="91425" rIns="91425" bIns="91425" anchor="t" anchorCtr="0">
+            <a:noAutofit/>
+          </a:bodyPr>
+          <a:lstStyle/>
+          <a:p>
+            <a:pPr marL="0" lvl="0" indent="0" algn="l" rtl="0">
+              <a:spcBef>
+                <a:spcPts val="0"/>
+              </a:spcBef>
+              <a:spcAft>
+                <a:spcPts val="0"/>
+              </a:spcAft>
+              <a:buNone/>
+            </a:pPr>
+            <a:endParaRPr/>
+          </a:p>
+        </p:txBody>
+      </p:sp>
+    </p:spTree>
+    <p:extLst>
+      <p:ext uri="{BB962C8B-B14F-4D97-AF65-F5344CB8AC3E}">
+        <p14:creationId xmlns:p14="http://schemas.microsoft.com/office/powerpoint/2010/main" val="3192648159"/>
+      </p:ext>
+    </p:extLst>
+  </p:cSld>
+  <p:clrMapOvr>
+    <a:masterClrMapping/>
+  </p:clrMapOvr>
+</p:notes>
+</file>
+
+<file path=ppt/notesSlides/notesSlide3.xml><?xml version="1.0" encoding="utf-8"?>
+<p:notes xmlns:a="http://schemas.openxmlformats.org/drawingml/2006/main" xmlns:r="http://schemas.openxmlformats.org/officeDocument/2006/relationships" xmlns:p="http://schemas.openxmlformats.org/presentationml/2006/main" showMasterSp="0" showMasterPhAnim="0">
+  <p:cSld>
+    <p:spTree>
+      <p:nvGrpSpPr>
+        <p:cNvPr id="1" name="Shape 50"/>
+        <p:cNvGrpSpPr/>
+        <p:nvPr/>
+      </p:nvGrpSpPr>
+      <p:grpSpPr>
+        <a:xfrm>
+          <a:off x="0" y="0"/>
+          <a:ext cx="0" cy="0"/>
+          <a:chOff x="0" y="0"/>
+          <a:chExt cx="0" cy="0"/>
+        </a:xfrm>
+      </p:grpSpPr>
+      <p:sp>
+        <p:nvSpPr>
+          <p:cNvPr id="51" name="Google Shape;51;gfd2dfdc1f4_0_45:notes"/>
+          <p:cNvSpPr>
+            <a:spLocks noGrp="1" noRot="1" noChangeAspect="1"/>
+          </p:cNvSpPr>
+          <p:nvPr>
+            <p:ph type="sldImg" idx="2"/>
+          </p:nvPr>
+        </p:nvSpPr>
+        <p:spPr>
+          <a:xfrm>
+            <a:off x="381000" y="685800"/>
+            <a:ext cx="6096000" cy="3429000"/>
+          </a:xfrm>
+          <a:custGeom>
+            <a:avLst/>
+            <a:gdLst/>
+            <a:ahLst/>
+            <a:cxnLst/>
+            <a:rect l="l" t="t" r="r" b="b"/>
+            <a:pathLst>
+              <a:path w="120000" h="120000" extrusionOk="0">
+                <a:moveTo>
+                  <a:pt x="0" y="0"/>
+                </a:moveTo>
+                <a:lnTo>
+                  <a:pt x="120000" y="0"/>
+                </a:lnTo>
+                <a:lnTo>
+                  <a:pt x="120000" y="120000"/>
+                </a:lnTo>
+                <a:lnTo>
+                  <a:pt x="0" y="120000"/>
+                </a:lnTo>
+                <a:close/>
+              </a:path>
+            </a:pathLst>
+          </a:custGeom>
+        </p:spPr>
+      </p:sp>
+      <p:sp>
+        <p:nvSpPr>
+          <p:cNvPr id="52" name="Google Shape;52;gfd2dfdc1f4_0_45:notes"/>
+          <p:cNvSpPr txBox="1">
+            <a:spLocks noGrp="1"/>
+          </p:cNvSpPr>
+          <p:nvPr>
+            <p:ph type="body" idx="1"/>
+          </p:nvPr>
+        </p:nvSpPr>
+        <p:spPr>
+          <a:xfrm>
+            <a:off x="685800" y="4343400"/>
+            <a:ext cx="5486400" cy="4114800"/>
+          </a:xfrm>
+          <a:prstGeom prst="rect">
+            <a:avLst/>
+          </a:prstGeom>
+        </p:spPr>
+        <p:txBody>
+          <a:bodyPr spcFirstLastPara="1" wrap="square" lIns="91425" tIns="91425" rIns="91425" bIns="91425" anchor="t" anchorCtr="0">
+            <a:noAutofit/>
+          </a:bodyPr>
+          <a:lstStyle/>
+          <a:p>
+            <a:pPr marL="0" lvl="0" indent="0" algn="l" rtl="0">
+              <a:spcBef>
+                <a:spcPts val="0"/>
+              </a:spcBef>
+              <a:spcAft>
+                <a:spcPts val="0"/>
+              </a:spcAft>
+              <a:buNone/>
+            </a:pPr>
+            <a:endParaRPr dirty="0"/>
+          </a:p>
+        </p:txBody>
+      </p:sp>
+    </p:spTree>
+    <p:extLst>
+      <p:ext uri="{BB962C8B-B14F-4D97-AF65-F5344CB8AC3E}">
+        <p14:creationId xmlns:p14="http://schemas.microsoft.com/office/powerpoint/2010/main" val="1182365928"/>
+      </p:ext>
+    </p:extLst>
+  </p:cSld>
+  <p:clrMapOvr>
+    <a:masterClrMapping/>
+  </p:clrMapOvr>
+</p:notes>
+</file>
+
 <file path=ppt/slideLayouts/slideLayout1.xml><?xml version="1.0" encoding="utf-8"?>
-<p:sldLayout xmlns:a="http://schemas.openxmlformats.org/drawingml/2006/main" xmlns:r="http://schemas.openxmlformats.org/officeDocument/2006/relationships" xmlns:mc="http://schemas.openxmlformats.org/markup-compatibility/2006" xmlns:mv="urn:schemas-microsoft-com:mac:vml" xmlns:p="http://schemas.openxmlformats.org/presentationml/2006/main" xmlns:c="http://schemas.openxmlformats.org/drawingml/2006/chart" xmlns:dgm="http://schemas.openxmlformats.org/drawingml/2006/diagram" xmlns:o="urn:schemas-microsoft-com:office:office" xmlns:v="urn:schemas-microsoft-com:vml" xmlns:pvml="urn:schemas-microsoft-com:office:powerpoint" xmlns:com="http://schemas.openxmlformats.org/drawingml/2006/compatibility" xmlns:p14="http://schemas.microsoft.com/office/powerpoint/2010/main" xmlns:p15="http://schemas.microsoft.com/office/powerpoint/2012/main" xmlns:ahyp="http://schemas.microsoft.com/office/drawing/2018/hyperlinkcolor" matchingName="Title slide" type="title">
+<p:sldLayout xmlns:a="http://schemas.openxmlformats.org/drawingml/2006/main" xmlns:r="http://schemas.openxmlformats.org/officeDocument/2006/relationships" xmlns:p="http://schemas.openxmlformats.org/presentationml/2006/main" matchingName="Title slide" type="title">
   <p:cSld name="TITLE">
     <p:spTree>
       <p:nvGrpSpPr>
-        <p:cNvPr id="9" name="Shape 9"/>
+        <p:cNvPr id="1" name="Shape 9"/>
         <p:cNvGrpSpPr/>
         <p:nvPr/>
       </p:nvGrpSpPr>
@@ -805,7 +1045,9 @@
       <p:sp>
         <p:nvSpPr>
           <p:cNvPr id="10" name="Google Shape;10;p2"/>
-          <p:cNvSpPr txBox="1"/>
+          <p:cNvSpPr txBox="1">
+            <a:spLocks noGrp="1"/>
+          </p:cNvSpPr>
           <p:nvPr>
             <p:ph type="ctrTitle"/>
           </p:nvPr>
@@ -820,11 +1062,11 @@
           </a:prstGeom>
         </p:spPr>
         <p:txBody>
-          <a:bodyPr anchorCtr="0" anchor="b" bIns="91425" lIns="91425" spcFirstLastPara="1" rIns="91425" wrap="square" tIns="91425">
+          <a:bodyPr spcFirstLastPara="1" wrap="square" lIns="91425" tIns="91425" rIns="91425" bIns="91425" anchor="b" anchorCtr="0">
             <a:normAutofit/>
           </a:bodyPr>
           <a:lstStyle>
-            <a:lvl1pPr lvl="0" rtl="0" algn="ctr">
+            <a:lvl1pPr lvl="0" algn="ctr" rtl="0">
               <a:spcBef>
                 <a:spcPts val="0"/>
               </a:spcBef>
@@ -835,7 +1077,7 @@
               <a:buNone/>
               <a:defRPr sz="5200"/>
             </a:lvl1pPr>
-            <a:lvl2pPr lvl="1" rtl="0" algn="ctr">
+            <a:lvl2pPr lvl="1" algn="ctr" rtl="0">
               <a:spcBef>
                 <a:spcPts val="0"/>
               </a:spcBef>
@@ -846,7 +1088,7 @@
               <a:buNone/>
               <a:defRPr sz="5200"/>
             </a:lvl2pPr>
-            <a:lvl3pPr lvl="2" rtl="0" algn="ctr">
+            <a:lvl3pPr lvl="2" algn="ctr" rtl="0">
               <a:spcBef>
                 <a:spcPts val="0"/>
               </a:spcBef>
@@ -857,7 +1099,7 @@
               <a:buNone/>
               <a:defRPr sz="5200"/>
             </a:lvl3pPr>
-            <a:lvl4pPr lvl="3" rtl="0" algn="ctr">
+            <a:lvl4pPr lvl="3" algn="ctr" rtl="0">
               <a:spcBef>
                 <a:spcPts val="0"/>
               </a:spcBef>
@@ -868,7 +1110,7 @@
               <a:buNone/>
               <a:defRPr sz="5200"/>
             </a:lvl4pPr>
-            <a:lvl5pPr lvl="4" rtl="0" algn="ctr">
+            <a:lvl5pPr lvl="4" algn="ctr" rtl="0">
               <a:spcBef>
                 <a:spcPts val="0"/>
               </a:spcBef>
@@ -879,7 +1121,7 @@
               <a:buNone/>
               <a:defRPr sz="5200"/>
             </a:lvl5pPr>
-            <a:lvl6pPr lvl="5" rtl="0" algn="ctr">
+            <a:lvl6pPr lvl="5" algn="ctr" rtl="0">
               <a:spcBef>
                 <a:spcPts val="0"/>
               </a:spcBef>
@@ -890,7 +1132,7 @@
               <a:buNone/>
               <a:defRPr sz="5200"/>
             </a:lvl6pPr>
-            <a:lvl7pPr lvl="6" rtl="0" algn="ctr">
+            <a:lvl7pPr lvl="6" algn="ctr" rtl="0">
               <a:spcBef>
                 <a:spcPts val="0"/>
               </a:spcBef>
@@ -901,7 +1143,7 @@
               <a:buNone/>
               <a:defRPr sz="5200"/>
             </a:lvl7pPr>
-            <a:lvl8pPr lvl="7" rtl="0" algn="ctr">
+            <a:lvl8pPr lvl="7" algn="ctr" rtl="0">
               <a:spcBef>
                 <a:spcPts val="0"/>
               </a:spcBef>
@@ -912,7 +1154,7 @@
               <a:buNone/>
               <a:defRPr sz="5200"/>
             </a:lvl8pPr>
-            <a:lvl9pPr lvl="8" rtl="0" algn="ctr">
+            <a:lvl9pPr lvl="8" algn="ctr" rtl="0">
               <a:spcBef>
                 <a:spcPts val="0"/>
               </a:spcBef>
@@ -924,15 +1166,19 @@
               <a:defRPr sz="5200"/>
             </a:lvl9pPr>
           </a:lstStyle>
-          <a:p/>
+          <a:p>
+            <a:endParaRPr/>
+          </a:p>
         </p:txBody>
       </p:sp>
       <p:sp>
         <p:nvSpPr>
           <p:cNvPr id="11" name="Google Shape;11;p2"/>
-          <p:cNvSpPr txBox="1"/>
+          <p:cNvSpPr txBox="1">
+            <a:spLocks noGrp="1"/>
+          </p:cNvSpPr>
           <p:nvPr>
-            <p:ph idx="1" type="subTitle"/>
+            <p:ph type="subTitle" idx="1"/>
           </p:nvPr>
         </p:nvSpPr>
         <p:spPr>
@@ -945,11 +1191,11 @@
           </a:prstGeom>
         </p:spPr>
         <p:txBody>
-          <a:bodyPr anchorCtr="0" anchor="t" bIns="91425" lIns="91425" spcFirstLastPara="1" rIns="91425" wrap="square" tIns="91425">
+          <a:bodyPr spcFirstLastPara="1" wrap="square" lIns="91425" tIns="91425" rIns="91425" bIns="91425" anchor="t" anchorCtr="0">
             <a:normAutofit/>
           </a:bodyPr>
           <a:lstStyle>
-            <a:lvl1pPr lvl="0" rtl="0" algn="ctr">
+            <a:lvl1pPr lvl="0" algn="ctr" rtl="0">
               <a:lnSpc>
                 <a:spcPct val="100000"/>
               </a:lnSpc>
@@ -963,7 +1209,7 @@
               <a:buNone/>
               <a:defRPr sz="2800"/>
             </a:lvl1pPr>
-            <a:lvl2pPr lvl="1" rtl="0" algn="ctr">
+            <a:lvl2pPr lvl="1" algn="ctr" rtl="0">
               <a:lnSpc>
                 <a:spcPct val="100000"/>
               </a:lnSpc>
@@ -977,7 +1223,7 @@
               <a:buNone/>
               <a:defRPr sz="2800"/>
             </a:lvl2pPr>
-            <a:lvl3pPr lvl="2" rtl="0" algn="ctr">
+            <a:lvl3pPr lvl="2" algn="ctr" rtl="0">
               <a:lnSpc>
                 <a:spcPct val="100000"/>
               </a:lnSpc>
@@ -991,7 +1237,7 @@
               <a:buNone/>
               <a:defRPr sz="2800"/>
             </a:lvl3pPr>
-            <a:lvl4pPr lvl="3" rtl="0" algn="ctr">
+            <a:lvl4pPr lvl="3" algn="ctr" rtl="0">
               <a:lnSpc>
                 <a:spcPct val="100000"/>
               </a:lnSpc>
@@ -1005,7 +1251,7 @@
               <a:buNone/>
               <a:defRPr sz="2800"/>
             </a:lvl4pPr>
-            <a:lvl5pPr lvl="4" rtl="0" algn="ctr">
+            <a:lvl5pPr lvl="4" algn="ctr" rtl="0">
               <a:lnSpc>
                 <a:spcPct val="100000"/>
               </a:lnSpc>
@@ -1019,7 +1265,7 @@
               <a:buNone/>
               <a:defRPr sz="2800"/>
             </a:lvl5pPr>
-            <a:lvl6pPr lvl="5" rtl="0" algn="ctr">
+            <a:lvl6pPr lvl="5" algn="ctr" rtl="0">
               <a:lnSpc>
                 <a:spcPct val="100000"/>
               </a:lnSpc>
@@ -1033,7 +1279,7 @@
               <a:buNone/>
               <a:defRPr sz="2800"/>
             </a:lvl6pPr>
-            <a:lvl7pPr lvl="6" rtl="0" algn="ctr">
+            <a:lvl7pPr lvl="6" algn="ctr" rtl="0">
               <a:lnSpc>
                 <a:spcPct val="100000"/>
               </a:lnSpc>
@@ -1047,7 +1293,7 @@
               <a:buNone/>
               <a:defRPr sz="2800"/>
             </a:lvl7pPr>
-            <a:lvl8pPr lvl="7" rtl="0" algn="ctr">
+            <a:lvl8pPr lvl="7" algn="ctr" rtl="0">
               <a:lnSpc>
                 <a:spcPct val="100000"/>
               </a:lnSpc>
@@ -1061,7 +1307,7 @@
               <a:buNone/>
               <a:defRPr sz="2800"/>
             </a:lvl8pPr>
-            <a:lvl9pPr lvl="8" rtl="0" algn="ctr">
+            <a:lvl9pPr lvl="8" algn="ctr" rtl="0">
               <a:lnSpc>
                 <a:spcPct val="100000"/>
               </a:lnSpc>
@@ -1076,15 +1322,19 @@
               <a:defRPr sz="2800"/>
             </a:lvl9pPr>
           </a:lstStyle>
-          <a:p/>
+          <a:p>
+            <a:endParaRPr/>
+          </a:p>
         </p:txBody>
       </p:sp>
       <p:sp>
         <p:nvSpPr>
           <p:cNvPr id="12" name="Google Shape;12;p2"/>
-          <p:cNvSpPr txBox="1"/>
+          <p:cNvSpPr txBox="1">
+            <a:spLocks noGrp="1"/>
+          </p:cNvSpPr>
           <p:nvPr>
-            <p:ph idx="12" type="sldNum"/>
+            <p:ph type="sldNum" idx="12"/>
           </p:nvPr>
         </p:nvSpPr>
         <p:spPr>
@@ -1097,7 +1347,7 @@
           </a:prstGeom>
         </p:spPr>
         <p:txBody>
-          <a:bodyPr anchorCtr="0" anchor="ctr" bIns="91425" lIns="91425" spcFirstLastPara="1" rIns="91425" wrap="square" tIns="91425">
+          <a:bodyPr spcFirstLastPara="1" wrap="square" lIns="91425" tIns="91425" rIns="91425" bIns="91425" anchor="ctr" anchorCtr="0">
             <a:normAutofit/>
           </a:bodyPr>
           <a:lstStyle>
@@ -1139,7 +1389,7 @@
             </a:lvl9pPr>
           </a:lstStyle>
           <a:p>
-            <a:pPr indent="0" lvl="0" marL="0" rtl="0" algn="r">
+            <a:pPr marL="0" lvl="0" indent="0" algn="r" rtl="0">
               <a:spcBef>
                 <a:spcPts val="0"/>
               </a:spcBef>
@@ -1165,11 +1415,11 @@
 </file>
 
 <file path=ppt/slideLayouts/slideLayout10.xml><?xml version="1.0" encoding="utf-8"?>
-<p:sldLayout xmlns:a="http://schemas.openxmlformats.org/drawingml/2006/main" xmlns:r="http://schemas.openxmlformats.org/officeDocument/2006/relationships" xmlns:mc="http://schemas.openxmlformats.org/markup-compatibility/2006" xmlns:mv="urn:schemas-microsoft-com:mac:vml" xmlns:p="http://schemas.openxmlformats.org/presentationml/2006/main" xmlns:c="http://schemas.openxmlformats.org/drawingml/2006/chart" xmlns:dgm="http://schemas.openxmlformats.org/drawingml/2006/diagram" xmlns:o="urn:schemas-microsoft-com:office:office" xmlns:v="urn:schemas-microsoft-com:vml" xmlns:pvml="urn:schemas-microsoft-com:office:powerpoint" xmlns:com="http://schemas.openxmlformats.org/drawingml/2006/compatibility" xmlns:p14="http://schemas.microsoft.com/office/powerpoint/2010/main" xmlns:p15="http://schemas.microsoft.com/office/powerpoint/2012/main" xmlns:ahyp="http://schemas.microsoft.com/office/drawing/2018/hyperlinkcolor" matchingName="Big number">
+<p:sldLayout xmlns:a="http://schemas.openxmlformats.org/drawingml/2006/main" xmlns:r="http://schemas.openxmlformats.org/officeDocument/2006/relationships" xmlns:p="http://schemas.openxmlformats.org/presentationml/2006/main" matchingName="Big number">
   <p:cSld name="BIG_NUMBER">
     <p:spTree>
       <p:nvGrpSpPr>
-        <p:cNvPr id="44" name="Shape 44"/>
+        <p:cNvPr id="1" name="Shape 44"/>
         <p:cNvGrpSpPr/>
         <p:nvPr/>
       </p:nvGrpSpPr>
@@ -1184,9 +1434,11 @@
       <p:sp>
         <p:nvSpPr>
           <p:cNvPr id="45" name="Google Shape;45;p11"/>
-          <p:cNvSpPr txBox="1"/>
+          <p:cNvSpPr txBox="1">
+            <a:spLocks noGrp="1"/>
+          </p:cNvSpPr>
           <p:nvPr>
-            <p:ph hasCustomPrompt="1" type="title"/>
+            <p:ph type="title" hasCustomPrompt="1"/>
           </p:nvPr>
         </p:nvSpPr>
         <p:spPr>
@@ -1199,11 +1451,11 @@
           </a:prstGeom>
         </p:spPr>
         <p:txBody>
-          <a:bodyPr anchorCtr="0" anchor="b" bIns="91425" lIns="91425" spcFirstLastPara="1" rIns="91425" wrap="square" tIns="91425">
+          <a:bodyPr spcFirstLastPara="1" wrap="square" lIns="91425" tIns="91425" rIns="91425" bIns="91425" anchor="b" anchorCtr="0">
             <a:normAutofit/>
           </a:bodyPr>
           <a:lstStyle>
-            <a:lvl1pPr lvl="0" rtl="0" algn="ctr">
+            <a:lvl1pPr lvl="0" algn="ctr" rtl="0">
               <a:spcBef>
                 <a:spcPts val="0"/>
               </a:spcBef>
@@ -1214,7 +1466,7 @@
               <a:buNone/>
               <a:defRPr sz="12000"/>
             </a:lvl1pPr>
-            <a:lvl2pPr lvl="1" rtl="0" algn="ctr">
+            <a:lvl2pPr lvl="1" algn="ctr" rtl="0">
               <a:spcBef>
                 <a:spcPts val="0"/>
               </a:spcBef>
@@ -1225,7 +1477,7 @@
               <a:buNone/>
               <a:defRPr sz="12000"/>
             </a:lvl2pPr>
-            <a:lvl3pPr lvl="2" rtl="0" algn="ctr">
+            <a:lvl3pPr lvl="2" algn="ctr" rtl="0">
               <a:spcBef>
                 <a:spcPts val="0"/>
               </a:spcBef>
@@ -1236,7 +1488,7 @@
               <a:buNone/>
               <a:defRPr sz="12000"/>
             </a:lvl3pPr>
-            <a:lvl4pPr lvl="3" rtl="0" algn="ctr">
+            <a:lvl4pPr lvl="3" algn="ctr" rtl="0">
               <a:spcBef>
                 <a:spcPts val="0"/>
               </a:spcBef>
@@ -1247,7 +1499,7 @@
               <a:buNone/>
               <a:defRPr sz="12000"/>
             </a:lvl4pPr>
-            <a:lvl5pPr lvl="4" rtl="0" algn="ctr">
+            <a:lvl5pPr lvl="4" algn="ctr" rtl="0">
               <a:spcBef>
                 <a:spcPts val="0"/>
               </a:spcBef>
@@ -1258,7 +1510,7 @@
               <a:buNone/>
               <a:defRPr sz="12000"/>
             </a:lvl5pPr>
-            <a:lvl6pPr lvl="5" rtl="0" algn="ctr">
+            <a:lvl6pPr lvl="5" algn="ctr" rtl="0">
               <a:spcBef>
                 <a:spcPts val="0"/>
               </a:spcBef>
@@ -1269,7 +1521,7 @@
               <a:buNone/>
               <a:defRPr sz="12000"/>
             </a:lvl6pPr>
-            <a:lvl7pPr lvl="6" rtl="0" algn="ctr">
+            <a:lvl7pPr lvl="6" algn="ctr" rtl="0">
               <a:spcBef>
                 <a:spcPts val="0"/>
               </a:spcBef>
@@ -1280,7 +1532,7 @@
               <a:buNone/>
               <a:defRPr sz="12000"/>
             </a:lvl7pPr>
-            <a:lvl8pPr lvl="7" rtl="0" algn="ctr">
+            <a:lvl8pPr lvl="7" algn="ctr" rtl="0">
               <a:spcBef>
                 <a:spcPts val="0"/>
               </a:spcBef>
@@ -1291,7 +1543,7 @@
               <a:buNone/>
               <a:defRPr sz="12000"/>
             </a:lvl8pPr>
-            <a:lvl9pPr lvl="8" rtl="0" algn="ctr">
+            <a:lvl9pPr lvl="8" algn="ctr" rtl="0">
               <a:spcBef>
                 <a:spcPts val="0"/>
               </a:spcBef>
@@ -1313,9 +1565,11 @@
       <p:sp>
         <p:nvSpPr>
           <p:cNvPr id="46" name="Google Shape;46;p11"/>
-          <p:cNvSpPr txBox="1"/>
+          <p:cNvSpPr txBox="1">
+            <a:spLocks noGrp="1"/>
+          </p:cNvSpPr>
           <p:nvPr>
-            <p:ph idx="1" type="body"/>
+            <p:ph type="body" idx="1"/>
           </p:nvPr>
         </p:nvSpPr>
         <p:spPr>
@@ -1328,11 +1582,11 @@
           </a:prstGeom>
         </p:spPr>
         <p:txBody>
-          <a:bodyPr anchorCtr="0" anchor="t" bIns="91425" lIns="91425" spcFirstLastPara="1" rIns="91425" wrap="square" tIns="91425">
+          <a:bodyPr spcFirstLastPara="1" wrap="square" lIns="91425" tIns="91425" rIns="91425" bIns="91425" anchor="t" anchorCtr="0">
             <a:normAutofit/>
           </a:bodyPr>
           <a:lstStyle>
-            <a:lvl1pPr indent="-342900" lvl="0" marL="457200" rtl="0" algn="ctr">
+            <a:lvl1pPr marL="457200" lvl="0" indent="-342900" algn="ctr" rtl="0">
               <a:spcBef>
                 <a:spcPts val="0"/>
               </a:spcBef>
@@ -1343,7 +1597,7 @@
               <a:buChar char="●"/>
               <a:defRPr/>
             </a:lvl1pPr>
-            <a:lvl2pPr indent="-317500" lvl="1" marL="914400" rtl="0" algn="ctr">
+            <a:lvl2pPr marL="914400" lvl="1" indent="-317500" algn="ctr" rtl="0">
               <a:spcBef>
                 <a:spcPts val="0"/>
               </a:spcBef>
@@ -1354,7 +1608,7 @@
               <a:buChar char="○"/>
               <a:defRPr/>
             </a:lvl2pPr>
-            <a:lvl3pPr indent="-317500" lvl="2" marL="1371600" rtl="0" algn="ctr">
+            <a:lvl3pPr marL="1371600" lvl="2" indent="-317500" algn="ctr" rtl="0">
               <a:spcBef>
                 <a:spcPts val="0"/>
               </a:spcBef>
@@ -1365,7 +1619,7 @@
               <a:buChar char="■"/>
               <a:defRPr/>
             </a:lvl3pPr>
-            <a:lvl4pPr indent="-317500" lvl="3" marL="1828800" rtl="0" algn="ctr">
+            <a:lvl4pPr marL="1828800" lvl="3" indent="-317500" algn="ctr" rtl="0">
               <a:spcBef>
                 <a:spcPts val="0"/>
               </a:spcBef>
@@ -1376,7 +1630,7 @@
               <a:buChar char="●"/>
               <a:defRPr/>
             </a:lvl4pPr>
-            <a:lvl5pPr indent="-317500" lvl="4" marL="2286000" rtl="0" algn="ctr">
+            <a:lvl5pPr marL="2286000" lvl="4" indent="-317500" algn="ctr" rtl="0">
               <a:spcBef>
                 <a:spcPts val="0"/>
               </a:spcBef>
@@ -1387,7 +1641,7 @@
               <a:buChar char="○"/>
               <a:defRPr/>
             </a:lvl5pPr>
-            <a:lvl6pPr indent="-317500" lvl="5" marL="2743200" rtl="0" algn="ctr">
+            <a:lvl6pPr marL="2743200" lvl="5" indent="-317500" algn="ctr" rtl="0">
               <a:spcBef>
                 <a:spcPts val="0"/>
               </a:spcBef>
@@ -1398,7 +1652,7 @@
               <a:buChar char="■"/>
               <a:defRPr/>
             </a:lvl6pPr>
-            <a:lvl7pPr indent="-317500" lvl="6" marL="3200400" rtl="0" algn="ctr">
+            <a:lvl7pPr marL="3200400" lvl="6" indent="-317500" algn="ctr" rtl="0">
               <a:spcBef>
                 <a:spcPts val="0"/>
               </a:spcBef>
@@ -1409,7 +1663,7 @@
               <a:buChar char="●"/>
               <a:defRPr/>
             </a:lvl7pPr>
-            <a:lvl8pPr indent="-317500" lvl="7" marL="3657600" rtl="0" algn="ctr">
+            <a:lvl8pPr marL="3657600" lvl="7" indent="-317500" algn="ctr" rtl="0">
               <a:spcBef>
                 <a:spcPts val="0"/>
               </a:spcBef>
@@ -1420,7 +1674,7 @@
               <a:buChar char="○"/>
               <a:defRPr/>
             </a:lvl8pPr>
-            <a:lvl9pPr indent="-317500" lvl="8" marL="4114800" rtl="0" algn="ctr">
+            <a:lvl9pPr marL="4114800" lvl="8" indent="-317500" algn="ctr" rtl="0">
               <a:spcBef>
                 <a:spcPts val="0"/>
               </a:spcBef>
@@ -1432,15 +1686,19 @@
               <a:defRPr/>
             </a:lvl9pPr>
           </a:lstStyle>
-          <a:p/>
+          <a:p>
+            <a:endParaRPr/>
+          </a:p>
         </p:txBody>
       </p:sp>
       <p:sp>
         <p:nvSpPr>
           <p:cNvPr id="47" name="Google Shape;47;p11"/>
-          <p:cNvSpPr txBox="1"/>
+          <p:cNvSpPr txBox="1">
+            <a:spLocks noGrp="1"/>
+          </p:cNvSpPr>
           <p:nvPr>
-            <p:ph idx="12" type="sldNum"/>
+            <p:ph type="sldNum" idx="12"/>
           </p:nvPr>
         </p:nvSpPr>
         <p:spPr>
@@ -1453,7 +1711,7 @@
           </a:prstGeom>
         </p:spPr>
         <p:txBody>
-          <a:bodyPr anchorCtr="0" anchor="ctr" bIns="91425" lIns="91425" spcFirstLastPara="1" rIns="91425" wrap="square" tIns="91425">
+          <a:bodyPr spcFirstLastPara="1" wrap="square" lIns="91425" tIns="91425" rIns="91425" bIns="91425" anchor="ctr" anchorCtr="0">
             <a:normAutofit/>
           </a:bodyPr>
           <a:lstStyle>
@@ -1495,7 +1753,7 @@
             </a:lvl9pPr>
           </a:lstStyle>
           <a:p>
-            <a:pPr indent="0" lvl="0" marL="0" rtl="0" algn="r">
+            <a:pPr marL="0" lvl="0" indent="0" algn="r" rtl="0">
               <a:spcBef>
                 <a:spcPts val="0"/>
               </a:spcBef>
@@ -1521,11 +1779,11 @@
 </file>
 
 <file path=ppt/slideLayouts/slideLayout11.xml><?xml version="1.0" encoding="utf-8"?>
-<p:sldLayout xmlns:a="http://schemas.openxmlformats.org/drawingml/2006/main" xmlns:r="http://schemas.openxmlformats.org/officeDocument/2006/relationships" xmlns:mc="http://schemas.openxmlformats.org/markup-compatibility/2006" xmlns:mv="urn:schemas-microsoft-com:mac:vml" xmlns:p="http://schemas.openxmlformats.org/presentationml/2006/main" xmlns:c="http://schemas.openxmlformats.org/drawingml/2006/chart" xmlns:dgm="http://schemas.openxmlformats.org/drawingml/2006/diagram" xmlns:o="urn:schemas-microsoft-com:office:office" xmlns:v="urn:schemas-microsoft-com:vml" xmlns:pvml="urn:schemas-microsoft-com:office:powerpoint" xmlns:com="http://schemas.openxmlformats.org/drawingml/2006/compatibility" xmlns:p14="http://schemas.microsoft.com/office/powerpoint/2010/main" xmlns:p15="http://schemas.microsoft.com/office/powerpoint/2012/main" xmlns:ahyp="http://schemas.microsoft.com/office/drawing/2018/hyperlinkcolor" matchingName="Blank" type="blank">
+<p:sldLayout xmlns:a="http://schemas.openxmlformats.org/drawingml/2006/main" xmlns:r="http://schemas.openxmlformats.org/officeDocument/2006/relationships" xmlns:p="http://schemas.openxmlformats.org/presentationml/2006/main" matchingName="Blank" type="blank">
   <p:cSld name="BLANK">
     <p:spTree>
       <p:nvGrpSpPr>
-        <p:cNvPr id="48" name="Shape 48"/>
+        <p:cNvPr id="1" name="Shape 48"/>
         <p:cNvGrpSpPr/>
         <p:nvPr/>
       </p:nvGrpSpPr>
@@ -1540,9 +1798,11 @@
       <p:sp>
         <p:nvSpPr>
           <p:cNvPr id="49" name="Google Shape;49;p12"/>
-          <p:cNvSpPr txBox="1"/>
+          <p:cNvSpPr txBox="1">
+            <a:spLocks noGrp="1"/>
+          </p:cNvSpPr>
           <p:nvPr>
-            <p:ph idx="12" type="sldNum"/>
+            <p:ph type="sldNum" idx="12"/>
           </p:nvPr>
         </p:nvSpPr>
         <p:spPr>
@@ -1555,7 +1815,7 @@
           </a:prstGeom>
         </p:spPr>
         <p:txBody>
-          <a:bodyPr anchorCtr="0" anchor="ctr" bIns="91425" lIns="91425" spcFirstLastPara="1" rIns="91425" wrap="square" tIns="91425">
+          <a:bodyPr spcFirstLastPara="1" wrap="square" lIns="91425" tIns="91425" rIns="91425" bIns="91425" anchor="ctr" anchorCtr="0">
             <a:normAutofit/>
           </a:bodyPr>
           <a:lstStyle>
@@ -1597,7 +1857,7 @@
             </a:lvl9pPr>
           </a:lstStyle>
           <a:p>
-            <a:pPr indent="0" lvl="0" marL="0" rtl="0" algn="r">
+            <a:pPr marL="0" lvl="0" indent="0" algn="r" rtl="0">
               <a:spcBef>
                 <a:spcPts val="0"/>
               </a:spcBef>
@@ -1623,11 +1883,11 @@
 </file>
 
 <file path=ppt/slideLayouts/slideLayout2.xml><?xml version="1.0" encoding="utf-8"?>
-<p:sldLayout xmlns:a="http://schemas.openxmlformats.org/drawingml/2006/main" xmlns:r="http://schemas.openxmlformats.org/officeDocument/2006/relationships" xmlns:mc="http://schemas.openxmlformats.org/markup-compatibility/2006" xmlns:mv="urn:schemas-microsoft-com:mac:vml" xmlns:p="http://schemas.openxmlformats.org/presentationml/2006/main" xmlns:c="http://schemas.openxmlformats.org/drawingml/2006/chart" xmlns:dgm="http://schemas.openxmlformats.org/drawingml/2006/diagram" xmlns:o="urn:schemas-microsoft-com:office:office" xmlns:v="urn:schemas-microsoft-com:vml" xmlns:pvml="urn:schemas-microsoft-com:office:powerpoint" xmlns:com="http://schemas.openxmlformats.org/drawingml/2006/compatibility" xmlns:p14="http://schemas.microsoft.com/office/powerpoint/2010/main" xmlns:p15="http://schemas.microsoft.com/office/powerpoint/2012/main" xmlns:ahyp="http://schemas.microsoft.com/office/drawing/2018/hyperlinkcolor" matchingName="Section header" type="secHead">
+<p:sldLayout xmlns:a="http://schemas.openxmlformats.org/drawingml/2006/main" xmlns:r="http://schemas.openxmlformats.org/officeDocument/2006/relationships" xmlns:p="http://schemas.openxmlformats.org/presentationml/2006/main" matchingName="Section header" type="secHead">
   <p:cSld name="SECTION_HEADER">
     <p:spTree>
       <p:nvGrpSpPr>
-        <p:cNvPr id="13" name="Shape 13"/>
+        <p:cNvPr id="1" name="Shape 13"/>
         <p:cNvGrpSpPr/>
         <p:nvPr/>
       </p:nvGrpSpPr>
@@ -1642,7 +1902,9 @@
       <p:sp>
         <p:nvSpPr>
           <p:cNvPr id="14" name="Google Shape;14;p3"/>
-          <p:cNvSpPr txBox="1"/>
+          <p:cNvSpPr txBox="1">
+            <a:spLocks noGrp="1"/>
+          </p:cNvSpPr>
           <p:nvPr>
             <p:ph type="title"/>
           </p:nvPr>
@@ -1657,11 +1919,11 @@
           </a:prstGeom>
         </p:spPr>
         <p:txBody>
-          <a:bodyPr anchorCtr="0" anchor="ctr" bIns="91425" lIns="91425" spcFirstLastPara="1" rIns="91425" wrap="square" tIns="91425">
+          <a:bodyPr spcFirstLastPara="1" wrap="square" lIns="91425" tIns="91425" rIns="91425" bIns="91425" anchor="ctr" anchorCtr="0">
             <a:normAutofit/>
           </a:bodyPr>
           <a:lstStyle>
-            <a:lvl1pPr lvl="0" rtl="0" algn="ctr">
+            <a:lvl1pPr lvl="0" algn="ctr" rtl="0">
               <a:spcBef>
                 <a:spcPts val="0"/>
               </a:spcBef>
@@ -1672,7 +1934,7 @@
               <a:buNone/>
               <a:defRPr sz="3600"/>
             </a:lvl1pPr>
-            <a:lvl2pPr lvl="1" rtl="0" algn="ctr">
+            <a:lvl2pPr lvl="1" algn="ctr" rtl="0">
               <a:spcBef>
                 <a:spcPts val="0"/>
               </a:spcBef>
@@ -1683,7 +1945,7 @@
               <a:buNone/>
               <a:defRPr sz="3600"/>
             </a:lvl2pPr>
-            <a:lvl3pPr lvl="2" rtl="0" algn="ctr">
+            <a:lvl3pPr lvl="2" algn="ctr" rtl="0">
               <a:spcBef>
                 <a:spcPts val="0"/>
               </a:spcBef>
@@ -1694,7 +1956,7 @@
               <a:buNone/>
               <a:defRPr sz="3600"/>
             </a:lvl3pPr>
-            <a:lvl4pPr lvl="3" rtl="0" algn="ctr">
+            <a:lvl4pPr lvl="3" algn="ctr" rtl="0">
               <a:spcBef>
                 <a:spcPts val="0"/>
               </a:spcBef>
@@ -1705,7 +1967,7 @@
               <a:buNone/>
               <a:defRPr sz="3600"/>
             </a:lvl4pPr>
-            <a:lvl5pPr lvl="4" rtl="0" algn="ctr">
+            <a:lvl5pPr lvl="4" algn="ctr" rtl="0">
               <a:spcBef>
                 <a:spcPts val="0"/>
               </a:spcBef>
@@ -1716,7 +1978,7 @@
               <a:buNone/>
               <a:defRPr sz="3600"/>
             </a:lvl5pPr>
-            <a:lvl6pPr lvl="5" rtl="0" algn="ctr">
+            <a:lvl6pPr lvl="5" algn="ctr" rtl="0">
               <a:spcBef>
                 <a:spcPts val="0"/>
               </a:spcBef>
@@ -1727,7 +1989,7 @@
               <a:buNone/>
               <a:defRPr sz="3600"/>
             </a:lvl6pPr>
-            <a:lvl7pPr lvl="6" rtl="0" algn="ctr">
+            <a:lvl7pPr lvl="6" algn="ctr" rtl="0">
               <a:spcBef>
                 <a:spcPts val="0"/>
               </a:spcBef>
@@ -1738,7 +2000,7 @@
               <a:buNone/>
               <a:defRPr sz="3600"/>
             </a:lvl7pPr>
-            <a:lvl8pPr lvl="7" rtl="0" algn="ctr">
+            <a:lvl8pPr lvl="7" algn="ctr" rtl="0">
               <a:spcBef>
                 <a:spcPts val="0"/>
               </a:spcBef>
@@ -1749,7 +2011,7 @@
               <a:buNone/>
               <a:defRPr sz="3600"/>
             </a:lvl8pPr>
-            <a:lvl9pPr lvl="8" rtl="0" algn="ctr">
+            <a:lvl9pPr lvl="8" algn="ctr" rtl="0">
               <a:spcBef>
                 <a:spcPts val="0"/>
               </a:spcBef>
@@ -1761,15 +2023,19 @@
               <a:defRPr sz="3600"/>
             </a:lvl9pPr>
           </a:lstStyle>
-          <a:p/>
+          <a:p>
+            <a:endParaRPr/>
+          </a:p>
         </p:txBody>
       </p:sp>
       <p:sp>
         <p:nvSpPr>
           <p:cNvPr id="15" name="Google Shape;15;p3"/>
-          <p:cNvSpPr txBox="1"/>
+          <p:cNvSpPr txBox="1">
+            <a:spLocks noGrp="1"/>
+          </p:cNvSpPr>
           <p:nvPr>
-            <p:ph idx="12" type="sldNum"/>
+            <p:ph type="sldNum" idx="12"/>
           </p:nvPr>
         </p:nvSpPr>
         <p:spPr>
@@ -1782,7 +2048,7 @@
           </a:prstGeom>
         </p:spPr>
         <p:txBody>
-          <a:bodyPr anchorCtr="0" anchor="ctr" bIns="91425" lIns="91425" spcFirstLastPara="1" rIns="91425" wrap="square" tIns="91425">
+          <a:bodyPr spcFirstLastPara="1" wrap="square" lIns="91425" tIns="91425" rIns="91425" bIns="91425" anchor="ctr" anchorCtr="0">
             <a:normAutofit/>
           </a:bodyPr>
           <a:lstStyle>
@@ -1824,7 +2090,7 @@
             </a:lvl9pPr>
           </a:lstStyle>
           <a:p>
-            <a:pPr indent="0" lvl="0" marL="0" rtl="0" algn="r">
+            <a:pPr marL="0" lvl="0" indent="0" algn="r" rtl="0">
               <a:spcBef>
                 <a:spcPts val="0"/>
               </a:spcBef>
@@ -1850,11 +2116,11 @@
 </file>
 
 <file path=ppt/slideLayouts/slideLayout3.xml><?xml version="1.0" encoding="utf-8"?>
-<p:sldLayout xmlns:a="http://schemas.openxmlformats.org/drawingml/2006/main" xmlns:r="http://schemas.openxmlformats.org/officeDocument/2006/relationships" xmlns:mc="http://schemas.openxmlformats.org/markup-compatibility/2006" xmlns:mv="urn:schemas-microsoft-com:mac:vml" xmlns:p="http://schemas.openxmlformats.org/presentationml/2006/main" xmlns:c="http://schemas.openxmlformats.org/drawingml/2006/chart" xmlns:dgm="http://schemas.openxmlformats.org/drawingml/2006/diagram" xmlns:o="urn:schemas-microsoft-com:office:office" xmlns:v="urn:schemas-microsoft-com:vml" xmlns:pvml="urn:schemas-microsoft-com:office:powerpoint" xmlns:com="http://schemas.openxmlformats.org/drawingml/2006/compatibility" xmlns:p14="http://schemas.microsoft.com/office/powerpoint/2010/main" xmlns:p15="http://schemas.microsoft.com/office/powerpoint/2012/main" xmlns:ahyp="http://schemas.microsoft.com/office/drawing/2018/hyperlinkcolor" matchingName="Title and body" type="tx">
+<p:sldLayout xmlns:a="http://schemas.openxmlformats.org/drawingml/2006/main" xmlns:r="http://schemas.openxmlformats.org/officeDocument/2006/relationships" xmlns:p="http://schemas.openxmlformats.org/presentationml/2006/main" matchingName="Title and body" type="tx">
   <p:cSld name="TITLE_AND_BODY">
     <p:spTree>
       <p:nvGrpSpPr>
-        <p:cNvPr id="16" name="Shape 16"/>
+        <p:cNvPr id="1" name="Shape 16"/>
         <p:cNvGrpSpPr/>
         <p:nvPr/>
       </p:nvGrpSpPr>
@@ -1869,7 +2135,9 @@
       <p:sp>
         <p:nvSpPr>
           <p:cNvPr id="17" name="Google Shape;17;p4"/>
-          <p:cNvSpPr txBox="1"/>
+          <p:cNvSpPr txBox="1">
+            <a:spLocks noGrp="1"/>
+          </p:cNvSpPr>
           <p:nvPr>
             <p:ph type="title"/>
           </p:nvPr>
@@ -1884,7 +2152,7 @@
           </a:prstGeom>
         </p:spPr>
         <p:txBody>
-          <a:bodyPr anchorCtr="0" anchor="t" bIns="91425" lIns="91425" spcFirstLastPara="1" rIns="91425" wrap="square" tIns="91425">
+          <a:bodyPr spcFirstLastPara="1" wrap="square" lIns="91425" tIns="91425" rIns="91425" bIns="91425" anchor="t" anchorCtr="0">
             <a:normAutofit/>
           </a:bodyPr>
           <a:lstStyle>
@@ -1988,15 +2256,19 @@
               <a:defRPr/>
             </a:lvl9pPr>
           </a:lstStyle>
-          <a:p/>
+          <a:p>
+            <a:endParaRPr/>
+          </a:p>
         </p:txBody>
       </p:sp>
       <p:sp>
         <p:nvSpPr>
           <p:cNvPr id="18" name="Google Shape;18;p4"/>
-          <p:cNvSpPr txBox="1"/>
+          <p:cNvSpPr txBox="1">
+            <a:spLocks noGrp="1"/>
+          </p:cNvSpPr>
           <p:nvPr>
-            <p:ph idx="1" type="body"/>
+            <p:ph type="body" idx="1"/>
           </p:nvPr>
         </p:nvSpPr>
         <p:spPr>
@@ -2009,11 +2281,11 @@
           </a:prstGeom>
         </p:spPr>
         <p:txBody>
-          <a:bodyPr anchorCtr="0" anchor="t" bIns="91425" lIns="91425" spcFirstLastPara="1" rIns="91425" wrap="square" tIns="91425">
+          <a:bodyPr spcFirstLastPara="1" wrap="square" lIns="91425" tIns="91425" rIns="91425" bIns="91425" anchor="t" anchorCtr="0">
             <a:normAutofit/>
           </a:bodyPr>
           <a:lstStyle>
-            <a:lvl1pPr indent="-342900" lvl="0" marL="457200" rtl="0">
+            <a:lvl1pPr marL="457200" lvl="0" indent="-342900" rtl="0">
               <a:spcBef>
                 <a:spcPts val="0"/>
               </a:spcBef>
@@ -2024,7 +2296,7 @@
               <a:buChar char="●"/>
               <a:defRPr/>
             </a:lvl1pPr>
-            <a:lvl2pPr indent="-317500" lvl="1" marL="914400" rtl="0">
+            <a:lvl2pPr marL="914400" lvl="1" indent="-317500" rtl="0">
               <a:spcBef>
                 <a:spcPts val="0"/>
               </a:spcBef>
@@ -2035,7 +2307,7 @@
               <a:buChar char="○"/>
               <a:defRPr/>
             </a:lvl2pPr>
-            <a:lvl3pPr indent="-317500" lvl="2" marL="1371600" rtl="0">
+            <a:lvl3pPr marL="1371600" lvl="2" indent="-317500" rtl="0">
               <a:spcBef>
                 <a:spcPts val="0"/>
               </a:spcBef>
@@ -2046,7 +2318,7 @@
               <a:buChar char="■"/>
               <a:defRPr/>
             </a:lvl3pPr>
-            <a:lvl4pPr indent="-317500" lvl="3" marL="1828800" rtl="0">
+            <a:lvl4pPr marL="1828800" lvl="3" indent="-317500" rtl="0">
               <a:spcBef>
                 <a:spcPts val="0"/>
               </a:spcBef>
@@ -2057,7 +2329,7 @@
               <a:buChar char="●"/>
               <a:defRPr/>
             </a:lvl4pPr>
-            <a:lvl5pPr indent="-317500" lvl="4" marL="2286000" rtl="0">
+            <a:lvl5pPr marL="2286000" lvl="4" indent="-317500" rtl="0">
               <a:spcBef>
                 <a:spcPts val="0"/>
               </a:spcBef>
@@ -2068,7 +2340,7 @@
               <a:buChar char="○"/>
               <a:defRPr/>
             </a:lvl5pPr>
-            <a:lvl6pPr indent="-317500" lvl="5" marL="2743200" rtl="0">
+            <a:lvl6pPr marL="2743200" lvl="5" indent="-317500" rtl="0">
               <a:spcBef>
                 <a:spcPts val="0"/>
               </a:spcBef>
@@ -2079,7 +2351,7 @@
               <a:buChar char="■"/>
               <a:defRPr/>
             </a:lvl6pPr>
-            <a:lvl7pPr indent="-317500" lvl="6" marL="3200400" rtl="0">
+            <a:lvl7pPr marL="3200400" lvl="6" indent="-317500" rtl="0">
               <a:spcBef>
                 <a:spcPts val="0"/>
               </a:spcBef>
@@ -2090,7 +2362,7 @@
               <a:buChar char="●"/>
               <a:defRPr/>
             </a:lvl7pPr>
-            <a:lvl8pPr indent="-317500" lvl="7" marL="3657600" rtl="0">
+            <a:lvl8pPr marL="3657600" lvl="7" indent="-317500" rtl="0">
               <a:spcBef>
                 <a:spcPts val="0"/>
               </a:spcBef>
@@ -2101,7 +2373,7 @@
               <a:buChar char="○"/>
               <a:defRPr/>
             </a:lvl8pPr>
-            <a:lvl9pPr indent="-317500" lvl="8" marL="4114800" rtl="0">
+            <a:lvl9pPr marL="4114800" lvl="8" indent="-317500" rtl="0">
               <a:spcBef>
                 <a:spcPts val="0"/>
               </a:spcBef>
@@ -2113,15 +2385,19 @@
               <a:defRPr/>
             </a:lvl9pPr>
           </a:lstStyle>
-          <a:p/>
+          <a:p>
+            <a:endParaRPr/>
+          </a:p>
         </p:txBody>
       </p:sp>
       <p:sp>
         <p:nvSpPr>
           <p:cNvPr id="19" name="Google Shape;19;p4"/>
-          <p:cNvSpPr txBox="1"/>
+          <p:cNvSpPr txBox="1">
+            <a:spLocks noGrp="1"/>
+          </p:cNvSpPr>
           <p:nvPr>
-            <p:ph idx="12" type="sldNum"/>
+            <p:ph type="sldNum" idx="12"/>
           </p:nvPr>
         </p:nvSpPr>
         <p:spPr>
@@ -2134,7 +2410,7 @@
           </a:prstGeom>
         </p:spPr>
         <p:txBody>
-          <a:bodyPr anchorCtr="0" anchor="ctr" bIns="91425" lIns="91425" spcFirstLastPara="1" rIns="91425" wrap="square" tIns="91425">
+          <a:bodyPr spcFirstLastPara="1" wrap="square" lIns="91425" tIns="91425" rIns="91425" bIns="91425" anchor="ctr" anchorCtr="0">
             <a:normAutofit/>
           </a:bodyPr>
           <a:lstStyle>
@@ -2176,7 +2452,7 @@
             </a:lvl9pPr>
           </a:lstStyle>
           <a:p>
-            <a:pPr indent="0" lvl="0" marL="0" rtl="0" algn="r">
+            <a:pPr marL="0" lvl="0" indent="0" algn="r" rtl="0">
               <a:spcBef>
                 <a:spcPts val="0"/>
               </a:spcBef>
@@ -2202,11 +2478,11 @@
 </file>
 
 <file path=ppt/slideLayouts/slideLayout4.xml><?xml version="1.0" encoding="utf-8"?>
-<p:sldLayout xmlns:a="http://schemas.openxmlformats.org/drawingml/2006/main" xmlns:r="http://schemas.openxmlformats.org/officeDocument/2006/relationships" xmlns:mc="http://schemas.openxmlformats.org/markup-compatibility/2006" xmlns:mv="urn:schemas-microsoft-com:mac:vml" xmlns:p="http://schemas.openxmlformats.org/presentationml/2006/main" xmlns:c="http://schemas.openxmlformats.org/drawingml/2006/chart" xmlns:dgm="http://schemas.openxmlformats.org/drawingml/2006/diagram" xmlns:o="urn:schemas-microsoft-com:office:office" xmlns:v="urn:schemas-microsoft-com:vml" xmlns:pvml="urn:schemas-microsoft-com:office:powerpoint" xmlns:com="http://schemas.openxmlformats.org/drawingml/2006/compatibility" xmlns:p14="http://schemas.microsoft.com/office/powerpoint/2010/main" xmlns:p15="http://schemas.microsoft.com/office/powerpoint/2012/main" xmlns:ahyp="http://schemas.microsoft.com/office/drawing/2018/hyperlinkcolor" matchingName="Title and two columns" type="twoColTx">
+<p:sldLayout xmlns:a="http://schemas.openxmlformats.org/drawingml/2006/main" xmlns:r="http://schemas.openxmlformats.org/officeDocument/2006/relationships" xmlns:p="http://schemas.openxmlformats.org/presentationml/2006/main" matchingName="Title and two columns" type="twoColTx">
   <p:cSld name="TITLE_AND_TWO_COLUMNS">
     <p:spTree>
       <p:nvGrpSpPr>
-        <p:cNvPr id="20" name="Shape 20"/>
+        <p:cNvPr id="1" name="Shape 20"/>
         <p:cNvGrpSpPr/>
         <p:nvPr/>
       </p:nvGrpSpPr>
@@ -2221,7 +2497,9 @@
       <p:sp>
         <p:nvSpPr>
           <p:cNvPr id="21" name="Google Shape;21;p5"/>
-          <p:cNvSpPr txBox="1"/>
+          <p:cNvSpPr txBox="1">
+            <a:spLocks noGrp="1"/>
+          </p:cNvSpPr>
           <p:nvPr>
             <p:ph type="title"/>
           </p:nvPr>
@@ -2236,7 +2514,7 @@
           </a:prstGeom>
         </p:spPr>
         <p:txBody>
-          <a:bodyPr anchorCtr="0" anchor="t" bIns="91425" lIns="91425" spcFirstLastPara="1" rIns="91425" wrap="square" tIns="91425">
+          <a:bodyPr spcFirstLastPara="1" wrap="square" lIns="91425" tIns="91425" rIns="91425" bIns="91425" anchor="t" anchorCtr="0">
             <a:normAutofit/>
           </a:bodyPr>
           <a:lstStyle>
@@ -2340,15 +2618,19 @@
               <a:defRPr/>
             </a:lvl9pPr>
           </a:lstStyle>
-          <a:p/>
+          <a:p>
+            <a:endParaRPr/>
+          </a:p>
         </p:txBody>
       </p:sp>
       <p:sp>
         <p:nvSpPr>
           <p:cNvPr id="22" name="Google Shape;22;p5"/>
-          <p:cNvSpPr txBox="1"/>
+          <p:cNvSpPr txBox="1">
+            <a:spLocks noGrp="1"/>
+          </p:cNvSpPr>
           <p:nvPr>
-            <p:ph idx="1" type="body"/>
+            <p:ph type="body" idx="1"/>
           </p:nvPr>
         </p:nvSpPr>
         <p:spPr>
@@ -2361,11 +2643,11 @@
           </a:prstGeom>
         </p:spPr>
         <p:txBody>
-          <a:bodyPr anchorCtr="0" anchor="t" bIns="91425" lIns="91425" spcFirstLastPara="1" rIns="91425" wrap="square" tIns="91425">
+          <a:bodyPr spcFirstLastPara="1" wrap="square" lIns="91425" tIns="91425" rIns="91425" bIns="91425" anchor="t" anchorCtr="0">
             <a:normAutofit/>
           </a:bodyPr>
           <a:lstStyle>
-            <a:lvl1pPr indent="-317500" lvl="0" marL="457200" rtl="0">
+            <a:lvl1pPr marL="457200" lvl="0" indent="-317500" rtl="0">
               <a:spcBef>
                 <a:spcPts val="0"/>
               </a:spcBef>
@@ -2376,7 +2658,7 @@
               <a:buChar char="●"/>
               <a:defRPr sz="1400"/>
             </a:lvl1pPr>
-            <a:lvl2pPr indent="-304800" lvl="1" marL="914400" rtl="0">
+            <a:lvl2pPr marL="914400" lvl="1" indent="-304800" rtl="0">
               <a:spcBef>
                 <a:spcPts val="0"/>
               </a:spcBef>
@@ -2387,7 +2669,7 @@
               <a:buChar char="○"/>
               <a:defRPr sz="1200"/>
             </a:lvl2pPr>
-            <a:lvl3pPr indent="-304800" lvl="2" marL="1371600" rtl="0">
+            <a:lvl3pPr marL="1371600" lvl="2" indent="-304800" rtl="0">
               <a:spcBef>
                 <a:spcPts val="0"/>
               </a:spcBef>
@@ -2398,7 +2680,7 @@
               <a:buChar char="■"/>
               <a:defRPr sz="1200"/>
             </a:lvl3pPr>
-            <a:lvl4pPr indent="-304800" lvl="3" marL="1828800" rtl="0">
+            <a:lvl4pPr marL="1828800" lvl="3" indent="-304800" rtl="0">
               <a:spcBef>
                 <a:spcPts val="0"/>
               </a:spcBef>
@@ -2409,7 +2691,7 @@
               <a:buChar char="●"/>
               <a:defRPr sz="1200"/>
             </a:lvl4pPr>
-            <a:lvl5pPr indent="-304800" lvl="4" marL="2286000" rtl="0">
+            <a:lvl5pPr marL="2286000" lvl="4" indent="-304800" rtl="0">
               <a:spcBef>
                 <a:spcPts val="0"/>
               </a:spcBef>
@@ -2420,7 +2702,7 @@
               <a:buChar char="○"/>
               <a:defRPr sz="1200"/>
             </a:lvl5pPr>
-            <a:lvl6pPr indent="-304800" lvl="5" marL="2743200" rtl="0">
+            <a:lvl6pPr marL="2743200" lvl="5" indent="-304800" rtl="0">
               <a:spcBef>
                 <a:spcPts val="0"/>
               </a:spcBef>
@@ -2431,7 +2713,7 @@
               <a:buChar char="■"/>
               <a:defRPr sz="1200"/>
             </a:lvl6pPr>
-            <a:lvl7pPr indent="-304800" lvl="6" marL="3200400" rtl="0">
+            <a:lvl7pPr marL="3200400" lvl="6" indent="-304800" rtl="0">
               <a:spcBef>
                 <a:spcPts val="0"/>
               </a:spcBef>
@@ -2442,7 +2724,7 @@
               <a:buChar char="●"/>
               <a:defRPr sz="1200"/>
             </a:lvl7pPr>
-            <a:lvl8pPr indent="-304800" lvl="7" marL="3657600" rtl="0">
+            <a:lvl8pPr marL="3657600" lvl="7" indent="-304800" rtl="0">
               <a:spcBef>
                 <a:spcPts val="0"/>
               </a:spcBef>
@@ -2453,7 +2735,7 @@
               <a:buChar char="○"/>
               <a:defRPr sz="1200"/>
             </a:lvl8pPr>
-            <a:lvl9pPr indent="-304800" lvl="8" marL="4114800" rtl="0">
+            <a:lvl9pPr marL="4114800" lvl="8" indent="-304800" rtl="0">
               <a:spcBef>
                 <a:spcPts val="0"/>
               </a:spcBef>
@@ -2465,15 +2747,19 @@
               <a:defRPr sz="1200"/>
             </a:lvl9pPr>
           </a:lstStyle>
-          <a:p/>
+          <a:p>
+            <a:endParaRPr/>
+          </a:p>
         </p:txBody>
       </p:sp>
       <p:sp>
         <p:nvSpPr>
           <p:cNvPr id="23" name="Google Shape;23;p5"/>
-          <p:cNvSpPr txBox="1"/>
+          <p:cNvSpPr txBox="1">
+            <a:spLocks noGrp="1"/>
+          </p:cNvSpPr>
           <p:nvPr>
-            <p:ph idx="2" type="body"/>
+            <p:ph type="body" idx="2"/>
           </p:nvPr>
         </p:nvSpPr>
         <p:spPr>
@@ -2486,11 +2772,11 @@
           </a:prstGeom>
         </p:spPr>
         <p:txBody>
-          <a:bodyPr anchorCtr="0" anchor="t" bIns="91425" lIns="91425" spcFirstLastPara="1" rIns="91425" wrap="square" tIns="91425">
+          <a:bodyPr spcFirstLastPara="1" wrap="square" lIns="91425" tIns="91425" rIns="91425" bIns="91425" anchor="t" anchorCtr="0">
             <a:normAutofit/>
           </a:bodyPr>
           <a:lstStyle>
-            <a:lvl1pPr indent="-317500" lvl="0" marL="457200" rtl="0">
+            <a:lvl1pPr marL="457200" lvl="0" indent="-317500" rtl="0">
               <a:spcBef>
                 <a:spcPts val="0"/>
               </a:spcBef>
@@ -2501,7 +2787,7 @@
               <a:buChar char="●"/>
               <a:defRPr sz="1400"/>
             </a:lvl1pPr>
-            <a:lvl2pPr indent="-304800" lvl="1" marL="914400" rtl="0">
+            <a:lvl2pPr marL="914400" lvl="1" indent="-304800" rtl="0">
               <a:spcBef>
                 <a:spcPts val="0"/>
               </a:spcBef>
@@ -2512,7 +2798,7 @@
               <a:buChar char="○"/>
               <a:defRPr sz="1200"/>
             </a:lvl2pPr>
-            <a:lvl3pPr indent="-304800" lvl="2" marL="1371600" rtl="0">
+            <a:lvl3pPr marL="1371600" lvl="2" indent="-304800" rtl="0">
               <a:spcBef>
                 <a:spcPts val="0"/>
               </a:spcBef>
@@ -2523,7 +2809,7 @@
               <a:buChar char="■"/>
               <a:defRPr sz="1200"/>
             </a:lvl3pPr>
-            <a:lvl4pPr indent="-304800" lvl="3" marL="1828800" rtl="0">
+            <a:lvl4pPr marL="1828800" lvl="3" indent="-304800" rtl="0">
               <a:spcBef>
                 <a:spcPts val="0"/>
               </a:spcBef>
@@ -2534,7 +2820,7 @@
               <a:buChar char="●"/>
               <a:defRPr sz="1200"/>
             </a:lvl4pPr>
-            <a:lvl5pPr indent="-304800" lvl="4" marL="2286000" rtl="0">
+            <a:lvl5pPr marL="2286000" lvl="4" indent="-304800" rtl="0">
               <a:spcBef>
                 <a:spcPts val="0"/>
               </a:spcBef>
@@ -2545,7 +2831,7 @@
               <a:buChar char="○"/>
               <a:defRPr sz="1200"/>
             </a:lvl5pPr>
-            <a:lvl6pPr indent="-304800" lvl="5" marL="2743200" rtl="0">
+            <a:lvl6pPr marL="2743200" lvl="5" indent="-304800" rtl="0">
               <a:spcBef>
                 <a:spcPts val="0"/>
               </a:spcBef>
@@ -2556,7 +2842,7 @@
               <a:buChar char="■"/>
               <a:defRPr sz="1200"/>
             </a:lvl6pPr>
-            <a:lvl7pPr indent="-304800" lvl="6" marL="3200400" rtl="0">
+            <a:lvl7pPr marL="3200400" lvl="6" indent="-304800" rtl="0">
               <a:spcBef>
                 <a:spcPts val="0"/>
               </a:spcBef>
@@ -2567,7 +2853,7 @@
               <a:buChar char="●"/>
               <a:defRPr sz="1200"/>
             </a:lvl7pPr>
-            <a:lvl8pPr indent="-304800" lvl="7" marL="3657600" rtl="0">
+            <a:lvl8pPr marL="3657600" lvl="7" indent="-304800" rtl="0">
               <a:spcBef>
                 <a:spcPts val="0"/>
               </a:spcBef>
@@ -2578,7 +2864,7 @@
               <a:buChar char="○"/>
               <a:defRPr sz="1200"/>
             </a:lvl8pPr>
-            <a:lvl9pPr indent="-304800" lvl="8" marL="4114800" rtl="0">
+            <a:lvl9pPr marL="4114800" lvl="8" indent="-304800" rtl="0">
               <a:spcBef>
                 <a:spcPts val="0"/>
               </a:spcBef>
@@ -2590,15 +2876,19 @@
               <a:defRPr sz="1200"/>
             </a:lvl9pPr>
           </a:lstStyle>
-          <a:p/>
+          <a:p>
+            <a:endParaRPr/>
+          </a:p>
         </p:txBody>
       </p:sp>
       <p:sp>
         <p:nvSpPr>
           <p:cNvPr id="24" name="Google Shape;24;p5"/>
-          <p:cNvSpPr txBox="1"/>
+          <p:cNvSpPr txBox="1">
+            <a:spLocks noGrp="1"/>
+          </p:cNvSpPr>
           <p:nvPr>
-            <p:ph idx="12" type="sldNum"/>
+            <p:ph type="sldNum" idx="12"/>
           </p:nvPr>
         </p:nvSpPr>
         <p:spPr>
@@ -2611,7 +2901,7 @@
           </a:prstGeom>
         </p:spPr>
         <p:txBody>
-          <a:bodyPr anchorCtr="0" anchor="ctr" bIns="91425" lIns="91425" spcFirstLastPara="1" rIns="91425" wrap="square" tIns="91425">
+          <a:bodyPr spcFirstLastPara="1" wrap="square" lIns="91425" tIns="91425" rIns="91425" bIns="91425" anchor="ctr" anchorCtr="0">
             <a:normAutofit/>
           </a:bodyPr>
           <a:lstStyle>
@@ -2653,7 +2943,7 @@
             </a:lvl9pPr>
           </a:lstStyle>
           <a:p>
-            <a:pPr indent="0" lvl="0" marL="0" rtl="0" algn="r">
+            <a:pPr marL="0" lvl="0" indent="0" algn="r" rtl="0">
               <a:spcBef>
                 <a:spcPts val="0"/>
               </a:spcBef>
@@ -2679,11 +2969,11 @@
 </file>
 
 <file path=ppt/slideLayouts/slideLayout5.xml><?xml version="1.0" encoding="utf-8"?>
-<p:sldLayout xmlns:a="http://schemas.openxmlformats.org/drawingml/2006/main" xmlns:r="http://schemas.openxmlformats.org/officeDocument/2006/relationships" xmlns:mc="http://schemas.openxmlformats.org/markup-compatibility/2006" xmlns:mv="urn:schemas-microsoft-com:mac:vml" xmlns:p="http://schemas.openxmlformats.org/presentationml/2006/main" xmlns:c="http://schemas.openxmlformats.org/drawingml/2006/chart" xmlns:dgm="http://schemas.openxmlformats.org/drawingml/2006/diagram" xmlns:o="urn:schemas-microsoft-com:office:office" xmlns:v="urn:schemas-microsoft-com:vml" xmlns:pvml="urn:schemas-microsoft-com:office:powerpoint" xmlns:com="http://schemas.openxmlformats.org/drawingml/2006/compatibility" xmlns:p14="http://schemas.microsoft.com/office/powerpoint/2010/main" xmlns:p15="http://schemas.microsoft.com/office/powerpoint/2012/main" xmlns:ahyp="http://schemas.microsoft.com/office/drawing/2018/hyperlinkcolor" matchingName="Title only" type="titleOnly">
+<p:sldLayout xmlns:a="http://schemas.openxmlformats.org/drawingml/2006/main" xmlns:r="http://schemas.openxmlformats.org/officeDocument/2006/relationships" xmlns:p="http://schemas.openxmlformats.org/presentationml/2006/main" matchingName="Title only" type="titleOnly">
   <p:cSld name="TITLE_ONLY">
     <p:spTree>
       <p:nvGrpSpPr>
-        <p:cNvPr id="25" name="Shape 25"/>
+        <p:cNvPr id="1" name="Shape 25"/>
         <p:cNvGrpSpPr/>
         <p:nvPr/>
       </p:nvGrpSpPr>
@@ -2698,7 +2988,9 @@
       <p:sp>
         <p:nvSpPr>
           <p:cNvPr id="26" name="Google Shape;26;p6"/>
-          <p:cNvSpPr txBox="1"/>
+          <p:cNvSpPr txBox="1">
+            <a:spLocks noGrp="1"/>
+          </p:cNvSpPr>
           <p:nvPr>
             <p:ph type="title"/>
           </p:nvPr>
@@ -2713,7 +3005,7 @@
           </a:prstGeom>
         </p:spPr>
         <p:txBody>
-          <a:bodyPr anchorCtr="0" anchor="t" bIns="91425" lIns="91425" spcFirstLastPara="1" rIns="91425" wrap="square" tIns="91425">
+          <a:bodyPr spcFirstLastPara="1" wrap="square" lIns="91425" tIns="91425" rIns="91425" bIns="91425" anchor="t" anchorCtr="0">
             <a:normAutofit/>
           </a:bodyPr>
           <a:lstStyle>
@@ -2817,15 +3109,19 @@
               <a:defRPr/>
             </a:lvl9pPr>
           </a:lstStyle>
-          <a:p/>
+          <a:p>
+            <a:endParaRPr/>
+          </a:p>
         </p:txBody>
       </p:sp>
       <p:sp>
         <p:nvSpPr>
           <p:cNvPr id="27" name="Google Shape;27;p6"/>
-          <p:cNvSpPr txBox="1"/>
+          <p:cNvSpPr txBox="1">
+            <a:spLocks noGrp="1"/>
+          </p:cNvSpPr>
           <p:nvPr>
-            <p:ph idx="12" type="sldNum"/>
+            <p:ph type="sldNum" idx="12"/>
           </p:nvPr>
         </p:nvSpPr>
         <p:spPr>
@@ -2838,7 +3134,7 @@
           </a:prstGeom>
         </p:spPr>
         <p:txBody>
-          <a:bodyPr anchorCtr="0" anchor="ctr" bIns="91425" lIns="91425" spcFirstLastPara="1" rIns="91425" wrap="square" tIns="91425">
+          <a:bodyPr spcFirstLastPara="1" wrap="square" lIns="91425" tIns="91425" rIns="91425" bIns="91425" anchor="ctr" anchorCtr="0">
             <a:normAutofit/>
           </a:bodyPr>
           <a:lstStyle>
@@ -2880,7 +3176,7 @@
             </a:lvl9pPr>
           </a:lstStyle>
           <a:p>
-            <a:pPr indent="0" lvl="0" marL="0" rtl="0" algn="r">
+            <a:pPr marL="0" lvl="0" indent="0" algn="r" rtl="0">
               <a:spcBef>
                 <a:spcPts val="0"/>
               </a:spcBef>
@@ -2906,11 +3202,11 @@
 </file>
 
 <file path=ppt/slideLayouts/slideLayout6.xml><?xml version="1.0" encoding="utf-8"?>
-<p:sldLayout xmlns:a="http://schemas.openxmlformats.org/drawingml/2006/main" xmlns:r="http://schemas.openxmlformats.org/officeDocument/2006/relationships" xmlns:mc="http://schemas.openxmlformats.org/markup-compatibility/2006" xmlns:mv="urn:schemas-microsoft-com:mac:vml" xmlns:p="http://schemas.openxmlformats.org/presentationml/2006/main" xmlns:c="http://schemas.openxmlformats.org/drawingml/2006/chart" xmlns:dgm="http://schemas.openxmlformats.org/drawingml/2006/diagram" xmlns:o="urn:schemas-microsoft-com:office:office" xmlns:v="urn:schemas-microsoft-com:vml" xmlns:pvml="urn:schemas-microsoft-com:office:powerpoint" xmlns:com="http://schemas.openxmlformats.org/drawingml/2006/compatibility" xmlns:p14="http://schemas.microsoft.com/office/powerpoint/2010/main" xmlns:p15="http://schemas.microsoft.com/office/powerpoint/2012/main" xmlns:ahyp="http://schemas.microsoft.com/office/drawing/2018/hyperlinkcolor" matchingName="One column text">
+<p:sldLayout xmlns:a="http://schemas.openxmlformats.org/drawingml/2006/main" xmlns:r="http://schemas.openxmlformats.org/officeDocument/2006/relationships" xmlns:p="http://schemas.openxmlformats.org/presentationml/2006/main" matchingName="One column text">
   <p:cSld name="ONE_COLUMN_TEXT">
     <p:spTree>
       <p:nvGrpSpPr>
-        <p:cNvPr id="28" name="Shape 28"/>
+        <p:cNvPr id="1" name="Shape 28"/>
         <p:cNvGrpSpPr/>
         <p:nvPr/>
       </p:nvGrpSpPr>
@@ -2925,7 +3221,9 @@
       <p:sp>
         <p:nvSpPr>
           <p:cNvPr id="29" name="Google Shape;29;p7"/>
-          <p:cNvSpPr txBox="1"/>
+          <p:cNvSpPr txBox="1">
+            <a:spLocks noGrp="1"/>
+          </p:cNvSpPr>
           <p:nvPr>
             <p:ph type="title"/>
           </p:nvPr>
@@ -2940,7 +3238,7 @@
           </a:prstGeom>
         </p:spPr>
         <p:txBody>
-          <a:bodyPr anchorCtr="0" anchor="b" bIns="91425" lIns="91425" spcFirstLastPara="1" rIns="91425" wrap="square" tIns="91425">
+          <a:bodyPr spcFirstLastPara="1" wrap="square" lIns="91425" tIns="91425" rIns="91425" bIns="91425" anchor="b" anchorCtr="0">
             <a:normAutofit/>
           </a:bodyPr>
           <a:lstStyle>
@@ -3044,15 +3342,19 @@
               <a:defRPr sz="2400"/>
             </a:lvl9pPr>
           </a:lstStyle>
-          <a:p/>
+          <a:p>
+            <a:endParaRPr/>
+          </a:p>
         </p:txBody>
       </p:sp>
       <p:sp>
         <p:nvSpPr>
           <p:cNvPr id="30" name="Google Shape;30;p7"/>
-          <p:cNvSpPr txBox="1"/>
+          <p:cNvSpPr txBox="1">
+            <a:spLocks noGrp="1"/>
+          </p:cNvSpPr>
           <p:nvPr>
-            <p:ph idx="1" type="body"/>
+            <p:ph type="body" idx="1"/>
           </p:nvPr>
         </p:nvSpPr>
         <p:spPr>
@@ -3065,11 +3367,11 @@
           </a:prstGeom>
         </p:spPr>
         <p:txBody>
-          <a:bodyPr anchorCtr="0" anchor="t" bIns="91425" lIns="91425" spcFirstLastPara="1" rIns="91425" wrap="square" tIns="91425">
+          <a:bodyPr spcFirstLastPara="1" wrap="square" lIns="91425" tIns="91425" rIns="91425" bIns="91425" anchor="t" anchorCtr="0">
             <a:normAutofit/>
           </a:bodyPr>
           <a:lstStyle>
-            <a:lvl1pPr indent="-304800" lvl="0" marL="457200" rtl="0">
+            <a:lvl1pPr marL="457200" lvl="0" indent="-304800" rtl="0">
               <a:spcBef>
                 <a:spcPts val="0"/>
               </a:spcBef>
@@ -3080,7 +3382,7 @@
               <a:buChar char="●"/>
               <a:defRPr sz="1200"/>
             </a:lvl1pPr>
-            <a:lvl2pPr indent="-304800" lvl="1" marL="914400" rtl="0">
+            <a:lvl2pPr marL="914400" lvl="1" indent="-304800" rtl="0">
               <a:spcBef>
                 <a:spcPts val="0"/>
               </a:spcBef>
@@ -3091,7 +3393,7 @@
               <a:buChar char="○"/>
               <a:defRPr sz="1200"/>
             </a:lvl2pPr>
-            <a:lvl3pPr indent="-304800" lvl="2" marL="1371600" rtl="0">
+            <a:lvl3pPr marL="1371600" lvl="2" indent="-304800" rtl="0">
               <a:spcBef>
                 <a:spcPts val="0"/>
               </a:spcBef>
@@ -3102,7 +3404,7 @@
               <a:buChar char="■"/>
               <a:defRPr sz="1200"/>
             </a:lvl3pPr>
-            <a:lvl4pPr indent="-304800" lvl="3" marL="1828800" rtl="0">
+            <a:lvl4pPr marL="1828800" lvl="3" indent="-304800" rtl="0">
               <a:spcBef>
                 <a:spcPts val="0"/>
               </a:spcBef>
@@ -3113,7 +3415,7 @@
               <a:buChar char="●"/>
               <a:defRPr sz="1200"/>
             </a:lvl4pPr>
-            <a:lvl5pPr indent="-304800" lvl="4" marL="2286000" rtl="0">
+            <a:lvl5pPr marL="2286000" lvl="4" indent="-304800" rtl="0">
               <a:spcBef>
                 <a:spcPts val="0"/>
               </a:spcBef>
@@ -3124,7 +3426,7 @@
               <a:buChar char="○"/>
               <a:defRPr sz="1200"/>
             </a:lvl5pPr>
-            <a:lvl6pPr indent="-304800" lvl="5" marL="2743200" rtl="0">
+            <a:lvl6pPr marL="2743200" lvl="5" indent="-304800" rtl="0">
               <a:spcBef>
                 <a:spcPts val="0"/>
               </a:spcBef>
@@ -3135,7 +3437,7 @@
               <a:buChar char="■"/>
               <a:defRPr sz="1200"/>
             </a:lvl6pPr>
-            <a:lvl7pPr indent="-304800" lvl="6" marL="3200400" rtl="0">
+            <a:lvl7pPr marL="3200400" lvl="6" indent="-304800" rtl="0">
               <a:spcBef>
                 <a:spcPts val="0"/>
               </a:spcBef>
@@ -3146,7 +3448,7 @@
               <a:buChar char="●"/>
               <a:defRPr sz="1200"/>
             </a:lvl7pPr>
-            <a:lvl8pPr indent="-304800" lvl="7" marL="3657600" rtl="0">
+            <a:lvl8pPr marL="3657600" lvl="7" indent="-304800" rtl="0">
               <a:spcBef>
                 <a:spcPts val="0"/>
               </a:spcBef>
@@ -3157,7 +3459,7 @@
               <a:buChar char="○"/>
               <a:defRPr sz="1200"/>
             </a:lvl8pPr>
-            <a:lvl9pPr indent="-304800" lvl="8" marL="4114800" rtl="0">
+            <a:lvl9pPr marL="4114800" lvl="8" indent="-304800" rtl="0">
               <a:spcBef>
                 <a:spcPts val="0"/>
               </a:spcBef>
@@ -3169,15 +3471,19 @@
               <a:defRPr sz="1200"/>
             </a:lvl9pPr>
           </a:lstStyle>
-          <a:p/>
+          <a:p>
+            <a:endParaRPr/>
+          </a:p>
         </p:txBody>
       </p:sp>
       <p:sp>
         <p:nvSpPr>
           <p:cNvPr id="31" name="Google Shape;31;p7"/>
-          <p:cNvSpPr txBox="1"/>
+          <p:cNvSpPr txBox="1">
+            <a:spLocks noGrp="1"/>
+          </p:cNvSpPr>
           <p:nvPr>
-            <p:ph idx="12" type="sldNum"/>
+            <p:ph type="sldNum" idx="12"/>
           </p:nvPr>
         </p:nvSpPr>
         <p:spPr>
@@ -3190,7 +3496,7 @@
           </a:prstGeom>
         </p:spPr>
         <p:txBody>
-          <a:bodyPr anchorCtr="0" anchor="ctr" bIns="91425" lIns="91425" spcFirstLastPara="1" rIns="91425" wrap="square" tIns="91425">
+          <a:bodyPr spcFirstLastPara="1" wrap="square" lIns="91425" tIns="91425" rIns="91425" bIns="91425" anchor="ctr" anchorCtr="0">
             <a:normAutofit/>
           </a:bodyPr>
           <a:lstStyle>
@@ -3232,7 +3538,7 @@
             </a:lvl9pPr>
           </a:lstStyle>
           <a:p>
-            <a:pPr indent="0" lvl="0" marL="0" rtl="0" algn="r">
+            <a:pPr marL="0" lvl="0" indent="0" algn="r" rtl="0">
               <a:spcBef>
                 <a:spcPts val="0"/>
               </a:spcBef>
@@ -3258,11 +3564,11 @@
 </file>
 
 <file path=ppt/slideLayouts/slideLayout7.xml><?xml version="1.0" encoding="utf-8"?>
-<p:sldLayout xmlns:a="http://schemas.openxmlformats.org/drawingml/2006/main" xmlns:r="http://schemas.openxmlformats.org/officeDocument/2006/relationships" xmlns:mc="http://schemas.openxmlformats.org/markup-compatibility/2006" xmlns:mv="urn:schemas-microsoft-com:mac:vml" xmlns:p="http://schemas.openxmlformats.org/presentationml/2006/main" xmlns:c="http://schemas.openxmlformats.org/drawingml/2006/chart" xmlns:dgm="http://schemas.openxmlformats.org/drawingml/2006/diagram" xmlns:o="urn:schemas-microsoft-com:office:office" xmlns:v="urn:schemas-microsoft-com:vml" xmlns:pvml="urn:schemas-microsoft-com:office:powerpoint" xmlns:com="http://schemas.openxmlformats.org/drawingml/2006/compatibility" xmlns:p14="http://schemas.microsoft.com/office/powerpoint/2010/main" xmlns:p15="http://schemas.microsoft.com/office/powerpoint/2012/main" xmlns:ahyp="http://schemas.microsoft.com/office/drawing/2018/hyperlinkcolor" matchingName="Main point">
+<p:sldLayout xmlns:a="http://schemas.openxmlformats.org/drawingml/2006/main" xmlns:r="http://schemas.openxmlformats.org/officeDocument/2006/relationships" xmlns:p="http://schemas.openxmlformats.org/presentationml/2006/main" matchingName="Main point">
   <p:cSld name="MAIN_POINT">
     <p:spTree>
       <p:nvGrpSpPr>
-        <p:cNvPr id="32" name="Shape 32"/>
+        <p:cNvPr id="1" name="Shape 32"/>
         <p:cNvGrpSpPr/>
         <p:nvPr/>
       </p:nvGrpSpPr>
@@ -3277,7 +3583,9 @@
       <p:sp>
         <p:nvSpPr>
           <p:cNvPr id="33" name="Google Shape;33;p8"/>
-          <p:cNvSpPr txBox="1"/>
+          <p:cNvSpPr txBox="1">
+            <a:spLocks noGrp="1"/>
+          </p:cNvSpPr>
           <p:nvPr>
             <p:ph type="title"/>
           </p:nvPr>
@@ -3292,7 +3600,7 @@
           </a:prstGeom>
         </p:spPr>
         <p:txBody>
-          <a:bodyPr anchorCtr="0" anchor="ctr" bIns="91425" lIns="91425" spcFirstLastPara="1" rIns="91425" wrap="square" tIns="91425">
+          <a:bodyPr spcFirstLastPara="1" wrap="square" lIns="91425" tIns="91425" rIns="91425" bIns="91425" anchor="ctr" anchorCtr="0">
             <a:normAutofit/>
           </a:bodyPr>
           <a:lstStyle>
@@ -3396,15 +3704,19 @@
               <a:defRPr sz="4800"/>
             </a:lvl9pPr>
           </a:lstStyle>
-          <a:p/>
+          <a:p>
+            <a:endParaRPr/>
+          </a:p>
         </p:txBody>
       </p:sp>
       <p:sp>
         <p:nvSpPr>
           <p:cNvPr id="34" name="Google Shape;34;p8"/>
-          <p:cNvSpPr txBox="1"/>
+          <p:cNvSpPr txBox="1">
+            <a:spLocks noGrp="1"/>
+          </p:cNvSpPr>
           <p:nvPr>
-            <p:ph idx="12" type="sldNum"/>
+            <p:ph type="sldNum" idx="12"/>
           </p:nvPr>
         </p:nvSpPr>
         <p:spPr>
@@ -3417,7 +3729,7 @@
           </a:prstGeom>
         </p:spPr>
         <p:txBody>
-          <a:bodyPr anchorCtr="0" anchor="ctr" bIns="91425" lIns="91425" spcFirstLastPara="1" rIns="91425" wrap="square" tIns="91425">
+          <a:bodyPr spcFirstLastPara="1" wrap="square" lIns="91425" tIns="91425" rIns="91425" bIns="91425" anchor="ctr" anchorCtr="0">
             <a:normAutofit/>
           </a:bodyPr>
           <a:lstStyle>
@@ -3459,7 +3771,7 @@
             </a:lvl9pPr>
           </a:lstStyle>
           <a:p>
-            <a:pPr indent="0" lvl="0" marL="0" rtl="0" algn="r">
+            <a:pPr marL="0" lvl="0" indent="0" algn="r" rtl="0">
               <a:spcBef>
                 <a:spcPts val="0"/>
               </a:spcBef>
@@ -3485,11 +3797,11 @@
 </file>
 
 <file path=ppt/slideLayouts/slideLayout8.xml><?xml version="1.0" encoding="utf-8"?>
-<p:sldLayout xmlns:a="http://schemas.openxmlformats.org/drawingml/2006/main" xmlns:r="http://schemas.openxmlformats.org/officeDocument/2006/relationships" xmlns:mc="http://schemas.openxmlformats.org/markup-compatibility/2006" xmlns:mv="urn:schemas-microsoft-com:mac:vml" xmlns:p="http://schemas.openxmlformats.org/presentationml/2006/main" xmlns:c="http://schemas.openxmlformats.org/drawingml/2006/chart" xmlns:dgm="http://schemas.openxmlformats.org/drawingml/2006/diagram" xmlns:o="urn:schemas-microsoft-com:office:office" xmlns:v="urn:schemas-microsoft-com:vml" xmlns:pvml="urn:schemas-microsoft-com:office:powerpoint" xmlns:com="http://schemas.openxmlformats.org/drawingml/2006/compatibility" xmlns:p14="http://schemas.microsoft.com/office/powerpoint/2010/main" xmlns:p15="http://schemas.microsoft.com/office/powerpoint/2012/main" xmlns:ahyp="http://schemas.microsoft.com/office/drawing/2018/hyperlinkcolor" matchingName="Section title and description">
+<p:sldLayout xmlns:a="http://schemas.openxmlformats.org/drawingml/2006/main" xmlns:r="http://schemas.openxmlformats.org/officeDocument/2006/relationships" xmlns:p="http://schemas.openxmlformats.org/presentationml/2006/main" matchingName="Section title and description">
   <p:cSld name="SECTION_TITLE_AND_DESCRIPTION">
     <p:spTree>
       <p:nvGrpSpPr>
-        <p:cNvPr id="35" name="Shape 35"/>
+        <p:cNvPr id="1" name="Shape 35"/>
         <p:cNvGrpSpPr/>
         <p:nvPr/>
       </p:nvGrpSpPr>
@@ -3523,12 +3835,12 @@
           </a:ln>
         </p:spPr>
         <p:txBody>
-          <a:bodyPr anchorCtr="0" anchor="ctr" bIns="91425" lIns="91425" spcFirstLastPara="1" rIns="91425" wrap="square" tIns="91425">
+          <a:bodyPr spcFirstLastPara="1" wrap="square" lIns="91425" tIns="91425" rIns="91425" bIns="91425" anchor="ctr" anchorCtr="0">
             <a:noAutofit/>
           </a:bodyPr>
           <a:lstStyle/>
           <a:p>
-            <a:pPr indent="0" lvl="0" marL="0" rtl="0" algn="l">
+            <a:pPr marL="0" lvl="0" indent="0" algn="l" rtl="0">
               <a:spcBef>
                 <a:spcPts val="0"/>
               </a:spcBef>
@@ -3537,9 +3849,6 @@
               </a:spcAft>
               <a:buNone/>
             </a:pPr>
-            <a:r>
-              <a:t/>
-            </a:r>
             <a:endParaRPr/>
           </a:p>
         </p:txBody>
@@ -3547,7 +3856,9 @@
       <p:sp>
         <p:nvSpPr>
           <p:cNvPr id="37" name="Google Shape;37;p9"/>
-          <p:cNvSpPr txBox="1"/>
+          <p:cNvSpPr txBox="1">
+            <a:spLocks noGrp="1"/>
+          </p:cNvSpPr>
           <p:nvPr>
             <p:ph type="title"/>
           </p:nvPr>
@@ -3562,11 +3873,11 @@
           </a:prstGeom>
         </p:spPr>
         <p:txBody>
-          <a:bodyPr anchorCtr="0" anchor="b" bIns="91425" lIns="91425" spcFirstLastPara="1" rIns="91425" wrap="square" tIns="91425">
+          <a:bodyPr spcFirstLastPara="1" wrap="square" lIns="91425" tIns="91425" rIns="91425" bIns="91425" anchor="b" anchorCtr="0">
             <a:normAutofit/>
           </a:bodyPr>
           <a:lstStyle>
-            <a:lvl1pPr lvl="0" rtl="0" algn="ctr">
+            <a:lvl1pPr lvl="0" algn="ctr" rtl="0">
               <a:spcBef>
                 <a:spcPts val="0"/>
               </a:spcBef>
@@ -3577,7 +3888,7 @@
               <a:buNone/>
               <a:defRPr sz="4200"/>
             </a:lvl1pPr>
-            <a:lvl2pPr lvl="1" rtl="0" algn="ctr">
+            <a:lvl2pPr lvl="1" algn="ctr" rtl="0">
               <a:spcBef>
                 <a:spcPts val="0"/>
               </a:spcBef>
@@ -3588,7 +3899,7 @@
               <a:buNone/>
               <a:defRPr sz="4200"/>
             </a:lvl2pPr>
-            <a:lvl3pPr lvl="2" rtl="0" algn="ctr">
+            <a:lvl3pPr lvl="2" algn="ctr" rtl="0">
               <a:spcBef>
                 <a:spcPts val="0"/>
               </a:spcBef>
@@ -3599,7 +3910,7 @@
               <a:buNone/>
               <a:defRPr sz="4200"/>
             </a:lvl3pPr>
-            <a:lvl4pPr lvl="3" rtl="0" algn="ctr">
+            <a:lvl4pPr lvl="3" algn="ctr" rtl="0">
               <a:spcBef>
                 <a:spcPts val="0"/>
               </a:spcBef>
@@ -3610,7 +3921,7 @@
               <a:buNone/>
               <a:defRPr sz="4200"/>
             </a:lvl4pPr>
-            <a:lvl5pPr lvl="4" rtl="0" algn="ctr">
+            <a:lvl5pPr lvl="4" algn="ctr" rtl="0">
               <a:spcBef>
                 <a:spcPts val="0"/>
               </a:spcBef>
@@ -3621,7 +3932,7 @@
               <a:buNone/>
               <a:defRPr sz="4200"/>
             </a:lvl5pPr>
-            <a:lvl6pPr lvl="5" rtl="0" algn="ctr">
+            <a:lvl6pPr lvl="5" algn="ctr" rtl="0">
               <a:spcBef>
                 <a:spcPts val="0"/>
               </a:spcBef>
@@ -3632,7 +3943,7 @@
               <a:buNone/>
               <a:defRPr sz="4200"/>
             </a:lvl6pPr>
-            <a:lvl7pPr lvl="6" rtl="0" algn="ctr">
+            <a:lvl7pPr lvl="6" algn="ctr" rtl="0">
               <a:spcBef>
                 <a:spcPts val="0"/>
               </a:spcBef>
@@ -3643,7 +3954,7 @@
               <a:buNone/>
               <a:defRPr sz="4200"/>
             </a:lvl7pPr>
-            <a:lvl8pPr lvl="7" rtl="0" algn="ctr">
+            <a:lvl8pPr lvl="7" algn="ctr" rtl="0">
               <a:spcBef>
                 <a:spcPts val="0"/>
               </a:spcBef>
@@ -3654,7 +3965,7 @@
               <a:buNone/>
               <a:defRPr sz="4200"/>
             </a:lvl8pPr>
-            <a:lvl9pPr lvl="8" rtl="0" algn="ctr">
+            <a:lvl9pPr lvl="8" algn="ctr" rtl="0">
               <a:spcBef>
                 <a:spcPts val="0"/>
               </a:spcBef>
@@ -3666,15 +3977,19 @@
               <a:defRPr sz="4200"/>
             </a:lvl9pPr>
           </a:lstStyle>
-          <a:p/>
+          <a:p>
+            <a:endParaRPr/>
+          </a:p>
         </p:txBody>
       </p:sp>
       <p:sp>
         <p:nvSpPr>
           <p:cNvPr id="38" name="Google Shape;38;p9"/>
-          <p:cNvSpPr txBox="1"/>
+          <p:cNvSpPr txBox="1">
+            <a:spLocks noGrp="1"/>
+          </p:cNvSpPr>
           <p:nvPr>
-            <p:ph idx="1" type="subTitle"/>
+            <p:ph type="subTitle" idx="1"/>
           </p:nvPr>
         </p:nvSpPr>
         <p:spPr>
@@ -3687,11 +4002,11 @@
           </a:prstGeom>
         </p:spPr>
         <p:txBody>
-          <a:bodyPr anchorCtr="0" anchor="t" bIns="91425" lIns="91425" spcFirstLastPara="1" rIns="91425" wrap="square" tIns="91425">
+          <a:bodyPr spcFirstLastPara="1" wrap="square" lIns="91425" tIns="91425" rIns="91425" bIns="91425" anchor="t" anchorCtr="0">
             <a:normAutofit/>
           </a:bodyPr>
           <a:lstStyle>
-            <a:lvl1pPr lvl="0" rtl="0" algn="ctr">
+            <a:lvl1pPr lvl="0" algn="ctr" rtl="0">
               <a:lnSpc>
                 <a:spcPct val="100000"/>
               </a:lnSpc>
@@ -3705,7 +4020,7 @@
               <a:buNone/>
               <a:defRPr sz="2100"/>
             </a:lvl1pPr>
-            <a:lvl2pPr lvl="1" rtl="0" algn="ctr">
+            <a:lvl2pPr lvl="1" algn="ctr" rtl="0">
               <a:lnSpc>
                 <a:spcPct val="100000"/>
               </a:lnSpc>
@@ -3719,7 +4034,7 @@
               <a:buNone/>
               <a:defRPr sz="2100"/>
             </a:lvl2pPr>
-            <a:lvl3pPr lvl="2" rtl="0" algn="ctr">
+            <a:lvl3pPr lvl="2" algn="ctr" rtl="0">
               <a:lnSpc>
                 <a:spcPct val="100000"/>
               </a:lnSpc>
@@ -3733,7 +4048,7 @@
               <a:buNone/>
               <a:defRPr sz="2100"/>
             </a:lvl3pPr>
-            <a:lvl4pPr lvl="3" rtl="0" algn="ctr">
+            <a:lvl4pPr lvl="3" algn="ctr" rtl="0">
               <a:lnSpc>
                 <a:spcPct val="100000"/>
               </a:lnSpc>
@@ -3747,7 +4062,7 @@
               <a:buNone/>
               <a:defRPr sz="2100"/>
             </a:lvl4pPr>
-            <a:lvl5pPr lvl="4" rtl="0" algn="ctr">
+            <a:lvl5pPr lvl="4" algn="ctr" rtl="0">
               <a:lnSpc>
                 <a:spcPct val="100000"/>
               </a:lnSpc>
@@ -3761,7 +4076,7 @@
               <a:buNone/>
               <a:defRPr sz="2100"/>
             </a:lvl5pPr>
-            <a:lvl6pPr lvl="5" rtl="0" algn="ctr">
+            <a:lvl6pPr lvl="5" algn="ctr" rtl="0">
               <a:lnSpc>
                 <a:spcPct val="100000"/>
               </a:lnSpc>
@@ -3775,7 +4090,7 @@
               <a:buNone/>
               <a:defRPr sz="2100"/>
             </a:lvl6pPr>
-            <a:lvl7pPr lvl="6" rtl="0" algn="ctr">
+            <a:lvl7pPr lvl="6" algn="ctr" rtl="0">
               <a:lnSpc>
                 <a:spcPct val="100000"/>
               </a:lnSpc>
@@ -3789,7 +4104,7 @@
               <a:buNone/>
               <a:defRPr sz="2100"/>
             </a:lvl7pPr>
-            <a:lvl8pPr lvl="7" rtl="0" algn="ctr">
+            <a:lvl8pPr lvl="7" algn="ctr" rtl="0">
               <a:lnSpc>
                 <a:spcPct val="100000"/>
               </a:lnSpc>
@@ -3803,7 +4118,7 @@
               <a:buNone/>
               <a:defRPr sz="2100"/>
             </a:lvl8pPr>
-            <a:lvl9pPr lvl="8" rtl="0" algn="ctr">
+            <a:lvl9pPr lvl="8" algn="ctr" rtl="0">
               <a:lnSpc>
                 <a:spcPct val="100000"/>
               </a:lnSpc>
@@ -3818,15 +4133,19 @@
               <a:defRPr sz="2100"/>
             </a:lvl9pPr>
           </a:lstStyle>
-          <a:p/>
+          <a:p>
+            <a:endParaRPr/>
+          </a:p>
         </p:txBody>
       </p:sp>
       <p:sp>
         <p:nvSpPr>
           <p:cNvPr id="39" name="Google Shape;39;p9"/>
-          <p:cNvSpPr txBox="1"/>
+          <p:cNvSpPr txBox="1">
+            <a:spLocks noGrp="1"/>
+          </p:cNvSpPr>
           <p:nvPr>
-            <p:ph idx="2" type="body"/>
+            <p:ph type="body" idx="2"/>
           </p:nvPr>
         </p:nvSpPr>
         <p:spPr>
@@ -3839,11 +4158,11 @@
           </a:prstGeom>
         </p:spPr>
         <p:txBody>
-          <a:bodyPr anchorCtr="0" anchor="ctr" bIns="91425" lIns="91425" spcFirstLastPara="1" rIns="91425" wrap="square" tIns="91425">
+          <a:bodyPr spcFirstLastPara="1" wrap="square" lIns="91425" tIns="91425" rIns="91425" bIns="91425" anchor="ctr" anchorCtr="0">
             <a:normAutofit/>
           </a:bodyPr>
           <a:lstStyle>
-            <a:lvl1pPr indent="-342900" lvl="0" marL="457200" rtl="0">
+            <a:lvl1pPr marL="457200" lvl="0" indent="-342900" rtl="0">
               <a:spcBef>
                 <a:spcPts val="0"/>
               </a:spcBef>
@@ -3854,7 +4173,7 @@
               <a:buChar char="●"/>
               <a:defRPr/>
             </a:lvl1pPr>
-            <a:lvl2pPr indent="-317500" lvl="1" marL="914400" rtl="0">
+            <a:lvl2pPr marL="914400" lvl="1" indent="-317500" rtl="0">
               <a:spcBef>
                 <a:spcPts val="0"/>
               </a:spcBef>
@@ -3865,7 +4184,7 @@
               <a:buChar char="○"/>
               <a:defRPr/>
             </a:lvl2pPr>
-            <a:lvl3pPr indent="-317500" lvl="2" marL="1371600" rtl="0">
+            <a:lvl3pPr marL="1371600" lvl="2" indent="-317500" rtl="0">
               <a:spcBef>
                 <a:spcPts val="0"/>
               </a:spcBef>
@@ -3876,7 +4195,7 @@
               <a:buChar char="■"/>
               <a:defRPr/>
             </a:lvl3pPr>
-            <a:lvl4pPr indent="-317500" lvl="3" marL="1828800" rtl="0">
+            <a:lvl4pPr marL="1828800" lvl="3" indent="-317500" rtl="0">
               <a:spcBef>
                 <a:spcPts val="0"/>
               </a:spcBef>
@@ -3887,7 +4206,7 @@
               <a:buChar char="●"/>
               <a:defRPr/>
             </a:lvl4pPr>
-            <a:lvl5pPr indent="-317500" lvl="4" marL="2286000" rtl="0">
+            <a:lvl5pPr marL="2286000" lvl="4" indent="-317500" rtl="0">
               <a:spcBef>
                 <a:spcPts val="0"/>
               </a:spcBef>
@@ -3898,7 +4217,7 @@
               <a:buChar char="○"/>
               <a:defRPr/>
             </a:lvl5pPr>
-            <a:lvl6pPr indent="-317500" lvl="5" marL="2743200" rtl="0">
+            <a:lvl6pPr marL="2743200" lvl="5" indent="-317500" rtl="0">
               <a:spcBef>
                 <a:spcPts val="0"/>
               </a:spcBef>
@@ -3909,7 +4228,7 @@
               <a:buChar char="■"/>
               <a:defRPr/>
             </a:lvl6pPr>
-            <a:lvl7pPr indent="-317500" lvl="6" marL="3200400" rtl="0">
+            <a:lvl7pPr marL="3200400" lvl="6" indent="-317500" rtl="0">
               <a:spcBef>
                 <a:spcPts val="0"/>
               </a:spcBef>
@@ -3920,7 +4239,7 @@
               <a:buChar char="●"/>
               <a:defRPr/>
             </a:lvl7pPr>
-            <a:lvl8pPr indent="-317500" lvl="7" marL="3657600" rtl="0">
+            <a:lvl8pPr marL="3657600" lvl="7" indent="-317500" rtl="0">
               <a:spcBef>
                 <a:spcPts val="0"/>
               </a:spcBef>
@@ -3931,7 +4250,7 @@
               <a:buChar char="○"/>
               <a:defRPr/>
             </a:lvl8pPr>
-            <a:lvl9pPr indent="-317500" lvl="8" marL="4114800" rtl="0">
+            <a:lvl9pPr marL="4114800" lvl="8" indent="-317500" rtl="0">
               <a:spcBef>
                 <a:spcPts val="0"/>
               </a:spcBef>
@@ -3943,15 +4262,19 @@
               <a:defRPr/>
             </a:lvl9pPr>
           </a:lstStyle>
-          <a:p/>
+          <a:p>
+            <a:endParaRPr/>
+          </a:p>
         </p:txBody>
       </p:sp>
       <p:sp>
         <p:nvSpPr>
           <p:cNvPr id="40" name="Google Shape;40;p9"/>
-          <p:cNvSpPr txBox="1"/>
+          <p:cNvSpPr txBox="1">
+            <a:spLocks noGrp="1"/>
+          </p:cNvSpPr>
           <p:nvPr>
-            <p:ph idx="12" type="sldNum"/>
+            <p:ph type="sldNum" idx="12"/>
           </p:nvPr>
         </p:nvSpPr>
         <p:spPr>
@@ -3964,7 +4287,7 @@
           </a:prstGeom>
         </p:spPr>
         <p:txBody>
-          <a:bodyPr anchorCtr="0" anchor="ctr" bIns="91425" lIns="91425" spcFirstLastPara="1" rIns="91425" wrap="square" tIns="91425">
+          <a:bodyPr spcFirstLastPara="1" wrap="square" lIns="91425" tIns="91425" rIns="91425" bIns="91425" anchor="ctr" anchorCtr="0">
             <a:normAutofit/>
           </a:bodyPr>
           <a:lstStyle>
@@ -4006,7 +4329,7 @@
             </a:lvl9pPr>
           </a:lstStyle>
           <a:p>
-            <a:pPr indent="0" lvl="0" marL="0" rtl="0" algn="r">
+            <a:pPr marL="0" lvl="0" indent="0" algn="r" rtl="0">
               <a:spcBef>
                 <a:spcPts val="0"/>
               </a:spcBef>
@@ -4032,11 +4355,11 @@
 </file>
 
 <file path=ppt/slideLayouts/slideLayout9.xml><?xml version="1.0" encoding="utf-8"?>
-<p:sldLayout xmlns:a="http://schemas.openxmlformats.org/drawingml/2006/main" xmlns:r="http://schemas.openxmlformats.org/officeDocument/2006/relationships" xmlns:mc="http://schemas.openxmlformats.org/markup-compatibility/2006" xmlns:mv="urn:schemas-microsoft-com:mac:vml" xmlns:p="http://schemas.openxmlformats.org/presentationml/2006/main" xmlns:c="http://schemas.openxmlformats.org/drawingml/2006/chart" xmlns:dgm="http://schemas.openxmlformats.org/drawingml/2006/diagram" xmlns:o="urn:schemas-microsoft-com:office:office" xmlns:v="urn:schemas-microsoft-com:vml" xmlns:pvml="urn:schemas-microsoft-com:office:powerpoint" xmlns:com="http://schemas.openxmlformats.org/drawingml/2006/compatibility" xmlns:p14="http://schemas.microsoft.com/office/powerpoint/2010/main" xmlns:p15="http://schemas.microsoft.com/office/powerpoint/2012/main" xmlns:ahyp="http://schemas.microsoft.com/office/drawing/2018/hyperlinkcolor" matchingName="Caption">
+<p:sldLayout xmlns:a="http://schemas.openxmlformats.org/drawingml/2006/main" xmlns:r="http://schemas.openxmlformats.org/officeDocument/2006/relationships" xmlns:p="http://schemas.openxmlformats.org/presentationml/2006/main" matchingName="Caption">
   <p:cSld name="CAPTION_ONLY">
     <p:spTree>
       <p:nvGrpSpPr>
-        <p:cNvPr id="41" name="Shape 41"/>
+        <p:cNvPr id="1" name="Shape 41"/>
         <p:cNvGrpSpPr/>
         <p:nvPr/>
       </p:nvGrpSpPr>
@@ -4051,9 +4374,11 @@
       <p:sp>
         <p:nvSpPr>
           <p:cNvPr id="42" name="Google Shape;42;p10"/>
-          <p:cNvSpPr txBox="1"/>
+          <p:cNvSpPr txBox="1">
+            <a:spLocks noGrp="1"/>
+          </p:cNvSpPr>
           <p:nvPr>
-            <p:ph idx="1" type="body"/>
+            <p:ph type="body" idx="1"/>
           </p:nvPr>
         </p:nvSpPr>
         <p:spPr>
@@ -4066,11 +4391,11 @@
           </a:prstGeom>
         </p:spPr>
         <p:txBody>
-          <a:bodyPr anchorCtr="0" anchor="ctr" bIns="91425" lIns="91425" spcFirstLastPara="1" rIns="91425" wrap="square" tIns="91425">
+          <a:bodyPr spcFirstLastPara="1" wrap="square" lIns="91425" tIns="91425" rIns="91425" bIns="91425" anchor="ctr" anchorCtr="0">
             <a:normAutofit/>
           </a:bodyPr>
           <a:lstStyle>
-            <a:lvl1pPr indent="-228600" lvl="0" marL="457200" rtl="0">
+            <a:lvl1pPr marL="457200" lvl="0" indent="-228600" rtl="0">
               <a:lnSpc>
                 <a:spcPct val="100000"/>
               </a:lnSpc>
@@ -4085,15 +4410,19 @@
               <a:defRPr/>
             </a:lvl1pPr>
           </a:lstStyle>
-          <a:p/>
+          <a:p>
+            <a:endParaRPr/>
+          </a:p>
         </p:txBody>
       </p:sp>
       <p:sp>
         <p:nvSpPr>
           <p:cNvPr id="43" name="Google Shape;43;p10"/>
-          <p:cNvSpPr txBox="1"/>
+          <p:cNvSpPr txBox="1">
+            <a:spLocks noGrp="1"/>
+          </p:cNvSpPr>
           <p:nvPr>
-            <p:ph idx="12" type="sldNum"/>
+            <p:ph type="sldNum" idx="12"/>
           </p:nvPr>
         </p:nvSpPr>
         <p:spPr>
@@ -4106,7 +4435,7 @@
           </a:prstGeom>
         </p:spPr>
         <p:txBody>
-          <a:bodyPr anchorCtr="0" anchor="ctr" bIns="91425" lIns="91425" spcFirstLastPara="1" rIns="91425" wrap="square" tIns="91425">
+          <a:bodyPr spcFirstLastPara="1" wrap="square" lIns="91425" tIns="91425" rIns="91425" bIns="91425" anchor="ctr" anchorCtr="0">
             <a:normAutofit/>
           </a:bodyPr>
           <a:lstStyle>
@@ -4148,7 +4477,7 @@
             </a:lvl9pPr>
           </a:lstStyle>
           <a:p>
-            <a:pPr indent="0" lvl="0" marL="0" rtl="0" algn="r">
+            <a:pPr marL="0" lvl="0" indent="0" algn="r" rtl="0">
               <a:spcBef>
                 <a:spcPts val="0"/>
               </a:spcBef>
@@ -4174,23 +4503,24 @@
 </file>
 
 <file path=ppt/slideMasters/slideMaster1.xml><?xml version="1.0" encoding="utf-8"?>
-<p:sldMaster xmlns:a="http://schemas.openxmlformats.org/drawingml/2006/main" xmlns:r="http://schemas.openxmlformats.org/officeDocument/2006/relationships" xmlns:mc="http://schemas.openxmlformats.org/markup-compatibility/2006" xmlns:mv="urn:schemas-microsoft-com:mac:vml" xmlns:p="http://schemas.openxmlformats.org/presentationml/2006/main" xmlns:c="http://schemas.openxmlformats.org/drawingml/2006/chart" xmlns:dgm="http://schemas.openxmlformats.org/drawingml/2006/diagram" xmlns:o="urn:schemas-microsoft-com:office:office" xmlns:v="urn:schemas-microsoft-com:vml" xmlns:pvml="urn:schemas-microsoft-com:office:powerpoint" xmlns:com="http://schemas.openxmlformats.org/drawingml/2006/compatibility" xmlns:p14="http://schemas.microsoft.com/office/powerpoint/2010/main" xmlns:p15="http://schemas.microsoft.com/office/powerpoint/2012/main" xmlns:ahyp="http://schemas.microsoft.com/office/drawing/2018/hyperlinkcolor">
+<p:sldMaster xmlns:a="http://schemas.openxmlformats.org/drawingml/2006/main" xmlns:r="http://schemas.openxmlformats.org/officeDocument/2006/relationships" xmlns:p="http://schemas.openxmlformats.org/presentationml/2006/main">
   <p:cSld name="simple-light-2">
     <p:bg>
       <p:bgPr>
         <a:blipFill>
-          <a:blip r:embed="rId1">
+          <a:blip r:embed="rId13">
             <a:alphaModFix/>
           </a:blip>
           <a:stretch>
             <a:fillRect/>
           </a:stretch>
         </a:blipFill>
+        <a:effectLst/>
       </p:bgPr>
     </p:bg>
     <p:spTree>
       <p:nvGrpSpPr>
-        <p:cNvPr id="5" name="Shape 5"/>
+        <p:cNvPr id="1" name="Shape 5"/>
         <p:cNvGrpSpPr/>
         <p:nvPr/>
       </p:nvGrpSpPr>
@@ -4205,7 +4535,9 @@
       <p:sp>
         <p:nvSpPr>
           <p:cNvPr id="6" name="Google Shape;6;p1"/>
-          <p:cNvSpPr txBox="1"/>
+          <p:cNvSpPr txBox="1">
+            <a:spLocks noGrp="1"/>
+          </p:cNvSpPr>
           <p:nvPr>
             <p:ph type="title"/>
           </p:nvPr>
@@ -4224,7 +4556,7 @@
           </a:ln>
         </p:spPr>
         <p:txBody>
-          <a:bodyPr anchorCtr="0" anchor="t" bIns="91425" lIns="91425" spcFirstLastPara="1" rIns="91425" wrap="square" tIns="91425">
+          <a:bodyPr spcFirstLastPara="1" wrap="square" lIns="91425" tIns="91425" rIns="91425" bIns="91425" anchor="t" anchorCtr="0">
             <a:normAutofit/>
           </a:bodyPr>
           <a:lstStyle>
@@ -4391,15 +4723,19 @@
               </a:defRPr>
             </a:lvl9pPr>
           </a:lstStyle>
-          <a:p/>
+          <a:p>
+            <a:endParaRPr/>
+          </a:p>
         </p:txBody>
       </p:sp>
       <p:sp>
         <p:nvSpPr>
           <p:cNvPr id="7" name="Google Shape;7;p1"/>
-          <p:cNvSpPr txBox="1"/>
+          <p:cNvSpPr txBox="1">
+            <a:spLocks noGrp="1"/>
+          </p:cNvSpPr>
           <p:nvPr>
-            <p:ph idx="1" type="body"/>
+            <p:ph type="body" idx="1"/>
           </p:nvPr>
         </p:nvSpPr>
         <p:spPr>
@@ -4416,11 +4752,11 @@
           </a:ln>
         </p:spPr>
         <p:txBody>
-          <a:bodyPr anchorCtr="0" anchor="t" bIns="91425" lIns="91425" spcFirstLastPara="1" rIns="91425" wrap="square" tIns="91425">
+          <a:bodyPr spcFirstLastPara="1" wrap="square" lIns="91425" tIns="91425" rIns="91425" bIns="91425" anchor="t" anchorCtr="0">
             <a:normAutofit/>
           </a:bodyPr>
           <a:lstStyle>
-            <a:lvl1pPr indent="-342900" lvl="0" marL="457200" rtl="0">
+            <a:lvl1pPr marL="457200" lvl="0" indent="-342900" rtl="0">
               <a:lnSpc>
                 <a:spcPct val="115000"/>
               </a:lnSpc>
@@ -4441,7 +4777,7 @@
                 </a:solidFill>
               </a:defRPr>
             </a:lvl1pPr>
-            <a:lvl2pPr indent="-317500" lvl="1" marL="914400" rtl="0">
+            <a:lvl2pPr marL="914400" lvl="1" indent="-317500" rtl="0">
               <a:lnSpc>
                 <a:spcPct val="115000"/>
               </a:lnSpc>
@@ -4462,7 +4798,7 @@
                 </a:solidFill>
               </a:defRPr>
             </a:lvl2pPr>
-            <a:lvl3pPr indent="-317500" lvl="2" marL="1371600" rtl="0">
+            <a:lvl3pPr marL="1371600" lvl="2" indent="-317500" rtl="0">
               <a:lnSpc>
                 <a:spcPct val="115000"/>
               </a:lnSpc>
@@ -4483,7 +4819,7 @@
                 </a:solidFill>
               </a:defRPr>
             </a:lvl3pPr>
-            <a:lvl4pPr indent="-317500" lvl="3" marL="1828800" rtl="0">
+            <a:lvl4pPr marL="1828800" lvl="3" indent="-317500" rtl="0">
               <a:lnSpc>
                 <a:spcPct val="115000"/>
               </a:lnSpc>
@@ -4504,7 +4840,7 @@
                 </a:solidFill>
               </a:defRPr>
             </a:lvl4pPr>
-            <a:lvl5pPr indent="-317500" lvl="4" marL="2286000" rtl="0">
+            <a:lvl5pPr marL="2286000" lvl="4" indent="-317500" rtl="0">
               <a:lnSpc>
                 <a:spcPct val="115000"/>
               </a:lnSpc>
@@ -4525,7 +4861,7 @@
                 </a:solidFill>
               </a:defRPr>
             </a:lvl5pPr>
-            <a:lvl6pPr indent="-317500" lvl="5" marL="2743200" rtl="0">
+            <a:lvl6pPr marL="2743200" lvl="5" indent="-317500" rtl="0">
               <a:lnSpc>
                 <a:spcPct val="115000"/>
               </a:lnSpc>
@@ -4546,7 +4882,7 @@
                 </a:solidFill>
               </a:defRPr>
             </a:lvl6pPr>
-            <a:lvl7pPr indent="-317500" lvl="6" marL="3200400" rtl="0">
+            <a:lvl7pPr marL="3200400" lvl="6" indent="-317500" rtl="0">
               <a:lnSpc>
                 <a:spcPct val="115000"/>
               </a:lnSpc>
@@ -4567,7 +4903,7 @@
                 </a:solidFill>
               </a:defRPr>
             </a:lvl7pPr>
-            <a:lvl8pPr indent="-317500" lvl="7" marL="3657600" rtl="0">
+            <a:lvl8pPr marL="3657600" lvl="7" indent="-317500" rtl="0">
               <a:lnSpc>
                 <a:spcPct val="115000"/>
               </a:lnSpc>
@@ -4588,7 +4924,7 @@
                 </a:solidFill>
               </a:defRPr>
             </a:lvl8pPr>
-            <a:lvl9pPr indent="-317500" lvl="8" marL="4114800" rtl="0">
+            <a:lvl9pPr marL="4114800" lvl="8" indent="-317500" rtl="0">
               <a:lnSpc>
                 <a:spcPct val="115000"/>
               </a:lnSpc>
@@ -4610,15 +4946,19 @@
               </a:defRPr>
             </a:lvl9pPr>
           </a:lstStyle>
-          <a:p/>
+          <a:p>
+            <a:endParaRPr/>
+          </a:p>
         </p:txBody>
       </p:sp>
       <p:sp>
         <p:nvSpPr>
           <p:cNvPr id="8" name="Google Shape;8;p1"/>
-          <p:cNvSpPr txBox="1"/>
+          <p:cNvSpPr txBox="1">
+            <a:spLocks noGrp="1"/>
+          </p:cNvSpPr>
           <p:nvPr>
-            <p:ph idx="12" type="sldNum"/>
+            <p:ph type="sldNum" idx="12"/>
           </p:nvPr>
         </p:nvSpPr>
         <p:spPr>
@@ -4635,11 +4975,11 @@
           </a:ln>
         </p:spPr>
         <p:txBody>
-          <a:bodyPr anchorCtr="0" anchor="ctr" bIns="91425" lIns="91425" spcFirstLastPara="1" rIns="91425" wrap="square" tIns="91425">
+          <a:bodyPr spcFirstLastPara="1" wrap="square" lIns="91425" tIns="91425" rIns="91425" bIns="91425" anchor="ctr" anchorCtr="0">
             <a:normAutofit/>
           </a:bodyPr>
           <a:lstStyle>
-            <a:lvl1pPr lvl="0" rtl="0" algn="r">
+            <a:lvl1pPr lvl="0" algn="r" rtl="0">
               <a:buNone/>
               <a:defRPr sz="1000">
                 <a:solidFill>
@@ -4647,7 +4987,7 @@
                 </a:solidFill>
               </a:defRPr>
             </a:lvl1pPr>
-            <a:lvl2pPr lvl="1" rtl="0" algn="r">
+            <a:lvl2pPr lvl="1" algn="r" rtl="0">
               <a:buNone/>
               <a:defRPr sz="1000">
                 <a:solidFill>
@@ -4655,7 +4995,7 @@
                 </a:solidFill>
               </a:defRPr>
             </a:lvl2pPr>
-            <a:lvl3pPr lvl="2" rtl="0" algn="r">
+            <a:lvl3pPr lvl="2" algn="r" rtl="0">
               <a:buNone/>
               <a:defRPr sz="1000">
                 <a:solidFill>
@@ -4663,7 +5003,7 @@
                 </a:solidFill>
               </a:defRPr>
             </a:lvl3pPr>
-            <a:lvl4pPr lvl="3" rtl="0" algn="r">
+            <a:lvl4pPr lvl="3" algn="r" rtl="0">
               <a:buNone/>
               <a:defRPr sz="1000">
                 <a:solidFill>
@@ -4671,7 +5011,7 @@
                 </a:solidFill>
               </a:defRPr>
             </a:lvl4pPr>
-            <a:lvl5pPr lvl="4" rtl="0" algn="r">
+            <a:lvl5pPr lvl="4" algn="r" rtl="0">
               <a:buNone/>
               <a:defRPr sz="1000">
                 <a:solidFill>
@@ -4679,7 +5019,7 @@
                 </a:solidFill>
               </a:defRPr>
             </a:lvl5pPr>
-            <a:lvl6pPr lvl="5" rtl="0" algn="r">
+            <a:lvl6pPr lvl="5" algn="r" rtl="0">
               <a:buNone/>
               <a:defRPr sz="1000">
                 <a:solidFill>
@@ -4687,7 +5027,7 @@
                 </a:solidFill>
               </a:defRPr>
             </a:lvl6pPr>
-            <a:lvl7pPr lvl="6" rtl="0" algn="r">
+            <a:lvl7pPr lvl="6" algn="r" rtl="0">
               <a:buNone/>
               <a:defRPr sz="1000">
                 <a:solidFill>
@@ -4695,7 +5035,7 @@
                 </a:solidFill>
               </a:defRPr>
             </a:lvl7pPr>
-            <a:lvl8pPr lvl="7" rtl="0" algn="r">
+            <a:lvl8pPr lvl="7" algn="r" rtl="0">
               <a:buNone/>
               <a:defRPr sz="1000">
                 <a:solidFill>
@@ -4703,7 +5043,7 @@
                 </a:solidFill>
               </a:defRPr>
             </a:lvl8pPr>
-            <a:lvl9pPr lvl="8" rtl="0" algn="r">
+            <a:lvl9pPr lvl="8" algn="r" rtl="0">
               <a:buNone/>
               <a:defRPr sz="1000">
                 <a:solidFill>
@@ -4713,7 +5053,7 @@
             </a:lvl9pPr>
           </a:lstStyle>
           <a:p>
-            <a:pPr indent="0" lvl="0" marL="0" rtl="0" algn="r">
+            <a:pPr marL="0" lvl="0" indent="0" algn="r" rtl="0">
               <a:spcBef>
                 <a:spcPts val="0"/>
               </a:spcBef>
@@ -4732,24 +5072,24 @@
       </p:sp>
     </p:spTree>
   </p:cSld>
-  <p:clrMap accent1="accent1" accent2="accent2" accent3="accent3" accent4="accent4" accent5="accent5" accent6="accent6" bg1="lt1" bg2="dk2" tx1="dk1" tx2="lt2" folHlink="folHlink" hlink="hlink"/>
+  <p:clrMap bg1="lt1" tx1="dk1" bg2="dk2" tx2="lt2" accent1="accent1" accent2="accent2" accent3="accent3" accent4="accent4" accent5="accent5" accent6="accent6" hlink="hlink" folHlink="folHlink"/>
   <p:sldLayoutIdLst>
-    <p:sldLayoutId id="2147483648" r:id="rId2"/>
-    <p:sldLayoutId id="2147483649" r:id="rId3"/>
-    <p:sldLayoutId id="2147483650" r:id="rId4"/>
-    <p:sldLayoutId id="2147483651" r:id="rId5"/>
-    <p:sldLayoutId id="2147483652" r:id="rId6"/>
-    <p:sldLayoutId id="2147483653" r:id="rId7"/>
-    <p:sldLayoutId id="2147483654" r:id="rId8"/>
-    <p:sldLayoutId id="2147483655" r:id="rId9"/>
-    <p:sldLayoutId id="2147483656" r:id="rId10"/>
-    <p:sldLayoutId id="2147483657" r:id="rId11"/>
-    <p:sldLayoutId id="2147483658" r:id="rId12"/>
+    <p:sldLayoutId id="2147483648" r:id="rId1"/>
+    <p:sldLayoutId id="2147483649" r:id="rId2"/>
+    <p:sldLayoutId id="2147483650" r:id="rId3"/>
+    <p:sldLayoutId id="2147483651" r:id="rId4"/>
+    <p:sldLayoutId id="2147483652" r:id="rId5"/>
+    <p:sldLayoutId id="2147483653" r:id="rId6"/>
+    <p:sldLayoutId id="2147483654" r:id="rId7"/>
+    <p:sldLayoutId id="2147483655" r:id="rId8"/>
+    <p:sldLayoutId id="2147483656" r:id="rId9"/>
+    <p:sldLayoutId id="2147483657" r:id="rId10"/>
+    <p:sldLayoutId id="2147483658" r:id="rId11"/>
   </p:sldLayoutIdLst>
-  <p:hf dt="0" ftr="0" hdr="0" sldNum="0"/>
+  <p:hf sldNum="0" hdr="0" ftr="0" dt="0"/>
   <p:txStyles>
     <p:titleStyle>
-      <a:defPPr lvl="0" marR="0" rtl="0" algn="l">
+      <a:defPPr marR="0" lvl="0" algn="l" rtl="0">
         <a:lnSpc>
           <a:spcPct val="100000"/>
         </a:lnSpc>
@@ -4760,7 +5100,7 @@
           <a:spcPts val="0"/>
         </a:spcAft>
       </a:defPPr>
-      <a:lvl1pPr lvl="0" marR="0" rtl="0" algn="l">
+      <a:lvl1pPr marR="0" lvl="0" algn="l" rtl="0">
         <a:lnSpc>
           <a:spcPct val="100000"/>
         </a:lnSpc>
@@ -4774,7 +5114,7 @@
           <a:srgbClr val="000000"/>
         </a:buClr>
         <a:buFont typeface="Arial"/>
-        <a:defRPr b="0" i="0" sz="1400" u="none" cap="none" strike="noStrike">
+        <a:defRPr sz="1400" b="0" i="0" u="none" strike="noStrike" cap="none">
           <a:solidFill>
             <a:srgbClr val="000000"/>
           </a:solidFill>
@@ -4784,7 +5124,7 @@
           <a:sym typeface="Arial"/>
         </a:defRPr>
       </a:lvl1pPr>
-      <a:lvl2pPr lvl="1" marR="0" rtl="0" algn="l">
+      <a:lvl2pPr marR="0" lvl="1" algn="l" rtl="0">
         <a:lnSpc>
           <a:spcPct val="100000"/>
         </a:lnSpc>
@@ -4798,7 +5138,7 @@
           <a:srgbClr val="000000"/>
         </a:buClr>
         <a:buFont typeface="Arial"/>
-        <a:defRPr b="0" i="0" sz="1400" u="none" cap="none" strike="noStrike">
+        <a:defRPr sz="1400" b="0" i="0" u="none" strike="noStrike" cap="none">
           <a:solidFill>
             <a:srgbClr val="000000"/>
           </a:solidFill>
@@ -4808,7 +5148,7 @@
           <a:sym typeface="Arial"/>
         </a:defRPr>
       </a:lvl2pPr>
-      <a:lvl3pPr lvl="2" marR="0" rtl="0" algn="l">
+      <a:lvl3pPr marR="0" lvl="2" algn="l" rtl="0">
         <a:lnSpc>
           <a:spcPct val="100000"/>
         </a:lnSpc>
@@ -4822,7 +5162,7 @@
           <a:srgbClr val="000000"/>
         </a:buClr>
         <a:buFont typeface="Arial"/>
-        <a:defRPr b="0" i="0" sz="1400" u="none" cap="none" strike="noStrike">
+        <a:defRPr sz="1400" b="0" i="0" u="none" strike="noStrike" cap="none">
           <a:solidFill>
             <a:srgbClr val="000000"/>
           </a:solidFill>
@@ -4832,7 +5172,7 @@
           <a:sym typeface="Arial"/>
         </a:defRPr>
       </a:lvl3pPr>
-      <a:lvl4pPr lvl="3" marR="0" rtl="0" algn="l">
+      <a:lvl4pPr marR="0" lvl="3" algn="l" rtl="0">
         <a:lnSpc>
           <a:spcPct val="100000"/>
         </a:lnSpc>
@@ -4846,7 +5186,7 @@
           <a:srgbClr val="000000"/>
         </a:buClr>
         <a:buFont typeface="Arial"/>
-        <a:defRPr b="0" i="0" sz="1400" u="none" cap="none" strike="noStrike">
+        <a:defRPr sz="1400" b="0" i="0" u="none" strike="noStrike" cap="none">
           <a:solidFill>
             <a:srgbClr val="000000"/>
           </a:solidFill>
@@ -4856,7 +5196,7 @@
           <a:sym typeface="Arial"/>
         </a:defRPr>
       </a:lvl4pPr>
-      <a:lvl5pPr lvl="4" marR="0" rtl="0" algn="l">
+      <a:lvl5pPr marR="0" lvl="4" algn="l" rtl="0">
         <a:lnSpc>
           <a:spcPct val="100000"/>
         </a:lnSpc>
@@ -4870,7 +5210,7 @@
           <a:srgbClr val="000000"/>
         </a:buClr>
         <a:buFont typeface="Arial"/>
-        <a:defRPr b="0" i="0" sz="1400" u="none" cap="none" strike="noStrike">
+        <a:defRPr sz="1400" b="0" i="0" u="none" strike="noStrike" cap="none">
           <a:solidFill>
             <a:srgbClr val="000000"/>
           </a:solidFill>
@@ -4880,7 +5220,7 @@
           <a:sym typeface="Arial"/>
         </a:defRPr>
       </a:lvl5pPr>
-      <a:lvl6pPr lvl="5" marR="0" rtl="0" algn="l">
+      <a:lvl6pPr marR="0" lvl="5" algn="l" rtl="0">
         <a:lnSpc>
           <a:spcPct val="100000"/>
         </a:lnSpc>
@@ -4894,7 +5234,7 @@
           <a:srgbClr val="000000"/>
         </a:buClr>
         <a:buFont typeface="Arial"/>
-        <a:defRPr b="0" i="0" sz="1400" u="none" cap="none" strike="noStrike">
+        <a:defRPr sz="1400" b="0" i="0" u="none" strike="noStrike" cap="none">
           <a:solidFill>
             <a:srgbClr val="000000"/>
           </a:solidFill>
@@ -4904,7 +5244,7 @@
           <a:sym typeface="Arial"/>
         </a:defRPr>
       </a:lvl6pPr>
-      <a:lvl7pPr lvl="6" marR="0" rtl="0" algn="l">
+      <a:lvl7pPr marR="0" lvl="6" algn="l" rtl="0">
         <a:lnSpc>
           <a:spcPct val="100000"/>
         </a:lnSpc>
@@ -4918,7 +5258,7 @@
           <a:srgbClr val="000000"/>
         </a:buClr>
         <a:buFont typeface="Arial"/>
-        <a:defRPr b="0" i="0" sz="1400" u="none" cap="none" strike="noStrike">
+        <a:defRPr sz="1400" b="0" i="0" u="none" strike="noStrike" cap="none">
           <a:solidFill>
             <a:srgbClr val="000000"/>
           </a:solidFill>
@@ -4928,7 +5268,7 @@
           <a:sym typeface="Arial"/>
         </a:defRPr>
       </a:lvl7pPr>
-      <a:lvl8pPr lvl="7" marR="0" rtl="0" algn="l">
+      <a:lvl8pPr marR="0" lvl="7" algn="l" rtl="0">
         <a:lnSpc>
           <a:spcPct val="100000"/>
         </a:lnSpc>
@@ -4942,7 +5282,7 @@
           <a:srgbClr val="000000"/>
         </a:buClr>
         <a:buFont typeface="Arial"/>
-        <a:defRPr b="0" i="0" sz="1400" u="none" cap="none" strike="noStrike">
+        <a:defRPr sz="1400" b="0" i="0" u="none" strike="noStrike" cap="none">
           <a:solidFill>
             <a:srgbClr val="000000"/>
           </a:solidFill>
@@ -4952,7 +5292,7 @@
           <a:sym typeface="Arial"/>
         </a:defRPr>
       </a:lvl8pPr>
-      <a:lvl9pPr lvl="8" marR="0" rtl="0" algn="l">
+      <a:lvl9pPr marR="0" lvl="8" algn="l" rtl="0">
         <a:lnSpc>
           <a:spcPct val="100000"/>
         </a:lnSpc>
@@ -4966,7 +5306,7 @@
           <a:srgbClr val="000000"/>
         </a:buClr>
         <a:buFont typeface="Arial"/>
-        <a:defRPr b="0" i="0" sz="1400" u="none" cap="none" strike="noStrike">
+        <a:defRPr sz="1400" b="0" i="0" u="none" strike="noStrike" cap="none">
           <a:solidFill>
             <a:srgbClr val="000000"/>
           </a:solidFill>
@@ -4978,7 +5318,7 @@
       </a:lvl9pPr>
     </p:titleStyle>
     <p:bodyStyle>
-      <a:defPPr lvl="0" marR="0" rtl="0" algn="l">
+      <a:defPPr marR="0" lvl="0" algn="l" rtl="0">
         <a:lnSpc>
           <a:spcPct val="100000"/>
         </a:lnSpc>
@@ -4989,7 +5329,7 @@
           <a:spcPts val="0"/>
         </a:spcAft>
       </a:defPPr>
-      <a:lvl1pPr lvl="0" marR="0" rtl="0" algn="l">
+      <a:lvl1pPr marR="0" lvl="0" algn="l" rtl="0">
         <a:lnSpc>
           <a:spcPct val="100000"/>
         </a:lnSpc>
@@ -5003,7 +5343,7 @@
           <a:srgbClr val="000000"/>
         </a:buClr>
         <a:buFont typeface="Arial"/>
-        <a:defRPr b="0" i="0" sz="1400" u="none" cap="none" strike="noStrike">
+        <a:defRPr sz="1400" b="0" i="0" u="none" strike="noStrike" cap="none">
           <a:solidFill>
             <a:srgbClr val="000000"/>
           </a:solidFill>
@@ -5013,7 +5353,7 @@
           <a:sym typeface="Arial"/>
         </a:defRPr>
       </a:lvl1pPr>
-      <a:lvl2pPr lvl="1" marR="0" rtl="0" algn="l">
+      <a:lvl2pPr marR="0" lvl="1" algn="l" rtl="0">
         <a:lnSpc>
           <a:spcPct val="100000"/>
         </a:lnSpc>
@@ -5027,7 +5367,7 @@
           <a:srgbClr val="000000"/>
         </a:buClr>
         <a:buFont typeface="Arial"/>
-        <a:defRPr b="0" i="0" sz="1400" u="none" cap="none" strike="noStrike">
+        <a:defRPr sz="1400" b="0" i="0" u="none" strike="noStrike" cap="none">
           <a:solidFill>
             <a:srgbClr val="000000"/>
           </a:solidFill>
@@ -5037,7 +5377,7 @@
           <a:sym typeface="Arial"/>
         </a:defRPr>
       </a:lvl2pPr>
-      <a:lvl3pPr lvl="2" marR="0" rtl="0" algn="l">
+      <a:lvl3pPr marR="0" lvl="2" algn="l" rtl="0">
         <a:lnSpc>
           <a:spcPct val="100000"/>
         </a:lnSpc>
@@ -5051,7 +5391,7 @@
           <a:srgbClr val="000000"/>
         </a:buClr>
         <a:buFont typeface="Arial"/>
-        <a:defRPr b="0" i="0" sz="1400" u="none" cap="none" strike="noStrike">
+        <a:defRPr sz="1400" b="0" i="0" u="none" strike="noStrike" cap="none">
           <a:solidFill>
             <a:srgbClr val="000000"/>
           </a:solidFill>
@@ -5061,7 +5401,7 @@
           <a:sym typeface="Arial"/>
         </a:defRPr>
       </a:lvl3pPr>
-      <a:lvl4pPr lvl="3" marR="0" rtl="0" algn="l">
+      <a:lvl4pPr marR="0" lvl="3" algn="l" rtl="0">
         <a:lnSpc>
           <a:spcPct val="100000"/>
         </a:lnSpc>
@@ -5075,7 +5415,7 @@
           <a:srgbClr val="000000"/>
         </a:buClr>
         <a:buFont typeface="Arial"/>
-        <a:defRPr b="0" i="0" sz="1400" u="none" cap="none" strike="noStrike">
+        <a:defRPr sz="1400" b="0" i="0" u="none" strike="noStrike" cap="none">
           <a:solidFill>
             <a:srgbClr val="000000"/>
           </a:solidFill>
@@ -5085,7 +5425,7 @@
           <a:sym typeface="Arial"/>
         </a:defRPr>
       </a:lvl4pPr>
-      <a:lvl5pPr lvl="4" marR="0" rtl="0" algn="l">
+      <a:lvl5pPr marR="0" lvl="4" algn="l" rtl="0">
         <a:lnSpc>
           <a:spcPct val="100000"/>
         </a:lnSpc>
@@ -5099,7 +5439,7 @@
           <a:srgbClr val="000000"/>
         </a:buClr>
         <a:buFont typeface="Arial"/>
-        <a:defRPr b="0" i="0" sz="1400" u="none" cap="none" strike="noStrike">
+        <a:defRPr sz="1400" b="0" i="0" u="none" strike="noStrike" cap="none">
           <a:solidFill>
             <a:srgbClr val="000000"/>
           </a:solidFill>
@@ -5109,7 +5449,7 @@
           <a:sym typeface="Arial"/>
         </a:defRPr>
       </a:lvl5pPr>
-      <a:lvl6pPr lvl="5" marR="0" rtl="0" algn="l">
+      <a:lvl6pPr marR="0" lvl="5" algn="l" rtl="0">
         <a:lnSpc>
           <a:spcPct val="100000"/>
         </a:lnSpc>
@@ -5123,7 +5463,7 @@
           <a:srgbClr val="000000"/>
         </a:buClr>
         <a:buFont typeface="Arial"/>
-        <a:defRPr b="0" i="0" sz="1400" u="none" cap="none" strike="noStrike">
+        <a:defRPr sz="1400" b="0" i="0" u="none" strike="noStrike" cap="none">
           <a:solidFill>
             <a:srgbClr val="000000"/>
           </a:solidFill>
@@ -5133,7 +5473,7 @@
           <a:sym typeface="Arial"/>
         </a:defRPr>
       </a:lvl6pPr>
-      <a:lvl7pPr lvl="6" marR="0" rtl="0" algn="l">
+      <a:lvl7pPr marR="0" lvl="6" algn="l" rtl="0">
         <a:lnSpc>
           <a:spcPct val="100000"/>
         </a:lnSpc>
@@ -5147,7 +5487,7 @@
           <a:srgbClr val="000000"/>
         </a:buClr>
         <a:buFont typeface="Arial"/>
-        <a:defRPr b="0" i="0" sz="1400" u="none" cap="none" strike="noStrike">
+        <a:defRPr sz="1400" b="0" i="0" u="none" strike="noStrike" cap="none">
           <a:solidFill>
             <a:srgbClr val="000000"/>
           </a:solidFill>
@@ -5157,7 +5497,7 @@
           <a:sym typeface="Arial"/>
         </a:defRPr>
       </a:lvl7pPr>
-      <a:lvl8pPr lvl="7" marR="0" rtl="0" algn="l">
+      <a:lvl8pPr marR="0" lvl="7" algn="l" rtl="0">
         <a:lnSpc>
           <a:spcPct val="100000"/>
         </a:lnSpc>
@@ -5171,7 +5511,7 @@
           <a:srgbClr val="000000"/>
         </a:buClr>
         <a:buFont typeface="Arial"/>
-        <a:defRPr b="0" i="0" sz="1400" u="none" cap="none" strike="noStrike">
+        <a:defRPr sz="1400" b="0" i="0" u="none" strike="noStrike" cap="none">
           <a:solidFill>
             <a:srgbClr val="000000"/>
           </a:solidFill>
@@ -5181,7 +5521,7 @@
           <a:sym typeface="Arial"/>
         </a:defRPr>
       </a:lvl8pPr>
-      <a:lvl9pPr lvl="8" marR="0" rtl="0" algn="l">
+      <a:lvl9pPr marR="0" lvl="8" algn="l" rtl="0">
         <a:lnSpc>
           <a:spcPct val="100000"/>
         </a:lnSpc>
@@ -5195,7 +5535,7 @@
           <a:srgbClr val="000000"/>
         </a:buClr>
         <a:buFont typeface="Arial"/>
-        <a:defRPr b="0" i="0" sz="1400" u="none" cap="none" strike="noStrike">
+        <a:defRPr sz="1400" b="0" i="0" u="none" strike="noStrike" cap="none">
           <a:solidFill>
             <a:srgbClr val="000000"/>
           </a:solidFill>
@@ -5207,7 +5547,7 @@
       </a:lvl9pPr>
     </p:bodyStyle>
     <p:otherStyle>
-      <a:defPPr lvl="0" marR="0" rtl="0" algn="l">
+      <a:defPPr marR="0" lvl="0" algn="l" rtl="0">
         <a:lnSpc>
           <a:spcPct val="100000"/>
         </a:lnSpc>
@@ -5218,7 +5558,7 @@
           <a:spcPts val="0"/>
         </a:spcAft>
       </a:defPPr>
-      <a:lvl1pPr lvl="0" marR="0" rtl="0" algn="l">
+      <a:lvl1pPr marR="0" lvl="0" algn="l" rtl="0">
         <a:lnSpc>
           <a:spcPct val="100000"/>
         </a:lnSpc>
@@ -5232,7 +5572,7 @@
           <a:srgbClr val="000000"/>
         </a:buClr>
         <a:buFont typeface="Arial"/>
-        <a:defRPr b="0" i="0" sz="1400" u="none" cap="none" strike="noStrike">
+        <a:defRPr sz="1400" b="0" i="0" u="none" strike="noStrike" cap="none">
           <a:solidFill>
             <a:srgbClr val="000000"/>
           </a:solidFill>
@@ -5242,7 +5582,7 @@
           <a:sym typeface="Arial"/>
         </a:defRPr>
       </a:lvl1pPr>
-      <a:lvl2pPr lvl="1" marR="0" rtl="0" algn="l">
+      <a:lvl2pPr marR="0" lvl="1" algn="l" rtl="0">
         <a:lnSpc>
           <a:spcPct val="100000"/>
         </a:lnSpc>
@@ -5256,7 +5596,7 @@
           <a:srgbClr val="000000"/>
         </a:buClr>
         <a:buFont typeface="Arial"/>
-        <a:defRPr b="0" i="0" sz="1400" u="none" cap="none" strike="noStrike">
+        <a:defRPr sz="1400" b="0" i="0" u="none" strike="noStrike" cap="none">
           <a:solidFill>
             <a:srgbClr val="000000"/>
           </a:solidFill>
@@ -5266,7 +5606,7 @@
           <a:sym typeface="Arial"/>
         </a:defRPr>
       </a:lvl2pPr>
-      <a:lvl3pPr lvl="2" marR="0" rtl="0" algn="l">
+      <a:lvl3pPr marR="0" lvl="2" algn="l" rtl="0">
         <a:lnSpc>
           <a:spcPct val="100000"/>
         </a:lnSpc>
@@ -5280,7 +5620,7 @@
           <a:srgbClr val="000000"/>
         </a:buClr>
         <a:buFont typeface="Arial"/>
-        <a:defRPr b="0" i="0" sz="1400" u="none" cap="none" strike="noStrike">
+        <a:defRPr sz="1400" b="0" i="0" u="none" strike="noStrike" cap="none">
           <a:solidFill>
             <a:srgbClr val="000000"/>
           </a:solidFill>
@@ -5290,7 +5630,7 @@
           <a:sym typeface="Arial"/>
         </a:defRPr>
       </a:lvl3pPr>
-      <a:lvl4pPr lvl="3" marR="0" rtl="0" algn="l">
+      <a:lvl4pPr marR="0" lvl="3" algn="l" rtl="0">
         <a:lnSpc>
           <a:spcPct val="100000"/>
         </a:lnSpc>
@@ -5304,7 +5644,7 @@
           <a:srgbClr val="000000"/>
         </a:buClr>
         <a:buFont typeface="Arial"/>
-        <a:defRPr b="0" i="0" sz="1400" u="none" cap="none" strike="noStrike">
+        <a:defRPr sz="1400" b="0" i="0" u="none" strike="noStrike" cap="none">
           <a:solidFill>
             <a:srgbClr val="000000"/>
           </a:solidFill>
@@ -5314,7 +5654,7 @@
           <a:sym typeface="Arial"/>
         </a:defRPr>
       </a:lvl4pPr>
-      <a:lvl5pPr lvl="4" marR="0" rtl="0" algn="l">
+      <a:lvl5pPr marR="0" lvl="4" algn="l" rtl="0">
         <a:lnSpc>
           <a:spcPct val="100000"/>
         </a:lnSpc>
@@ -5328,7 +5668,7 @@
           <a:srgbClr val="000000"/>
         </a:buClr>
         <a:buFont typeface="Arial"/>
-        <a:defRPr b="0" i="0" sz="1400" u="none" cap="none" strike="noStrike">
+        <a:defRPr sz="1400" b="0" i="0" u="none" strike="noStrike" cap="none">
           <a:solidFill>
             <a:srgbClr val="000000"/>
           </a:solidFill>
@@ -5338,7 +5678,7 @@
           <a:sym typeface="Arial"/>
         </a:defRPr>
       </a:lvl5pPr>
-      <a:lvl6pPr lvl="5" marR="0" rtl="0" algn="l">
+      <a:lvl6pPr marR="0" lvl="5" algn="l" rtl="0">
         <a:lnSpc>
           <a:spcPct val="100000"/>
         </a:lnSpc>
@@ -5352,7 +5692,7 @@
           <a:srgbClr val="000000"/>
         </a:buClr>
         <a:buFont typeface="Arial"/>
-        <a:defRPr b="0" i="0" sz="1400" u="none" cap="none" strike="noStrike">
+        <a:defRPr sz="1400" b="0" i="0" u="none" strike="noStrike" cap="none">
           <a:solidFill>
             <a:srgbClr val="000000"/>
           </a:solidFill>
@@ -5362,7 +5702,7 @@
           <a:sym typeface="Arial"/>
         </a:defRPr>
       </a:lvl6pPr>
-      <a:lvl7pPr lvl="6" marR="0" rtl="0" algn="l">
+      <a:lvl7pPr marR="0" lvl="6" algn="l" rtl="0">
         <a:lnSpc>
           <a:spcPct val="100000"/>
         </a:lnSpc>
@@ -5376,7 +5716,7 @@
           <a:srgbClr val="000000"/>
         </a:buClr>
         <a:buFont typeface="Arial"/>
-        <a:defRPr b="0" i="0" sz="1400" u="none" cap="none" strike="noStrike">
+        <a:defRPr sz="1400" b="0" i="0" u="none" strike="noStrike" cap="none">
           <a:solidFill>
             <a:srgbClr val="000000"/>
           </a:solidFill>
@@ -5386,7 +5726,7 @@
           <a:sym typeface="Arial"/>
         </a:defRPr>
       </a:lvl7pPr>
-      <a:lvl8pPr lvl="7" marR="0" rtl="0" algn="l">
+      <a:lvl8pPr marR="0" lvl="7" algn="l" rtl="0">
         <a:lnSpc>
           <a:spcPct val="100000"/>
         </a:lnSpc>
@@ -5400,7 +5740,7 @@
           <a:srgbClr val="000000"/>
         </a:buClr>
         <a:buFont typeface="Arial"/>
-        <a:defRPr b="0" i="0" sz="1400" u="none" cap="none" strike="noStrike">
+        <a:defRPr sz="1400" b="0" i="0" u="none" strike="noStrike" cap="none">
           <a:solidFill>
             <a:srgbClr val="000000"/>
           </a:solidFill>
@@ -5410,7 +5750,7 @@
           <a:sym typeface="Arial"/>
         </a:defRPr>
       </a:lvl8pPr>
-      <a:lvl9pPr lvl="8" marR="0" rtl="0" algn="l">
+      <a:lvl9pPr marR="0" lvl="8" algn="l" rtl="0">
         <a:lnSpc>
           <a:spcPct val="100000"/>
         </a:lnSpc>
@@ -5424,7 +5764,7 @@
           <a:srgbClr val="000000"/>
         </a:buClr>
         <a:buFont typeface="Arial"/>
-        <a:defRPr b="0" i="0" sz="1400" u="none" cap="none" strike="noStrike">
+        <a:defRPr sz="1400" b="0" i="0" u="none" strike="noStrike" cap="none">
           <a:solidFill>
             <a:srgbClr val="000000"/>
           </a:solidFill>
@@ -5440,11 +5780,11 @@
 </file>
 
 <file path=ppt/slides/slide1.xml><?xml version="1.0" encoding="utf-8"?>
-<p:sld xmlns:a="http://schemas.openxmlformats.org/drawingml/2006/main" xmlns:r="http://schemas.openxmlformats.org/officeDocument/2006/relationships" xmlns:mc="http://schemas.openxmlformats.org/markup-compatibility/2006" xmlns:mv="urn:schemas-microsoft-com:mac:vml" xmlns:p="http://schemas.openxmlformats.org/presentationml/2006/main" xmlns:c="http://schemas.openxmlformats.org/drawingml/2006/chart" xmlns:dgm="http://schemas.openxmlformats.org/drawingml/2006/diagram" xmlns:o="urn:schemas-microsoft-com:office:office" xmlns:v="urn:schemas-microsoft-com:vml" xmlns:pvml="urn:schemas-microsoft-com:office:powerpoint" xmlns:com="http://schemas.openxmlformats.org/drawingml/2006/compatibility" xmlns:p14="http://schemas.microsoft.com/office/powerpoint/2010/main" xmlns:p15="http://schemas.microsoft.com/office/powerpoint/2012/main" xmlns:ahyp="http://schemas.microsoft.com/office/drawing/2018/hyperlinkcolor">
+<p:sld xmlns:a="http://schemas.openxmlformats.org/drawingml/2006/main" xmlns:r="http://schemas.openxmlformats.org/officeDocument/2006/relationships" xmlns:p="http://schemas.openxmlformats.org/presentationml/2006/main">
   <p:cSld>
     <p:spTree>
       <p:nvGrpSpPr>
-        <p:cNvPr id="53" name="Shape 53"/>
+        <p:cNvPr id="1" name="Shape 53"/>
         <p:cNvGrpSpPr/>
         <p:nvPr/>
       </p:nvGrpSpPr>
@@ -5459,7 +5799,9 @@
       <p:sp>
         <p:nvSpPr>
           <p:cNvPr id="54" name="Google Shape;54;p13"/>
-          <p:cNvSpPr txBox="1"/>
+          <p:cNvSpPr txBox="1">
+            <a:spLocks noGrp="1"/>
+          </p:cNvSpPr>
           <p:nvPr>
             <p:ph type="title"/>
           </p:nvPr>
@@ -5474,12 +5816,12 @@
           </a:prstGeom>
         </p:spPr>
         <p:txBody>
-          <a:bodyPr anchorCtr="0" anchor="t" bIns="91425" lIns="91425" spcFirstLastPara="1" rIns="91425" wrap="square" tIns="91425">
+          <a:bodyPr spcFirstLastPara="1" wrap="square" lIns="91425" tIns="91425" rIns="91425" bIns="91425" anchor="t" anchorCtr="0">
             <a:normAutofit/>
           </a:bodyPr>
           <a:lstStyle/>
           <a:p>
-            <a:pPr indent="0" lvl="0" marL="0" rtl="0" algn="ctr">
+            <a:pPr marL="0" lvl="0" indent="0" algn="ctr" rtl="0">
               <a:spcBef>
                 <a:spcPts val="0"/>
               </a:spcBef>
@@ -5490,14 +5832,14 @@
               <a:buNone/>
             </a:pPr>
             <a:r>
-              <a:rPr b="1" lang="en" sz="2220">
+              <a:rPr lang="en" sz="2220" b="1" dirty="0">
                 <a:solidFill>
                   <a:schemeClr val="lt1"/>
                 </a:solidFill>
               </a:rPr>
               <a:t>Annual Product Category Quality Analysis</a:t>
             </a:r>
-            <a:endParaRPr b="1" sz="2220">
+            <a:endParaRPr sz="2220" b="1" dirty="0">
               <a:solidFill>
                 <a:schemeClr val="lt1"/>
               </a:solidFill>
@@ -5507,7 +5849,13 @@
       </p:sp>
       <p:sp>
         <p:nvSpPr>
-          <p:cNvPr id="55" name="Google Shape;55;p13"/>
+          <p:cNvPr id="4" name="Google Shape;55;p13">
+            <a:extLst>
+              <a:ext uri="{FF2B5EF4-FFF2-40B4-BE49-F238E27FC236}">
+                <a16:creationId xmlns:a16="http://schemas.microsoft.com/office/drawing/2014/main" id="{9EAAB736-210E-DA6E-8B7F-25EE2C42E472}"/>
+              </a:ext>
+            </a:extLst>
+          </p:cNvPr>
           <p:cNvSpPr txBox="1"/>
           <p:nvPr/>
         </p:nvSpPr>
@@ -5525,12 +5873,12 @@
           </a:ln>
         </p:spPr>
         <p:txBody>
-          <a:bodyPr anchorCtr="0" anchor="t" bIns="91425" lIns="91425" spcFirstLastPara="1" rIns="91425" wrap="square" tIns="91425">
+          <a:bodyPr spcFirstLastPara="1" wrap="square" lIns="91425" tIns="91425" rIns="91425" bIns="91425" anchor="t" anchorCtr="0">
             <a:spAutoFit/>
           </a:bodyPr>
           <a:lstStyle/>
           <a:p>
-            <a:pPr indent="0" lvl="0" marL="0" rtl="0" algn="r">
+            <a:pPr marL="0" lvl="0" indent="0" algn="r" rtl="0">
               <a:lnSpc>
                 <a:spcPct val="100000"/>
               </a:lnSpc>
@@ -5542,17 +5890,14 @@
               </a:spcAft>
               <a:buNone/>
             </a:pPr>
-            <a:r>
-              <a:t/>
-            </a:r>
-            <a:endParaRPr sz="1100">
+            <a:endParaRPr sz="1100" dirty="0">
               <a:solidFill>
                 <a:schemeClr val="dk1"/>
               </a:solidFill>
             </a:endParaRPr>
           </a:p>
           <a:p>
-            <a:pPr indent="0" lvl="0" marL="0" rtl="0" algn="r">
+            <a:pPr marL="0" lvl="0" indent="0" algn="r" rtl="0">
               <a:lnSpc>
                 <a:spcPct val="100000"/>
               </a:lnSpc>
@@ -5565,14 +5910,23 @@
               <a:buNone/>
             </a:pPr>
             <a:r>
-              <a:rPr lang="en" sz="1100">
+              <a:rPr lang="en-US" sz="1100" dirty="0">
                 <a:solidFill>
                   <a:schemeClr val="dk1"/>
                 </a:solidFill>
               </a:rPr>
-              <a:t>Query selengkapnya dapat dilihat disini</a:t>
+              <a:t>The full query can be found </a:t>
             </a:r>
-            <a:endParaRPr sz="1100">
+            <a:r>
+              <a:rPr lang="en-US" sz="1100" dirty="0">
+                <a:solidFill>
+                  <a:schemeClr val="dk1"/>
+                </a:solidFill>
+                <a:hlinkClick r:id="rId3"/>
+              </a:rPr>
+              <a:t>here</a:t>
+            </a:r>
+            <a:endParaRPr lang="en-US" sz="1100" dirty="0">
               <a:solidFill>
                 <a:schemeClr val="dk1"/>
               </a:solidFill>
@@ -5582,10 +5936,18 @@
       </p:sp>
       <p:sp>
         <p:nvSpPr>
-          <p:cNvPr id="56" name="Google Shape;56;p13"/>
-          <p:cNvSpPr txBox="1"/>
+          <p:cNvPr id="5" name="Google Shape;56;p13">
+            <a:extLst>
+              <a:ext uri="{FF2B5EF4-FFF2-40B4-BE49-F238E27FC236}">
+                <a16:creationId xmlns:a16="http://schemas.microsoft.com/office/drawing/2014/main" id="{8DA266EF-0D13-048D-5EC5-D5D610F2CE41}"/>
+              </a:ext>
+            </a:extLst>
+          </p:cNvPr>
+          <p:cNvSpPr txBox="1">
+            <a:spLocks noGrp="1"/>
+          </p:cNvSpPr>
           <p:nvPr>
-            <p:ph idx="1" type="body"/>
+            <p:ph type="body" idx="1"/>
           </p:nvPr>
         </p:nvSpPr>
         <p:spPr>
@@ -5598,12 +5960,12 @@
           </a:prstGeom>
         </p:spPr>
         <p:txBody>
-          <a:bodyPr anchorCtr="0" anchor="t" bIns="91425" lIns="91425" spcFirstLastPara="1" rIns="91425" wrap="square" tIns="91425">
-            <a:normAutofit lnSpcReduction="20000"/>
+          <a:bodyPr spcFirstLastPara="1" wrap="square" lIns="91425" tIns="91425" rIns="91425" bIns="91425" anchor="t" anchorCtr="0">
+            <a:normAutofit/>
           </a:bodyPr>
           <a:lstStyle/>
           <a:p>
-            <a:pPr indent="-323850" lvl="0" marL="457200" rtl="0" algn="l">
+            <a:pPr marL="133350" lvl="0" indent="0" algn="l" rtl="0">
               <a:spcBef>
                 <a:spcPts val="0"/>
               </a:spcBef>
@@ -5614,106 +5976,39 @@
                 <a:schemeClr val="dk1"/>
               </a:buClr>
               <a:buSzPts val="1500"/>
-              <a:buChar char="●"/>
+              <a:buNone/>
             </a:pPr>
             <a:r>
-              <a:rPr lang="en" sz="1500">
+              <a:rPr lang="en-US" sz="1300" b="1" dirty="0">
                 <a:solidFill>
                   <a:schemeClr val="dk1"/>
                 </a:solidFill>
               </a:rPr>
-              <a:t>Masukkan master tabel yang berisi informasi :</a:t>
+              <a:t>Overview :</a:t>
             </a:r>
-            <a:br>
-              <a:rPr lang="en" sz="1500">
-                <a:solidFill>
-                  <a:schemeClr val="dk1"/>
-                </a:solidFill>
-              </a:rPr>
-            </a:br>
-            <a:r>
-              <a:rPr lang="en" sz="1500">
-                <a:solidFill>
-                  <a:schemeClr val="dk1"/>
-                </a:solidFill>
-              </a:rPr>
-              <a:t>- revenue per tahun</a:t>
-            </a:r>
-            <a:br>
-              <a:rPr lang="en" sz="1500">
-                <a:solidFill>
-                  <a:schemeClr val="dk1"/>
-                </a:solidFill>
-              </a:rPr>
-            </a:br>
-            <a:r>
-              <a:rPr lang="en" sz="1500">
-                <a:solidFill>
-                  <a:schemeClr val="dk1"/>
-                </a:solidFill>
-              </a:rPr>
-              <a:t>- jumlah cancel order per tahun</a:t>
-            </a:r>
-            <a:br>
-              <a:rPr lang="en" sz="1500">
-                <a:solidFill>
-                  <a:schemeClr val="dk1"/>
-                </a:solidFill>
-              </a:rPr>
-            </a:br>
-            <a:r>
-              <a:rPr lang="en" sz="1500">
-                <a:solidFill>
-                  <a:schemeClr val="dk1"/>
-                </a:solidFill>
-              </a:rPr>
-              <a:t>- top kategori yang menghasilkan revenue terbesar per tahun</a:t>
-            </a:r>
-            <a:br>
-              <a:rPr lang="en" sz="1500">
-                <a:solidFill>
-                  <a:schemeClr val="dk1"/>
-                </a:solidFill>
-              </a:rPr>
-            </a:br>
-            <a:r>
-              <a:rPr lang="en" sz="1500">
-                <a:solidFill>
-                  <a:schemeClr val="dk1"/>
-                </a:solidFill>
-              </a:rPr>
-              <a:t>- kategori yang mengalami cancel order terbanyak per tahun</a:t>
-            </a:r>
-            <a:br>
-              <a:rPr lang="en" sz="1500">
-                <a:solidFill>
-                  <a:schemeClr val="dk1"/>
-                </a:solidFill>
-              </a:rPr>
-            </a:br>
-            <a:r>
-              <a:rPr lang="en" sz="1500">
-                <a:solidFill>
-                  <a:schemeClr val="dk1"/>
-                </a:solidFill>
-              </a:rPr>
-              <a:t>(Hasil dari langkah 5)</a:t>
-            </a:r>
-            <a:br>
-              <a:rPr lang="en" sz="1500">
-                <a:solidFill>
-                  <a:schemeClr val="dk1"/>
-                </a:solidFill>
-              </a:rPr>
-            </a:br>
-            <a:endParaRPr sz="1500">
+          </a:p>
+          <a:p>
+            <a:pPr marL="133350" lvl="0" indent="0" algn="l" rtl="0">
+              <a:spcBef>
+                <a:spcPts val="0"/>
+              </a:spcBef>
+              <a:spcAft>
+                <a:spcPts val="0"/>
+              </a:spcAft>
+              <a:buClr>
+                <a:schemeClr val="dk1"/>
+              </a:buClr>
+              <a:buSzPts val="1500"/>
+              <a:buNone/>
+            </a:pPr>
+            <a:endParaRPr lang="en-US" sz="1300" dirty="0">
               <a:solidFill>
                 <a:schemeClr val="dk1"/>
               </a:solidFill>
             </a:endParaRPr>
           </a:p>
           <a:p>
-            <a:pPr indent="-323850" lvl="0" marL="457200" rtl="0" algn="l">
+            <a:pPr marL="133350" lvl="0" indent="0" algn="l" rtl="0">
               <a:spcBef>
                 <a:spcPts val="0"/>
               </a:spcBef>
@@ -5724,47 +6019,39 @@
                 <a:schemeClr val="dk1"/>
               </a:buClr>
               <a:buSzPts val="1500"/>
-              <a:buChar char="●"/>
+              <a:buNone/>
             </a:pPr>
             <a:r>
-              <a:rPr lang="en" sz="1500">
+              <a:rPr lang="en-US" sz="1300" dirty="0">
                 <a:solidFill>
                   <a:schemeClr val="dk1"/>
                 </a:solidFill>
               </a:rPr>
-              <a:t>Silakan tambahkan visualisasi lainnya bisa berupa gambar, grafik, dsb untuk informasi yang menurutmu penting mengenai </a:t>
+              <a:t>Business performance in eCommerce is closely related to the products available within it. Analyzing the quality of products in eCommerce can provide insights for making better business decisions. In this section, we will conduct an Annual Product Category Quality Analysis by analyzing annual business metrics related to revenue and canceled orders.</a:t>
             </a:r>
-            <a:r>
-              <a:rPr b="1" lang="en" sz="1500">
-                <a:solidFill>
-                  <a:schemeClr val="dk1"/>
-                </a:solidFill>
-              </a:rPr>
-              <a:t>kualitas produk</a:t>
-            </a:r>
-            <a:r>
-              <a:rPr lang="en" sz="1500">
-                <a:solidFill>
-                  <a:schemeClr val="dk1"/>
-                </a:solidFill>
-              </a:rPr>
-              <a:t> berdasarkan tabel di atas kemudian tulislah interpretasi-mu.</a:t>
-            </a:r>
-            <a:br>
-              <a:rPr lang="en" sz="1500">
-                <a:solidFill>
-                  <a:schemeClr val="dk1"/>
-                </a:solidFill>
-              </a:rPr>
-            </a:br>
-            <a:endParaRPr sz="1500">
+          </a:p>
+          <a:p>
+            <a:pPr marL="133350" lvl="0" indent="0" algn="l" rtl="0">
+              <a:spcBef>
+                <a:spcPts val="0"/>
+              </a:spcBef>
+              <a:spcAft>
+                <a:spcPts val="0"/>
+              </a:spcAft>
+              <a:buClr>
+                <a:schemeClr val="dk1"/>
+              </a:buClr>
+              <a:buSzPts val="1500"/>
+              <a:buNone/>
+            </a:pPr>
+            <a:endParaRPr lang="en-US" sz="1300" dirty="0">
               <a:solidFill>
                 <a:schemeClr val="dk1"/>
               </a:solidFill>
             </a:endParaRPr>
           </a:p>
           <a:p>
-            <a:pPr indent="-323850" lvl="0" marL="457200" rtl="0" algn="l">
+            <a:pPr marL="133350" lvl="0" indent="0" algn="l" rtl="0">
               <a:spcBef>
                 <a:spcPts val="0"/>
               </a:spcBef>
@@ -5775,52 +6062,24 @@
                 <a:schemeClr val="dk1"/>
               </a:buClr>
               <a:buSzPts val="1500"/>
-              <a:buChar char="●"/>
+              <a:buNone/>
             </a:pPr>
             <a:r>
-              <a:rPr lang="en" sz="1500">
+              <a:rPr lang="en-US" sz="1300" dirty="0">
                 <a:solidFill>
                   <a:schemeClr val="dk1"/>
                 </a:solidFill>
               </a:rPr>
-              <a:t>Tambahkan query yang kamu gunakan pada tugas ini, ke dalam file doc yang sudah dibuat pada tugas sebelumnya, dan jangan lupa sematkan link-nya di pojok kanan bawah</a:t>
+              <a:t>Here is the summary table of total revenue, total cancel orders, top product category revenue, and top product category cancel order performance :</a:t>
             </a:r>
             <a:br>
-              <a:rPr lang="en" sz="1500">
+              <a:rPr lang="en-US" sz="1500" dirty="0">
                 <a:solidFill>
                   <a:schemeClr val="dk1"/>
                 </a:solidFill>
               </a:rPr>
             </a:br>
-            <a:endParaRPr sz="1500">
-              <a:solidFill>
-                <a:schemeClr val="dk1"/>
-              </a:solidFill>
-            </a:endParaRPr>
-          </a:p>
-          <a:p>
-            <a:pPr indent="-323850" lvl="0" marL="457200" rtl="0" algn="l">
-              <a:spcBef>
-                <a:spcPts val="0"/>
-              </a:spcBef>
-              <a:spcAft>
-                <a:spcPts val="0"/>
-              </a:spcAft>
-              <a:buClr>
-                <a:schemeClr val="dk1"/>
-              </a:buClr>
-              <a:buSzPts val="1500"/>
-              <a:buChar char="●"/>
-            </a:pPr>
-            <a:r>
-              <a:rPr lang="en" sz="1500">
-                <a:solidFill>
-                  <a:schemeClr val="dk1"/>
-                </a:solidFill>
-              </a:rPr>
-              <a:t>Maximal 4 slide.</a:t>
-            </a:r>
-            <a:endParaRPr sz="1500">
+            <a:endParaRPr lang="en-US" sz="1500" dirty="0">
               <a:solidFill>
                 <a:schemeClr val="dk1"/>
               </a:solidFill>
@@ -5828,6 +6087,36 @@
           </a:p>
         </p:txBody>
       </p:sp>
+      <p:pic>
+        <p:nvPicPr>
+          <p:cNvPr id="9" name="Picture 8">
+            <a:extLst>
+              <a:ext uri="{FF2B5EF4-FFF2-40B4-BE49-F238E27FC236}">
+                <a16:creationId xmlns:a16="http://schemas.microsoft.com/office/drawing/2014/main" id="{625D1B5B-A2C8-1613-E443-093BD8962B39}"/>
+              </a:ext>
+            </a:extLst>
+          </p:cNvPr>
+          <p:cNvPicPr>
+            <a:picLocks noChangeAspect="1"/>
+          </p:cNvPicPr>
+          <p:nvPr/>
+        </p:nvPicPr>
+        <p:blipFill>
+          <a:blip r:embed="rId4"/>
+          <a:stretch>
+            <a:fillRect/>
+          </a:stretch>
+        </p:blipFill>
+        <p:spPr>
+          <a:xfrm>
+            <a:off x="0" y="3290081"/>
+            <a:ext cx="9144000" cy="807774"/>
+          </a:xfrm>
+          <a:prstGeom prst="rect">
+            <a:avLst/>
+          </a:prstGeom>
+        </p:spPr>
+      </p:pic>
     </p:spTree>
   </p:cSld>
   <p:clrMapOvr>
@@ -5836,8 +6125,1560 @@
 </p:sld>
 </file>
 
+<file path=ppt/slides/slide2.xml><?xml version="1.0" encoding="utf-8"?>
+<p:sld xmlns:a="http://schemas.openxmlformats.org/drawingml/2006/main" xmlns:r="http://schemas.openxmlformats.org/officeDocument/2006/relationships" xmlns:p="http://schemas.openxmlformats.org/presentationml/2006/main">
+  <p:cSld>
+    <p:spTree>
+      <p:nvGrpSpPr>
+        <p:cNvPr id="1" name="Shape 53"/>
+        <p:cNvGrpSpPr/>
+        <p:nvPr/>
+      </p:nvGrpSpPr>
+      <p:grpSpPr>
+        <a:xfrm>
+          <a:off x="0" y="0"/>
+          <a:ext cx="0" cy="0"/>
+          <a:chOff x="0" y="0"/>
+          <a:chExt cx="0" cy="0"/>
+        </a:xfrm>
+      </p:grpSpPr>
+      <p:sp>
+        <p:nvSpPr>
+          <p:cNvPr id="54" name="Google Shape;54;p13"/>
+          <p:cNvSpPr txBox="1">
+            <a:spLocks noGrp="1"/>
+          </p:cNvSpPr>
+          <p:nvPr>
+            <p:ph type="title"/>
+          </p:nvPr>
+        </p:nvSpPr>
+        <p:spPr>
+          <a:xfrm>
+            <a:off x="311700" y="-12175"/>
+            <a:ext cx="8520600" cy="572700"/>
+          </a:xfrm>
+          <a:prstGeom prst="rect">
+            <a:avLst/>
+          </a:prstGeom>
+        </p:spPr>
+        <p:txBody>
+          <a:bodyPr spcFirstLastPara="1" wrap="square" lIns="91425" tIns="91425" rIns="91425" bIns="91425" anchor="t" anchorCtr="0">
+            <a:normAutofit/>
+          </a:bodyPr>
+          <a:lstStyle/>
+          <a:p>
+            <a:pPr marL="0" lvl="0" indent="0" algn="ctr" rtl="0">
+              <a:spcBef>
+                <a:spcPts val="0"/>
+              </a:spcBef>
+              <a:spcAft>
+                <a:spcPts val="0"/>
+              </a:spcAft>
+              <a:buSzPts val="990"/>
+              <a:buNone/>
+            </a:pPr>
+            <a:r>
+              <a:rPr lang="en" sz="2220" b="1">
+                <a:solidFill>
+                  <a:schemeClr val="lt1"/>
+                </a:solidFill>
+              </a:rPr>
+              <a:t>Annual Product Category Quality Analysis</a:t>
+            </a:r>
+            <a:endParaRPr sz="2220" b="1">
+              <a:solidFill>
+                <a:schemeClr val="lt1"/>
+              </a:solidFill>
+            </a:endParaRPr>
+          </a:p>
+        </p:txBody>
+      </p:sp>
+      <p:sp>
+        <p:nvSpPr>
+          <p:cNvPr id="4" name="Google Shape;56;p13">
+            <a:extLst>
+              <a:ext uri="{FF2B5EF4-FFF2-40B4-BE49-F238E27FC236}">
+                <a16:creationId xmlns:a16="http://schemas.microsoft.com/office/drawing/2014/main" id="{108715C6-0381-4E0C-FDCA-A79CFFAF26C5}"/>
+              </a:ext>
+            </a:extLst>
+          </p:cNvPr>
+          <p:cNvSpPr txBox="1">
+            <a:spLocks/>
+          </p:cNvSpPr>
+          <p:nvPr/>
+        </p:nvSpPr>
+        <p:spPr>
+          <a:xfrm>
+            <a:off x="311701" y="863950"/>
+            <a:ext cx="2944118" cy="3004828"/>
+          </a:xfrm>
+          <a:prstGeom prst="rect">
+            <a:avLst/>
+          </a:prstGeom>
+          <a:noFill/>
+          <a:ln>
+            <a:noFill/>
+          </a:ln>
+        </p:spPr>
+        <p:txBody>
+          <a:bodyPr spcFirstLastPara="1" wrap="square" lIns="91425" tIns="91425" rIns="91425" bIns="91425" anchor="t" anchorCtr="0">
+            <a:normAutofit/>
+          </a:bodyPr>
+          <a:lstStyle>
+            <a:defPPr marR="0" lvl="0" algn="l" rtl="0">
+              <a:lnSpc>
+                <a:spcPct val="100000"/>
+              </a:lnSpc>
+              <a:spcBef>
+                <a:spcPts val="0"/>
+              </a:spcBef>
+              <a:spcAft>
+                <a:spcPts val="0"/>
+              </a:spcAft>
+            </a:defPPr>
+            <a:lvl1pPr marL="457200" marR="0" lvl="0" indent="-342900" algn="l" rtl="0">
+              <a:lnSpc>
+                <a:spcPct val="115000"/>
+              </a:lnSpc>
+              <a:spcBef>
+                <a:spcPts val="0"/>
+              </a:spcBef>
+              <a:spcAft>
+                <a:spcPts val="0"/>
+              </a:spcAft>
+              <a:buClr>
+                <a:schemeClr val="dk2"/>
+              </a:buClr>
+              <a:buSzPts val="1800"/>
+              <a:buFont typeface="Arial"/>
+              <a:buChar char="●"/>
+              <a:defRPr sz="1800" b="0" i="0" u="none" strike="noStrike" cap="none">
+                <a:solidFill>
+                  <a:schemeClr val="dk2"/>
+                </a:solidFill>
+                <a:latin typeface="Arial"/>
+                <a:ea typeface="Arial"/>
+                <a:cs typeface="Arial"/>
+                <a:sym typeface="Arial"/>
+              </a:defRPr>
+            </a:lvl1pPr>
+            <a:lvl2pPr marL="914400" marR="0" lvl="1" indent="-317500" algn="l" rtl="0">
+              <a:lnSpc>
+                <a:spcPct val="115000"/>
+              </a:lnSpc>
+              <a:spcBef>
+                <a:spcPts val="0"/>
+              </a:spcBef>
+              <a:spcAft>
+                <a:spcPts val="0"/>
+              </a:spcAft>
+              <a:buClr>
+                <a:schemeClr val="dk2"/>
+              </a:buClr>
+              <a:buSzPts val="1400"/>
+              <a:buFont typeface="Arial"/>
+              <a:buChar char="○"/>
+              <a:defRPr sz="1400" b="0" i="0" u="none" strike="noStrike" cap="none">
+                <a:solidFill>
+                  <a:schemeClr val="dk2"/>
+                </a:solidFill>
+                <a:latin typeface="Arial"/>
+                <a:ea typeface="Arial"/>
+                <a:cs typeface="Arial"/>
+                <a:sym typeface="Arial"/>
+              </a:defRPr>
+            </a:lvl2pPr>
+            <a:lvl3pPr marL="1371600" marR="0" lvl="2" indent="-317500" algn="l" rtl="0">
+              <a:lnSpc>
+                <a:spcPct val="115000"/>
+              </a:lnSpc>
+              <a:spcBef>
+                <a:spcPts val="0"/>
+              </a:spcBef>
+              <a:spcAft>
+                <a:spcPts val="0"/>
+              </a:spcAft>
+              <a:buClr>
+                <a:schemeClr val="dk2"/>
+              </a:buClr>
+              <a:buSzPts val="1400"/>
+              <a:buFont typeface="Arial"/>
+              <a:buChar char="■"/>
+              <a:defRPr sz="1400" b="0" i="0" u="none" strike="noStrike" cap="none">
+                <a:solidFill>
+                  <a:schemeClr val="dk2"/>
+                </a:solidFill>
+                <a:latin typeface="Arial"/>
+                <a:ea typeface="Arial"/>
+                <a:cs typeface="Arial"/>
+                <a:sym typeface="Arial"/>
+              </a:defRPr>
+            </a:lvl3pPr>
+            <a:lvl4pPr marL="1828800" marR="0" lvl="3" indent="-317500" algn="l" rtl="0">
+              <a:lnSpc>
+                <a:spcPct val="115000"/>
+              </a:lnSpc>
+              <a:spcBef>
+                <a:spcPts val="0"/>
+              </a:spcBef>
+              <a:spcAft>
+                <a:spcPts val="0"/>
+              </a:spcAft>
+              <a:buClr>
+                <a:schemeClr val="dk2"/>
+              </a:buClr>
+              <a:buSzPts val="1400"/>
+              <a:buFont typeface="Arial"/>
+              <a:buChar char="●"/>
+              <a:defRPr sz="1400" b="0" i="0" u="none" strike="noStrike" cap="none">
+                <a:solidFill>
+                  <a:schemeClr val="dk2"/>
+                </a:solidFill>
+                <a:latin typeface="Arial"/>
+                <a:ea typeface="Arial"/>
+                <a:cs typeface="Arial"/>
+                <a:sym typeface="Arial"/>
+              </a:defRPr>
+            </a:lvl4pPr>
+            <a:lvl5pPr marL="2286000" marR="0" lvl="4" indent="-317500" algn="l" rtl="0">
+              <a:lnSpc>
+                <a:spcPct val="115000"/>
+              </a:lnSpc>
+              <a:spcBef>
+                <a:spcPts val="0"/>
+              </a:spcBef>
+              <a:spcAft>
+                <a:spcPts val="0"/>
+              </a:spcAft>
+              <a:buClr>
+                <a:schemeClr val="dk2"/>
+              </a:buClr>
+              <a:buSzPts val="1400"/>
+              <a:buFont typeface="Arial"/>
+              <a:buChar char="○"/>
+              <a:defRPr sz="1400" b="0" i="0" u="none" strike="noStrike" cap="none">
+                <a:solidFill>
+                  <a:schemeClr val="dk2"/>
+                </a:solidFill>
+                <a:latin typeface="Arial"/>
+                <a:ea typeface="Arial"/>
+                <a:cs typeface="Arial"/>
+                <a:sym typeface="Arial"/>
+              </a:defRPr>
+            </a:lvl5pPr>
+            <a:lvl6pPr marL="2743200" marR="0" lvl="5" indent="-317500" algn="l" rtl="0">
+              <a:lnSpc>
+                <a:spcPct val="115000"/>
+              </a:lnSpc>
+              <a:spcBef>
+                <a:spcPts val="0"/>
+              </a:spcBef>
+              <a:spcAft>
+                <a:spcPts val="0"/>
+              </a:spcAft>
+              <a:buClr>
+                <a:schemeClr val="dk2"/>
+              </a:buClr>
+              <a:buSzPts val="1400"/>
+              <a:buFont typeface="Arial"/>
+              <a:buChar char="■"/>
+              <a:defRPr sz="1400" b="0" i="0" u="none" strike="noStrike" cap="none">
+                <a:solidFill>
+                  <a:schemeClr val="dk2"/>
+                </a:solidFill>
+                <a:latin typeface="Arial"/>
+                <a:ea typeface="Arial"/>
+                <a:cs typeface="Arial"/>
+                <a:sym typeface="Arial"/>
+              </a:defRPr>
+            </a:lvl6pPr>
+            <a:lvl7pPr marL="3200400" marR="0" lvl="6" indent="-317500" algn="l" rtl="0">
+              <a:lnSpc>
+                <a:spcPct val="115000"/>
+              </a:lnSpc>
+              <a:spcBef>
+                <a:spcPts val="0"/>
+              </a:spcBef>
+              <a:spcAft>
+                <a:spcPts val="0"/>
+              </a:spcAft>
+              <a:buClr>
+                <a:schemeClr val="dk2"/>
+              </a:buClr>
+              <a:buSzPts val="1400"/>
+              <a:buFont typeface="Arial"/>
+              <a:buChar char="●"/>
+              <a:defRPr sz="1400" b="0" i="0" u="none" strike="noStrike" cap="none">
+                <a:solidFill>
+                  <a:schemeClr val="dk2"/>
+                </a:solidFill>
+                <a:latin typeface="Arial"/>
+                <a:ea typeface="Arial"/>
+                <a:cs typeface="Arial"/>
+                <a:sym typeface="Arial"/>
+              </a:defRPr>
+            </a:lvl7pPr>
+            <a:lvl8pPr marL="3657600" marR="0" lvl="7" indent="-317500" algn="l" rtl="0">
+              <a:lnSpc>
+                <a:spcPct val="115000"/>
+              </a:lnSpc>
+              <a:spcBef>
+                <a:spcPts val="0"/>
+              </a:spcBef>
+              <a:spcAft>
+                <a:spcPts val="0"/>
+              </a:spcAft>
+              <a:buClr>
+                <a:schemeClr val="dk2"/>
+              </a:buClr>
+              <a:buSzPts val="1400"/>
+              <a:buFont typeface="Arial"/>
+              <a:buChar char="○"/>
+              <a:defRPr sz="1400" b="0" i="0" u="none" strike="noStrike" cap="none">
+                <a:solidFill>
+                  <a:schemeClr val="dk2"/>
+                </a:solidFill>
+                <a:latin typeface="Arial"/>
+                <a:ea typeface="Arial"/>
+                <a:cs typeface="Arial"/>
+                <a:sym typeface="Arial"/>
+              </a:defRPr>
+            </a:lvl8pPr>
+            <a:lvl9pPr marL="4114800" marR="0" lvl="8" indent="-317500" algn="l" rtl="0">
+              <a:lnSpc>
+                <a:spcPct val="115000"/>
+              </a:lnSpc>
+              <a:spcBef>
+                <a:spcPts val="0"/>
+              </a:spcBef>
+              <a:spcAft>
+                <a:spcPts val="0"/>
+              </a:spcAft>
+              <a:buClr>
+                <a:schemeClr val="dk2"/>
+              </a:buClr>
+              <a:buSzPts val="1400"/>
+              <a:buFont typeface="Arial"/>
+              <a:buChar char="■"/>
+              <a:defRPr sz="1400" b="0" i="0" u="none" strike="noStrike" cap="none">
+                <a:solidFill>
+                  <a:schemeClr val="dk2"/>
+                </a:solidFill>
+                <a:latin typeface="Arial"/>
+                <a:ea typeface="Arial"/>
+                <a:cs typeface="Arial"/>
+                <a:sym typeface="Arial"/>
+              </a:defRPr>
+            </a:lvl9pPr>
+          </a:lstStyle>
+          <a:p>
+            <a:pPr marL="133350" indent="0">
+              <a:buClr>
+                <a:schemeClr val="dk1"/>
+              </a:buClr>
+              <a:buSzPts val="1500"/>
+              <a:buFont typeface="Arial"/>
+              <a:buNone/>
+            </a:pPr>
+            <a:r>
+              <a:rPr lang="en-US" sz="1000" b="1" dirty="0">
+                <a:solidFill>
+                  <a:schemeClr val="dk1"/>
+                </a:solidFill>
+              </a:rPr>
+              <a:t>1. Total revenue per year</a:t>
+            </a:r>
+          </a:p>
+          <a:p>
+            <a:pPr marL="133350" indent="0">
+              <a:buClr>
+                <a:schemeClr val="dk1"/>
+              </a:buClr>
+              <a:buSzPts val="1500"/>
+              <a:buFont typeface="Arial"/>
+              <a:buNone/>
+            </a:pPr>
+            <a:endParaRPr lang="en-US" sz="1000" dirty="0">
+              <a:solidFill>
+                <a:schemeClr val="dk1"/>
+              </a:solidFill>
+            </a:endParaRPr>
+          </a:p>
+          <a:p>
+            <a:pPr marL="133350" indent="0">
+              <a:buClr>
+                <a:schemeClr val="dk1"/>
+              </a:buClr>
+              <a:buSzPts val="1500"/>
+              <a:buFont typeface="Arial"/>
+              <a:buNone/>
+            </a:pPr>
+            <a:endParaRPr lang="en-US" sz="1000" dirty="0">
+              <a:solidFill>
+                <a:schemeClr val="dk1"/>
+              </a:solidFill>
+            </a:endParaRPr>
+          </a:p>
+          <a:p>
+            <a:pPr marL="133350" indent="0">
+              <a:buClr>
+                <a:schemeClr val="dk1"/>
+              </a:buClr>
+              <a:buSzPts val="1500"/>
+              <a:buFont typeface="Arial"/>
+              <a:buNone/>
+            </a:pPr>
+            <a:endParaRPr lang="en-US" sz="1000" dirty="0">
+              <a:solidFill>
+                <a:schemeClr val="dk1"/>
+              </a:solidFill>
+            </a:endParaRPr>
+          </a:p>
+          <a:p>
+            <a:pPr marL="133350" indent="0">
+              <a:buClr>
+                <a:schemeClr val="dk1"/>
+              </a:buClr>
+              <a:buSzPts val="1500"/>
+              <a:buFont typeface="Arial"/>
+              <a:buNone/>
+            </a:pPr>
+            <a:endParaRPr lang="en-US" sz="1000" dirty="0">
+              <a:solidFill>
+                <a:schemeClr val="dk1"/>
+              </a:solidFill>
+            </a:endParaRPr>
+          </a:p>
+          <a:p>
+            <a:pPr marL="133350" indent="0">
+              <a:buClr>
+                <a:schemeClr val="dk1"/>
+              </a:buClr>
+              <a:buSzPts val="1500"/>
+              <a:buFont typeface="Arial"/>
+              <a:buNone/>
+            </a:pPr>
+            <a:endParaRPr lang="en-US" sz="1000" dirty="0">
+              <a:solidFill>
+                <a:schemeClr val="dk1"/>
+              </a:solidFill>
+            </a:endParaRPr>
+          </a:p>
+          <a:p>
+            <a:pPr marL="133350" indent="0">
+              <a:buClr>
+                <a:schemeClr val="dk1"/>
+              </a:buClr>
+              <a:buSzPts val="1500"/>
+              <a:buFont typeface="Arial"/>
+              <a:buNone/>
+            </a:pPr>
+            <a:endParaRPr lang="en-US" sz="1000" dirty="0">
+              <a:solidFill>
+                <a:schemeClr val="dk1"/>
+              </a:solidFill>
+            </a:endParaRPr>
+          </a:p>
+          <a:p>
+            <a:pPr marL="133350" indent="0">
+              <a:buClr>
+                <a:schemeClr val="dk1"/>
+              </a:buClr>
+              <a:buSzPts val="1500"/>
+              <a:buNone/>
+            </a:pPr>
+            <a:endParaRPr lang="en-US" sz="1000" b="1" dirty="0">
+              <a:solidFill>
+                <a:schemeClr val="dk1"/>
+              </a:solidFill>
+            </a:endParaRPr>
+          </a:p>
+          <a:p>
+            <a:pPr marL="133350" indent="0">
+              <a:buClr>
+                <a:schemeClr val="dk1"/>
+              </a:buClr>
+              <a:buSzPts val="1500"/>
+              <a:buFont typeface="Arial"/>
+              <a:buNone/>
+            </a:pPr>
+            <a:r>
+              <a:rPr lang="en-US" sz="1000" b="1" dirty="0">
+                <a:solidFill>
+                  <a:schemeClr val="dk1"/>
+                </a:solidFill>
+              </a:rPr>
+              <a:t>2. Total cancel order per year</a:t>
+            </a:r>
+          </a:p>
+          <a:p>
+            <a:pPr marL="133350" indent="0">
+              <a:buClr>
+                <a:schemeClr val="dk1"/>
+              </a:buClr>
+              <a:buSzPts val="1500"/>
+              <a:buFont typeface="Arial"/>
+              <a:buNone/>
+            </a:pPr>
+            <a:br>
+              <a:rPr lang="en-US" sz="1000" dirty="0">
+                <a:solidFill>
+                  <a:schemeClr val="dk1"/>
+                </a:solidFill>
+              </a:rPr>
+            </a:br>
+            <a:endParaRPr lang="en-US" sz="1000" dirty="0">
+              <a:solidFill>
+                <a:schemeClr val="dk1"/>
+              </a:solidFill>
+            </a:endParaRPr>
+          </a:p>
+        </p:txBody>
+      </p:sp>
+      <p:pic>
+        <p:nvPicPr>
+          <p:cNvPr id="6" name="Picture 5">
+            <a:extLst>
+              <a:ext uri="{FF2B5EF4-FFF2-40B4-BE49-F238E27FC236}">
+                <a16:creationId xmlns:a16="http://schemas.microsoft.com/office/drawing/2014/main" id="{350D940E-DEA2-21C6-CBEE-C0623F38FC54}"/>
+              </a:ext>
+            </a:extLst>
+          </p:cNvPr>
+          <p:cNvPicPr>
+            <a:picLocks noChangeAspect="1"/>
+          </p:cNvPicPr>
+          <p:nvPr/>
+        </p:nvPicPr>
+        <p:blipFill>
+          <a:blip r:embed="rId3"/>
+          <a:stretch>
+            <a:fillRect/>
+          </a:stretch>
+        </p:blipFill>
+        <p:spPr>
+          <a:xfrm>
+            <a:off x="497226" y="1217611"/>
+            <a:ext cx="1920391" cy="950625"/>
+          </a:xfrm>
+          <a:prstGeom prst="rect">
+            <a:avLst/>
+          </a:prstGeom>
+        </p:spPr>
+      </p:pic>
+      <p:pic>
+        <p:nvPicPr>
+          <p:cNvPr id="8" name="Picture 7">
+            <a:extLst>
+              <a:ext uri="{FF2B5EF4-FFF2-40B4-BE49-F238E27FC236}">
+                <a16:creationId xmlns:a16="http://schemas.microsoft.com/office/drawing/2014/main" id="{EF547C7A-6F52-F50F-0FBA-7FF728FCDC67}"/>
+              </a:ext>
+            </a:extLst>
+          </p:cNvPr>
+          <p:cNvPicPr>
+            <a:picLocks noChangeAspect="1"/>
+          </p:cNvPicPr>
+          <p:nvPr/>
+        </p:nvPicPr>
+        <p:blipFill>
+          <a:blip r:embed="rId4"/>
+          <a:stretch>
+            <a:fillRect/>
+          </a:stretch>
+        </p:blipFill>
+        <p:spPr>
+          <a:xfrm>
+            <a:off x="497226" y="2622138"/>
+            <a:ext cx="2135635" cy="937905"/>
+          </a:xfrm>
+          <a:prstGeom prst="rect">
+            <a:avLst/>
+          </a:prstGeom>
+        </p:spPr>
+      </p:pic>
+      <p:sp>
+        <p:nvSpPr>
+          <p:cNvPr id="9" name="Google Shape;56;p13">
+            <a:extLst>
+              <a:ext uri="{FF2B5EF4-FFF2-40B4-BE49-F238E27FC236}">
+                <a16:creationId xmlns:a16="http://schemas.microsoft.com/office/drawing/2014/main" id="{31C94BA3-AC1F-A3EC-39B0-14BDC1DA1704}"/>
+              </a:ext>
+            </a:extLst>
+          </p:cNvPr>
+          <p:cNvSpPr txBox="1">
+            <a:spLocks noGrp="1"/>
+          </p:cNvSpPr>
+          <p:nvPr>
+            <p:ph type="body" idx="1"/>
+          </p:nvPr>
+        </p:nvSpPr>
+        <p:spPr>
+          <a:xfrm>
+            <a:off x="173182" y="3760310"/>
+            <a:ext cx="9026235" cy="1357872"/>
+          </a:xfrm>
+          <a:prstGeom prst="rect">
+            <a:avLst/>
+          </a:prstGeom>
+        </p:spPr>
+        <p:txBody>
+          <a:bodyPr spcFirstLastPara="1" wrap="square" lIns="91425" tIns="91425" rIns="91425" bIns="91425" anchor="t" anchorCtr="0">
+            <a:noAutofit/>
+          </a:bodyPr>
+          <a:lstStyle/>
+          <a:p>
+            <a:pPr marL="133350" lvl="0" indent="0" algn="l" rtl="0">
+              <a:spcBef>
+                <a:spcPts val="0"/>
+              </a:spcBef>
+              <a:spcAft>
+                <a:spcPts val="0"/>
+              </a:spcAft>
+              <a:buClr>
+                <a:schemeClr val="dk1"/>
+              </a:buClr>
+              <a:buSzPts val="1500"/>
+              <a:buNone/>
+            </a:pPr>
+            <a:r>
+              <a:rPr lang="en-US" sz="1000" b="1" dirty="0">
+                <a:solidFill>
+                  <a:schemeClr val="dk1"/>
+                </a:solidFill>
+              </a:rPr>
+              <a:t>Insight :</a:t>
+            </a:r>
+          </a:p>
+          <a:p>
+            <a:pPr marL="133350" lvl="0" indent="0" algn="l" rtl="0">
+              <a:spcBef>
+                <a:spcPts val="0"/>
+              </a:spcBef>
+              <a:spcAft>
+                <a:spcPts val="0"/>
+              </a:spcAft>
+              <a:buClr>
+                <a:schemeClr val="dk1"/>
+              </a:buClr>
+              <a:buSzPts val="1500"/>
+              <a:buNone/>
+            </a:pPr>
+            <a:endParaRPr lang="en-US" sz="1000" dirty="0">
+              <a:solidFill>
+                <a:schemeClr val="dk1"/>
+              </a:solidFill>
+            </a:endParaRPr>
+          </a:p>
+          <a:p>
+            <a:pPr marL="304800" lvl="0" indent="-171450" algn="l" rtl="0">
+              <a:spcBef>
+                <a:spcPts val="0"/>
+              </a:spcBef>
+              <a:spcAft>
+                <a:spcPts val="0"/>
+              </a:spcAft>
+              <a:buClr>
+                <a:schemeClr val="dk1"/>
+              </a:buClr>
+              <a:buSzPts val="1500"/>
+              <a:buFont typeface="Arial" panose="020B0604020202020204" pitchFamily="34" charset="0"/>
+              <a:buChar char="•"/>
+            </a:pPr>
+            <a:r>
+              <a:rPr lang="en-US" sz="1000" dirty="0">
+                <a:solidFill>
+                  <a:schemeClr val="dk1"/>
+                </a:solidFill>
+              </a:rPr>
+              <a:t>Increase in revenue (significantly in 2017) typically suggests that the business is growing and attracting more new customers, leading to higher sales volumes. It could be due to various factors such as effective marketing strategies, great product quality, or increased market demand.</a:t>
+            </a:r>
+          </a:p>
+          <a:p>
+            <a:pPr marL="133350" lvl="0" indent="0" algn="l" rtl="0">
+              <a:spcBef>
+                <a:spcPts val="0"/>
+              </a:spcBef>
+              <a:spcAft>
+                <a:spcPts val="0"/>
+              </a:spcAft>
+              <a:buClr>
+                <a:schemeClr val="dk1"/>
+              </a:buClr>
+              <a:buSzPts val="1500"/>
+              <a:buNone/>
+            </a:pPr>
+            <a:endParaRPr lang="en-US" sz="1000" dirty="0">
+              <a:solidFill>
+                <a:schemeClr val="dk1"/>
+              </a:solidFill>
+            </a:endParaRPr>
+          </a:p>
+          <a:p>
+            <a:pPr marL="304800" lvl="0" indent="-171450" algn="l" rtl="0">
+              <a:spcBef>
+                <a:spcPts val="0"/>
+              </a:spcBef>
+              <a:spcAft>
+                <a:spcPts val="0"/>
+              </a:spcAft>
+              <a:buClr>
+                <a:schemeClr val="dk1"/>
+              </a:buClr>
+              <a:buSzPts val="1500"/>
+              <a:buFont typeface="Arial" panose="020B0604020202020204" pitchFamily="34" charset="0"/>
+              <a:buChar char="•"/>
+            </a:pPr>
+            <a:r>
+              <a:rPr lang="en-US" sz="1000" dirty="0">
+                <a:solidFill>
+                  <a:schemeClr val="dk1"/>
+                </a:solidFill>
+              </a:rPr>
+              <a:t>Small increase in canceled orders could indicates potential issues within the business like inaccurate product descriptions, shipping delays on some products, inventory management issues on some sellers, or customer service problems in the platform.</a:t>
+            </a:r>
+            <a:br>
+              <a:rPr lang="en" sz="1000" dirty="0">
+                <a:solidFill>
+                  <a:schemeClr val="dk1"/>
+                </a:solidFill>
+              </a:rPr>
+            </a:br>
+            <a:endParaRPr sz="1000" dirty="0">
+              <a:solidFill>
+                <a:schemeClr val="dk1"/>
+              </a:solidFill>
+            </a:endParaRPr>
+          </a:p>
+        </p:txBody>
+      </p:sp>
+      <p:pic>
+        <p:nvPicPr>
+          <p:cNvPr id="11" name="Picture 10">
+            <a:extLst>
+              <a:ext uri="{FF2B5EF4-FFF2-40B4-BE49-F238E27FC236}">
+                <a16:creationId xmlns:a16="http://schemas.microsoft.com/office/drawing/2014/main" id="{788F48E6-388C-48E1-D1F5-115F430FDAC0}"/>
+              </a:ext>
+            </a:extLst>
+          </p:cNvPr>
+          <p:cNvPicPr>
+            <a:picLocks noChangeAspect="1"/>
+          </p:cNvPicPr>
+          <p:nvPr/>
+        </p:nvPicPr>
+        <p:blipFill>
+          <a:blip r:embed="rId5"/>
+          <a:stretch>
+            <a:fillRect/>
+          </a:stretch>
+        </p:blipFill>
+        <p:spPr>
+          <a:xfrm>
+            <a:off x="3636483" y="698076"/>
+            <a:ext cx="4426862" cy="3301463"/>
+          </a:xfrm>
+          <a:prstGeom prst="rect">
+            <a:avLst/>
+          </a:prstGeom>
+        </p:spPr>
+      </p:pic>
+    </p:spTree>
+    <p:extLst>
+      <p:ext uri="{BB962C8B-B14F-4D97-AF65-F5344CB8AC3E}">
+        <p14:creationId xmlns:p14="http://schemas.microsoft.com/office/powerpoint/2010/main" val="3054572373"/>
+      </p:ext>
+    </p:extLst>
+  </p:cSld>
+  <p:clrMapOvr>
+    <a:masterClrMapping/>
+  </p:clrMapOvr>
+</p:sld>
+</file>
+
+<file path=ppt/slides/slide3.xml><?xml version="1.0" encoding="utf-8"?>
+<p:sld xmlns:a="http://schemas.openxmlformats.org/drawingml/2006/main" xmlns:r="http://schemas.openxmlformats.org/officeDocument/2006/relationships" xmlns:p="http://schemas.openxmlformats.org/presentationml/2006/main">
+  <p:cSld>
+    <p:spTree>
+      <p:nvGrpSpPr>
+        <p:cNvPr id="1" name="Shape 53"/>
+        <p:cNvGrpSpPr/>
+        <p:nvPr/>
+      </p:nvGrpSpPr>
+      <p:grpSpPr>
+        <a:xfrm>
+          <a:off x="0" y="0"/>
+          <a:ext cx="0" cy="0"/>
+          <a:chOff x="0" y="0"/>
+          <a:chExt cx="0" cy="0"/>
+        </a:xfrm>
+      </p:grpSpPr>
+      <p:sp>
+        <p:nvSpPr>
+          <p:cNvPr id="54" name="Google Shape;54;p13"/>
+          <p:cNvSpPr txBox="1">
+            <a:spLocks noGrp="1"/>
+          </p:cNvSpPr>
+          <p:nvPr>
+            <p:ph type="title"/>
+          </p:nvPr>
+        </p:nvSpPr>
+        <p:spPr>
+          <a:xfrm>
+            <a:off x="311700" y="-12175"/>
+            <a:ext cx="8520600" cy="572700"/>
+          </a:xfrm>
+          <a:prstGeom prst="rect">
+            <a:avLst/>
+          </a:prstGeom>
+        </p:spPr>
+        <p:txBody>
+          <a:bodyPr spcFirstLastPara="1" wrap="square" lIns="91425" tIns="91425" rIns="91425" bIns="91425" anchor="t" anchorCtr="0">
+            <a:normAutofit/>
+          </a:bodyPr>
+          <a:lstStyle/>
+          <a:p>
+            <a:pPr marL="0" lvl="0" indent="0" algn="ctr" rtl="0">
+              <a:spcBef>
+                <a:spcPts val="0"/>
+              </a:spcBef>
+              <a:spcAft>
+                <a:spcPts val="0"/>
+              </a:spcAft>
+              <a:buSzPts val="990"/>
+              <a:buNone/>
+            </a:pPr>
+            <a:r>
+              <a:rPr lang="en" sz="2220" b="1">
+                <a:solidFill>
+                  <a:schemeClr val="lt1"/>
+                </a:solidFill>
+              </a:rPr>
+              <a:t>Annual Product Category Quality Analysis</a:t>
+            </a:r>
+            <a:endParaRPr sz="2220" b="1">
+              <a:solidFill>
+                <a:schemeClr val="lt1"/>
+              </a:solidFill>
+            </a:endParaRPr>
+          </a:p>
+        </p:txBody>
+      </p:sp>
+      <p:sp>
+        <p:nvSpPr>
+          <p:cNvPr id="4" name="Google Shape;56;p13">
+            <a:extLst>
+              <a:ext uri="{FF2B5EF4-FFF2-40B4-BE49-F238E27FC236}">
+                <a16:creationId xmlns:a16="http://schemas.microsoft.com/office/drawing/2014/main" id="{A7E7B416-1BC5-4A6C-085F-7515E2AA06C3}"/>
+              </a:ext>
+            </a:extLst>
+          </p:cNvPr>
+          <p:cNvSpPr txBox="1">
+            <a:spLocks/>
+          </p:cNvSpPr>
+          <p:nvPr/>
+        </p:nvSpPr>
+        <p:spPr>
+          <a:xfrm>
+            <a:off x="311701" y="863950"/>
+            <a:ext cx="3332044" cy="3004828"/>
+          </a:xfrm>
+          <a:prstGeom prst="rect">
+            <a:avLst/>
+          </a:prstGeom>
+          <a:noFill/>
+          <a:ln>
+            <a:noFill/>
+          </a:ln>
+        </p:spPr>
+        <p:txBody>
+          <a:bodyPr spcFirstLastPara="1" wrap="square" lIns="91425" tIns="91425" rIns="91425" bIns="91425" anchor="t" anchorCtr="0">
+            <a:normAutofit/>
+          </a:bodyPr>
+          <a:lstStyle>
+            <a:defPPr marR="0" lvl="0" algn="l" rtl="0">
+              <a:lnSpc>
+                <a:spcPct val="100000"/>
+              </a:lnSpc>
+              <a:spcBef>
+                <a:spcPts val="0"/>
+              </a:spcBef>
+              <a:spcAft>
+                <a:spcPts val="0"/>
+              </a:spcAft>
+            </a:defPPr>
+            <a:lvl1pPr marL="457200" marR="0" lvl="0" indent="-342900" algn="l" rtl="0">
+              <a:lnSpc>
+                <a:spcPct val="115000"/>
+              </a:lnSpc>
+              <a:spcBef>
+                <a:spcPts val="0"/>
+              </a:spcBef>
+              <a:spcAft>
+                <a:spcPts val="0"/>
+              </a:spcAft>
+              <a:buClr>
+                <a:schemeClr val="dk2"/>
+              </a:buClr>
+              <a:buSzPts val="1800"/>
+              <a:buFont typeface="Arial"/>
+              <a:buChar char="●"/>
+              <a:defRPr sz="1800" b="0" i="0" u="none" strike="noStrike" cap="none">
+                <a:solidFill>
+                  <a:schemeClr val="dk2"/>
+                </a:solidFill>
+                <a:latin typeface="Arial"/>
+                <a:ea typeface="Arial"/>
+                <a:cs typeface="Arial"/>
+                <a:sym typeface="Arial"/>
+              </a:defRPr>
+            </a:lvl1pPr>
+            <a:lvl2pPr marL="914400" marR="0" lvl="1" indent="-317500" algn="l" rtl="0">
+              <a:lnSpc>
+                <a:spcPct val="115000"/>
+              </a:lnSpc>
+              <a:spcBef>
+                <a:spcPts val="0"/>
+              </a:spcBef>
+              <a:spcAft>
+                <a:spcPts val="0"/>
+              </a:spcAft>
+              <a:buClr>
+                <a:schemeClr val="dk2"/>
+              </a:buClr>
+              <a:buSzPts val="1400"/>
+              <a:buFont typeface="Arial"/>
+              <a:buChar char="○"/>
+              <a:defRPr sz="1400" b="0" i="0" u="none" strike="noStrike" cap="none">
+                <a:solidFill>
+                  <a:schemeClr val="dk2"/>
+                </a:solidFill>
+                <a:latin typeface="Arial"/>
+                <a:ea typeface="Arial"/>
+                <a:cs typeface="Arial"/>
+                <a:sym typeface="Arial"/>
+              </a:defRPr>
+            </a:lvl2pPr>
+            <a:lvl3pPr marL="1371600" marR="0" lvl="2" indent="-317500" algn="l" rtl="0">
+              <a:lnSpc>
+                <a:spcPct val="115000"/>
+              </a:lnSpc>
+              <a:spcBef>
+                <a:spcPts val="0"/>
+              </a:spcBef>
+              <a:spcAft>
+                <a:spcPts val="0"/>
+              </a:spcAft>
+              <a:buClr>
+                <a:schemeClr val="dk2"/>
+              </a:buClr>
+              <a:buSzPts val="1400"/>
+              <a:buFont typeface="Arial"/>
+              <a:buChar char="■"/>
+              <a:defRPr sz="1400" b="0" i="0" u="none" strike="noStrike" cap="none">
+                <a:solidFill>
+                  <a:schemeClr val="dk2"/>
+                </a:solidFill>
+                <a:latin typeface="Arial"/>
+                <a:ea typeface="Arial"/>
+                <a:cs typeface="Arial"/>
+                <a:sym typeface="Arial"/>
+              </a:defRPr>
+            </a:lvl3pPr>
+            <a:lvl4pPr marL="1828800" marR="0" lvl="3" indent="-317500" algn="l" rtl="0">
+              <a:lnSpc>
+                <a:spcPct val="115000"/>
+              </a:lnSpc>
+              <a:spcBef>
+                <a:spcPts val="0"/>
+              </a:spcBef>
+              <a:spcAft>
+                <a:spcPts val="0"/>
+              </a:spcAft>
+              <a:buClr>
+                <a:schemeClr val="dk2"/>
+              </a:buClr>
+              <a:buSzPts val="1400"/>
+              <a:buFont typeface="Arial"/>
+              <a:buChar char="●"/>
+              <a:defRPr sz="1400" b="0" i="0" u="none" strike="noStrike" cap="none">
+                <a:solidFill>
+                  <a:schemeClr val="dk2"/>
+                </a:solidFill>
+                <a:latin typeface="Arial"/>
+                <a:ea typeface="Arial"/>
+                <a:cs typeface="Arial"/>
+                <a:sym typeface="Arial"/>
+              </a:defRPr>
+            </a:lvl4pPr>
+            <a:lvl5pPr marL="2286000" marR="0" lvl="4" indent="-317500" algn="l" rtl="0">
+              <a:lnSpc>
+                <a:spcPct val="115000"/>
+              </a:lnSpc>
+              <a:spcBef>
+                <a:spcPts val="0"/>
+              </a:spcBef>
+              <a:spcAft>
+                <a:spcPts val="0"/>
+              </a:spcAft>
+              <a:buClr>
+                <a:schemeClr val="dk2"/>
+              </a:buClr>
+              <a:buSzPts val="1400"/>
+              <a:buFont typeface="Arial"/>
+              <a:buChar char="○"/>
+              <a:defRPr sz="1400" b="0" i="0" u="none" strike="noStrike" cap="none">
+                <a:solidFill>
+                  <a:schemeClr val="dk2"/>
+                </a:solidFill>
+                <a:latin typeface="Arial"/>
+                <a:ea typeface="Arial"/>
+                <a:cs typeface="Arial"/>
+                <a:sym typeface="Arial"/>
+              </a:defRPr>
+            </a:lvl5pPr>
+            <a:lvl6pPr marL="2743200" marR="0" lvl="5" indent="-317500" algn="l" rtl="0">
+              <a:lnSpc>
+                <a:spcPct val="115000"/>
+              </a:lnSpc>
+              <a:spcBef>
+                <a:spcPts val="0"/>
+              </a:spcBef>
+              <a:spcAft>
+                <a:spcPts val="0"/>
+              </a:spcAft>
+              <a:buClr>
+                <a:schemeClr val="dk2"/>
+              </a:buClr>
+              <a:buSzPts val="1400"/>
+              <a:buFont typeface="Arial"/>
+              <a:buChar char="■"/>
+              <a:defRPr sz="1400" b="0" i="0" u="none" strike="noStrike" cap="none">
+                <a:solidFill>
+                  <a:schemeClr val="dk2"/>
+                </a:solidFill>
+                <a:latin typeface="Arial"/>
+                <a:ea typeface="Arial"/>
+                <a:cs typeface="Arial"/>
+                <a:sym typeface="Arial"/>
+              </a:defRPr>
+            </a:lvl6pPr>
+            <a:lvl7pPr marL="3200400" marR="0" lvl="6" indent="-317500" algn="l" rtl="0">
+              <a:lnSpc>
+                <a:spcPct val="115000"/>
+              </a:lnSpc>
+              <a:spcBef>
+                <a:spcPts val="0"/>
+              </a:spcBef>
+              <a:spcAft>
+                <a:spcPts val="0"/>
+              </a:spcAft>
+              <a:buClr>
+                <a:schemeClr val="dk2"/>
+              </a:buClr>
+              <a:buSzPts val="1400"/>
+              <a:buFont typeface="Arial"/>
+              <a:buChar char="●"/>
+              <a:defRPr sz="1400" b="0" i="0" u="none" strike="noStrike" cap="none">
+                <a:solidFill>
+                  <a:schemeClr val="dk2"/>
+                </a:solidFill>
+                <a:latin typeface="Arial"/>
+                <a:ea typeface="Arial"/>
+                <a:cs typeface="Arial"/>
+                <a:sym typeface="Arial"/>
+              </a:defRPr>
+            </a:lvl7pPr>
+            <a:lvl8pPr marL="3657600" marR="0" lvl="7" indent="-317500" algn="l" rtl="0">
+              <a:lnSpc>
+                <a:spcPct val="115000"/>
+              </a:lnSpc>
+              <a:spcBef>
+                <a:spcPts val="0"/>
+              </a:spcBef>
+              <a:spcAft>
+                <a:spcPts val="0"/>
+              </a:spcAft>
+              <a:buClr>
+                <a:schemeClr val="dk2"/>
+              </a:buClr>
+              <a:buSzPts val="1400"/>
+              <a:buFont typeface="Arial"/>
+              <a:buChar char="○"/>
+              <a:defRPr sz="1400" b="0" i="0" u="none" strike="noStrike" cap="none">
+                <a:solidFill>
+                  <a:schemeClr val="dk2"/>
+                </a:solidFill>
+                <a:latin typeface="Arial"/>
+                <a:ea typeface="Arial"/>
+                <a:cs typeface="Arial"/>
+                <a:sym typeface="Arial"/>
+              </a:defRPr>
+            </a:lvl8pPr>
+            <a:lvl9pPr marL="4114800" marR="0" lvl="8" indent="-317500" algn="l" rtl="0">
+              <a:lnSpc>
+                <a:spcPct val="115000"/>
+              </a:lnSpc>
+              <a:spcBef>
+                <a:spcPts val="0"/>
+              </a:spcBef>
+              <a:spcAft>
+                <a:spcPts val="0"/>
+              </a:spcAft>
+              <a:buClr>
+                <a:schemeClr val="dk2"/>
+              </a:buClr>
+              <a:buSzPts val="1400"/>
+              <a:buFont typeface="Arial"/>
+              <a:buChar char="■"/>
+              <a:defRPr sz="1400" b="0" i="0" u="none" strike="noStrike" cap="none">
+                <a:solidFill>
+                  <a:schemeClr val="dk2"/>
+                </a:solidFill>
+                <a:latin typeface="Arial"/>
+                <a:ea typeface="Arial"/>
+                <a:cs typeface="Arial"/>
+                <a:sym typeface="Arial"/>
+              </a:defRPr>
+            </a:lvl9pPr>
+          </a:lstStyle>
+          <a:p>
+            <a:pPr marL="133350" indent="0">
+              <a:buClr>
+                <a:schemeClr val="dk1"/>
+              </a:buClr>
+              <a:buSzPts val="1500"/>
+              <a:buFont typeface="Arial"/>
+              <a:buNone/>
+            </a:pPr>
+            <a:r>
+              <a:rPr lang="en-US" sz="1000" b="1" dirty="0">
+                <a:solidFill>
+                  <a:schemeClr val="dk1"/>
+                </a:solidFill>
+              </a:rPr>
+              <a:t>3. Top product category by revenue per year</a:t>
+            </a:r>
+          </a:p>
+          <a:p>
+            <a:pPr marL="133350" indent="0">
+              <a:buClr>
+                <a:schemeClr val="dk1"/>
+              </a:buClr>
+              <a:buSzPts val="1500"/>
+              <a:buFont typeface="Arial"/>
+              <a:buNone/>
+            </a:pPr>
+            <a:endParaRPr lang="en-US" sz="1000" dirty="0">
+              <a:solidFill>
+                <a:schemeClr val="dk1"/>
+              </a:solidFill>
+            </a:endParaRPr>
+          </a:p>
+          <a:p>
+            <a:pPr marL="133350" indent="0">
+              <a:buClr>
+                <a:schemeClr val="dk1"/>
+              </a:buClr>
+              <a:buSzPts val="1500"/>
+              <a:buFont typeface="Arial"/>
+              <a:buNone/>
+            </a:pPr>
+            <a:endParaRPr lang="en-US" sz="1000" dirty="0">
+              <a:solidFill>
+                <a:schemeClr val="dk1"/>
+              </a:solidFill>
+            </a:endParaRPr>
+          </a:p>
+          <a:p>
+            <a:pPr marL="133350" indent="0">
+              <a:buClr>
+                <a:schemeClr val="dk1"/>
+              </a:buClr>
+              <a:buSzPts val="1500"/>
+              <a:buFont typeface="Arial"/>
+              <a:buNone/>
+            </a:pPr>
+            <a:endParaRPr lang="en-US" sz="1000" dirty="0">
+              <a:solidFill>
+                <a:schemeClr val="dk1"/>
+              </a:solidFill>
+            </a:endParaRPr>
+          </a:p>
+          <a:p>
+            <a:pPr marL="133350" indent="0">
+              <a:buClr>
+                <a:schemeClr val="dk1"/>
+              </a:buClr>
+              <a:buSzPts val="1500"/>
+              <a:buFont typeface="Arial"/>
+              <a:buNone/>
+            </a:pPr>
+            <a:endParaRPr lang="en-US" sz="1000" dirty="0">
+              <a:solidFill>
+                <a:schemeClr val="dk1"/>
+              </a:solidFill>
+            </a:endParaRPr>
+          </a:p>
+          <a:p>
+            <a:pPr marL="133350" indent="0">
+              <a:buClr>
+                <a:schemeClr val="dk1"/>
+              </a:buClr>
+              <a:buSzPts val="1500"/>
+              <a:buFont typeface="Arial"/>
+              <a:buNone/>
+            </a:pPr>
+            <a:endParaRPr lang="en-US" sz="1000" dirty="0">
+              <a:solidFill>
+                <a:schemeClr val="dk1"/>
+              </a:solidFill>
+            </a:endParaRPr>
+          </a:p>
+          <a:p>
+            <a:pPr marL="133350" indent="0">
+              <a:buClr>
+                <a:schemeClr val="dk1"/>
+              </a:buClr>
+              <a:buSzPts val="1500"/>
+              <a:buFont typeface="Arial"/>
+              <a:buNone/>
+            </a:pPr>
+            <a:endParaRPr lang="en-US" sz="1000" dirty="0">
+              <a:solidFill>
+                <a:schemeClr val="dk1"/>
+              </a:solidFill>
+            </a:endParaRPr>
+          </a:p>
+          <a:p>
+            <a:pPr marL="133350" indent="0">
+              <a:buClr>
+                <a:schemeClr val="dk1"/>
+              </a:buClr>
+              <a:buSzPts val="1500"/>
+              <a:buNone/>
+            </a:pPr>
+            <a:endParaRPr lang="en-US" sz="1000" b="1" dirty="0">
+              <a:solidFill>
+                <a:schemeClr val="dk1"/>
+              </a:solidFill>
+            </a:endParaRPr>
+          </a:p>
+          <a:p>
+            <a:pPr marL="133350" indent="0">
+              <a:buClr>
+                <a:schemeClr val="dk1"/>
+              </a:buClr>
+              <a:buSzPts val="1500"/>
+              <a:buFont typeface="Arial"/>
+              <a:buNone/>
+            </a:pPr>
+            <a:r>
+              <a:rPr lang="en-US" sz="1000" b="1" dirty="0">
+                <a:solidFill>
+                  <a:schemeClr val="dk1"/>
+                </a:solidFill>
+              </a:rPr>
+              <a:t>4. Top product category by cancel order per year</a:t>
+            </a:r>
+          </a:p>
+          <a:p>
+            <a:pPr marL="133350" indent="0">
+              <a:buClr>
+                <a:schemeClr val="dk1"/>
+              </a:buClr>
+              <a:buSzPts val="1500"/>
+              <a:buFont typeface="Arial"/>
+              <a:buNone/>
+            </a:pPr>
+            <a:br>
+              <a:rPr lang="en-US" sz="1000" dirty="0">
+                <a:solidFill>
+                  <a:schemeClr val="dk1"/>
+                </a:solidFill>
+              </a:rPr>
+            </a:br>
+            <a:endParaRPr lang="en-US" sz="1000" dirty="0">
+              <a:solidFill>
+                <a:schemeClr val="dk1"/>
+              </a:solidFill>
+            </a:endParaRPr>
+          </a:p>
+        </p:txBody>
+      </p:sp>
+      <p:pic>
+        <p:nvPicPr>
+          <p:cNvPr id="6" name="Picture 5">
+            <a:extLst>
+              <a:ext uri="{FF2B5EF4-FFF2-40B4-BE49-F238E27FC236}">
+                <a16:creationId xmlns:a16="http://schemas.microsoft.com/office/drawing/2014/main" id="{8D05AE17-7A7F-1109-E0E2-1E3EEA31BA9F}"/>
+              </a:ext>
+            </a:extLst>
+          </p:cNvPr>
+          <p:cNvPicPr>
+            <a:picLocks noChangeAspect="1"/>
+          </p:cNvPicPr>
+          <p:nvPr/>
+        </p:nvPicPr>
+        <p:blipFill>
+          <a:blip r:embed="rId3"/>
+          <a:stretch>
+            <a:fillRect/>
+          </a:stretch>
+        </p:blipFill>
+        <p:spPr>
+          <a:xfrm>
+            <a:off x="490180" y="2648843"/>
+            <a:ext cx="3211163" cy="890993"/>
+          </a:xfrm>
+          <a:prstGeom prst="rect">
+            <a:avLst/>
+          </a:prstGeom>
+        </p:spPr>
+      </p:pic>
+      <p:pic>
+        <p:nvPicPr>
+          <p:cNvPr id="8" name="Picture 7">
+            <a:extLst>
+              <a:ext uri="{FF2B5EF4-FFF2-40B4-BE49-F238E27FC236}">
+                <a16:creationId xmlns:a16="http://schemas.microsoft.com/office/drawing/2014/main" id="{75CD6A47-D99A-B76C-50EB-5814E7BA4FC6}"/>
+              </a:ext>
+            </a:extLst>
+          </p:cNvPr>
+          <p:cNvPicPr>
+            <a:picLocks noChangeAspect="1"/>
+          </p:cNvPicPr>
+          <p:nvPr/>
+        </p:nvPicPr>
+        <p:blipFill>
+          <a:blip r:embed="rId4"/>
+          <a:stretch>
+            <a:fillRect/>
+          </a:stretch>
+        </p:blipFill>
+        <p:spPr>
+          <a:xfrm>
+            <a:off x="560391" y="1274721"/>
+            <a:ext cx="3083354" cy="923159"/>
+          </a:xfrm>
+          <a:prstGeom prst="rect">
+            <a:avLst/>
+          </a:prstGeom>
+        </p:spPr>
+      </p:pic>
+      <p:sp>
+        <p:nvSpPr>
+          <p:cNvPr id="9" name="Google Shape;56;p13">
+            <a:extLst>
+              <a:ext uri="{FF2B5EF4-FFF2-40B4-BE49-F238E27FC236}">
+                <a16:creationId xmlns:a16="http://schemas.microsoft.com/office/drawing/2014/main" id="{A16E0901-3627-8EB6-120B-81D15EAE3C94}"/>
+              </a:ext>
+            </a:extLst>
+          </p:cNvPr>
+          <p:cNvSpPr txBox="1">
+            <a:spLocks noGrp="1"/>
+          </p:cNvSpPr>
+          <p:nvPr>
+            <p:ph type="body" idx="1"/>
+          </p:nvPr>
+        </p:nvSpPr>
+        <p:spPr>
+          <a:xfrm>
+            <a:off x="173182" y="3640805"/>
+            <a:ext cx="9026235" cy="1357872"/>
+          </a:xfrm>
+          <a:prstGeom prst="rect">
+            <a:avLst/>
+          </a:prstGeom>
+        </p:spPr>
+        <p:txBody>
+          <a:bodyPr spcFirstLastPara="1" wrap="square" lIns="91425" tIns="91425" rIns="91425" bIns="91425" anchor="t" anchorCtr="0">
+            <a:noAutofit/>
+          </a:bodyPr>
+          <a:lstStyle/>
+          <a:p>
+            <a:pPr marL="133350" lvl="0" indent="0" algn="l" rtl="0">
+              <a:spcBef>
+                <a:spcPts val="0"/>
+              </a:spcBef>
+              <a:spcAft>
+                <a:spcPts val="0"/>
+              </a:spcAft>
+              <a:buClr>
+                <a:schemeClr val="dk1"/>
+              </a:buClr>
+              <a:buSzPts val="1500"/>
+              <a:buNone/>
+            </a:pPr>
+            <a:r>
+              <a:rPr lang="en-US" sz="1000" b="1" dirty="0">
+                <a:solidFill>
+                  <a:schemeClr val="dk1"/>
+                </a:solidFill>
+              </a:rPr>
+              <a:t>Insight :</a:t>
+            </a:r>
+          </a:p>
+          <a:p>
+            <a:pPr marL="133350" lvl="0" indent="0" algn="l" rtl="0">
+              <a:spcBef>
+                <a:spcPts val="0"/>
+              </a:spcBef>
+              <a:spcAft>
+                <a:spcPts val="0"/>
+              </a:spcAft>
+              <a:buClr>
+                <a:schemeClr val="dk1"/>
+              </a:buClr>
+              <a:buSzPts val="1500"/>
+              <a:buNone/>
+            </a:pPr>
+            <a:endParaRPr lang="en-US" sz="1000" dirty="0">
+              <a:solidFill>
+                <a:schemeClr val="dk1"/>
+              </a:solidFill>
+            </a:endParaRPr>
+          </a:p>
+          <a:p>
+            <a:pPr marL="304800" lvl="0" indent="-171450" algn="l" rtl="0">
+              <a:spcBef>
+                <a:spcPts val="0"/>
+              </a:spcBef>
+              <a:spcAft>
+                <a:spcPts val="0"/>
+              </a:spcAft>
+              <a:buClr>
+                <a:schemeClr val="dk1"/>
+              </a:buClr>
+              <a:buSzPts val="1500"/>
+              <a:buFont typeface="Arial" panose="020B0604020202020204" pitchFamily="34" charset="0"/>
+              <a:buChar char="•"/>
+            </a:pPr>
+            <a:r>
+              <a:rPr lang="en-US" sz="1000" dirty="0">
+                <a:solidFill>
+                  <a:schemeClr val="dk1"/>
+                </a:solidFill>
+              </a:rPr>
+              <a:t>The types of product categories, both for top revenue and top canceled orders, all have different types each year. This suggest an evolving in consumer preferences and market demand fluctuations which could be influenced by seasonal trends, economic factors, or other external influences. In 2018, </a:t>
+            </a:r>
+            <a:r>
+              <a:rPr lang="en-US" sz="1000" dirty="0" err="1">
+                <a:solidFill>
+                  <a:schemeClr val="dk1"/>
+                </a:solidFill>
+              </a:rPr>
+              <a:t>health_beauty</a:t>
+            </a:r>
+            <a:r>
+              <a:rPr lang="en-US" sz="1000" dirty="0">
+                <a:solidFill>
+                  <a:schemeClr val="dk1"/>
+                </a:solidFill>
+              </a:rPr>
+              <a:t> became the top product category by revenue and cancel order is the example of this where there could potentially an important events.</a:t>
+            </a:r>
+          </a:p>
+          <a:p>
+            <a:pPr marL="133350" lvl="0" indent="0" algn="l" rtl="0">
+              <a:spcBef>
+                <a:spcPts val="0"/>
+              </a:spcBef>
+              <a:spcAft>
+                <a:spcPts val="0"/>
+              </a:spcAft>
+              <a:buClr>
+                <a:schemeClr val="dk1"/>
+              </a:buClr>
+              <a:buSzPts val="1500"/>
+              <a:buNone/>
+            </a:pPr>
+            <a:endParaRPr lang="en-US" sz="1000" dirty="0">
+              <a:solidFill>
+                <a:schemeClr val="dk1"/>
+              </a:solidFill>
+            </a:endParaRPr>
+          </a:p>
+          <a:p>
+            <a:pPr marL="304800" lvl="0" indent="-171450" algn="l" rtl="0">
+              <a:spcBef>
+                <a:spcPts val="0"/>
+              </a:spcBef>
+              <a:spcAft>
+                <a:spcPts val="0"/>
+              </a:spcAft>
+              <a:buClr>
+                <a:schemeClr val="dk1"/>
+              </a:buClr>
+              <a:buSzPts val="1500"/>
+              <a:buFont typeface="Arial" panose="020B0604020202020204" pitchFamily="34" charset="0"/>
+              <a:buChar char="•"/>
+            </a:pPr>
+            <a:r>
+              <a:rPr lang="en-US" sz="1000" dirty="0">
+                <a:solidFill>
+                  <a:schemeClr val="dk1"/>
+                </a:solidFill>
+              </a:rPr>
+              <a:t>There is also the need to analyze further related to the products canceled, to gain the reason behind it. Whether it is related to the price, supply chain and inventory management issues, or something else.</a:t>
+            </a:r>
+            <a:br>
+              <a:rPr lang="en" sz="1000" dirty="0">
+                <a:solidFill>
+                  <a:schemeClr val="dk1"/>
+                </a:solidFill>
+              </a:rPr>
+            </a:br>
+            <a:endParaRPr sz="1000" dirty="0">
+              <a:solidFill>
+                <a:schemeClr val="dk1"/>
+              </a:solidFill>
+            </a:endParaRPr>
+          </a:p>
+        </p:txBody>
+      </p:sp>
+      <p:pic>
+        <p:nvPicPr>
+          <p:cNvPr id="11" name="Picture 10">
+            <a:extLst>
+              <a:ext uri="{FF2B5EF4-FFF2-40B4-BE49-F238E27FC236}">
+                <a16:creationId xmlns:a16="http://schemas.microsoft.com/office/drawing/2014/main" id="{CA20E66C-6AA4-A3B8-F16B-BCFC3529447E}"/>
+              </a:ext>
+            </a:extLst>
+          </p:cNvPr>
+          <p:cNvPicPr>
+            <a:picLocks noChangeAspect="1"/>
+          </p:cNvPicPr>
+          <p:nvPr/>
+        </p:nvPicPr>
+        <p:blipFill>
+          <a:blip r:embed="rId5"/>
+          <a:stretch>
+            <a:fillRect/>
+          </a:stretch>
+        </p:blipFill>
+        <p:spPr>
+          <a:xfrm>
+            <a:off x="4219217" y="724599"/>
+            <a:ext cx="4364392" cy="3266432"/>
+          </a:xfrm>
+          <a:prstGeom prst="rect">
+            <a:avLst/>
+          </a:prstGeom>
+        </p:spPr>
+      </p:pic>
+    </p:spTree>
+    <p:extLst>
+      <p:ext uri="{BB962C8B-B14F-4D97-AF65-F5344CB8AC3E}">
+        <p14:creationId xmlns:p14="http://schemas.microsoft.com/office/powerpoint/2010/main" val="1086637862"/>
+      </p:ext>
+    </p:extLst>
+  </p:cSld>
+  <p:clrMapOvr>
+    <a:masterClrMapping/>
+  </p:clrMapOvr>
+</p:sld>
+</file>
+
 <file path=ppt/theme/theme1.xml><?xml version="1.0" encoding="utf-8"?>
-<a:theme xmlns:a="http://schemas.openxmlformats.org/drawingml/2006/main" xmlns:r="http://schemas.openxmlformats.org/officeDocument/2006/relationships" name="Simple Light">
+<a:theme xmlns:a="http://schemas.openxmlformats.org/drawingml/2006/main" name="Simple Light">
   <a:themeElements>
     <a:clrScheme name="Simple Light">
       <a:dk1>
@@ -6112,11 +7953,13 @@
       </a:bgFillStyleLst>
     </a:fmtScheme>
   </a:themeElements>
+  <a:objectDefaults/>
+  <a:extraClrSchemeLst/>
 </a:theme>
 </file>
 
 <file path=ppt/theme/theme2.xml><?xml version="1.0" encoding="utf-8"?>
-<a:theme xmlns:a="http://schemas.openxmlformats.org/drawingml/2006/main" xmlns:r="http://schemas.openxmlformats.org/officeDocument/2006/relationships">
+<a:theme xmlns:a="http://schemas.openxmlformats.org/drawingml/2006/main">
   <a:themeElements>
     <a:clrScheme name="Default">
       <a:dk1>
@@ -6391,5 +8234,7 @@
       </a:bgFillStyleLst>
     </a:fmtScheme>
   </a:themeElements>
+  <a:objectDefaults/>
+  <a:extraClrSchemeLst/>
 </a:theme>
 </file>
--- a/Task 3/Muhammad Cikal Merdeka_Task_3_Analyzing eCommerce Business Performance with SQL.pptx
+++ b/Task 3/Muhammad Cikal Merdeka_Task_3_Analyzing eCommerce Business Performance with SQL.pptx
@@ -5894,6 +5894,7 @@
               <a:solidFill>
                 <a:schemeClr val="dk1"/>
               </a:solidFill>
+              <a:latin typeface="Dosis" pitchFamily="2" charset="0"/>
             </a:endParaRPr>
           </a:p>
           <a:p>
@@ -5914,6 +5915,7 @@
                 <a:solidFill>
                   <a:schemeClr val="dk1"/>
                 </a:solidFill>
+                <a:latin typeface="Dosis" pitchFamily="2" charset="0"/>
               </a:rPr>
               <a:t>The full query can be found </a:t>
             </a:r>
@@ -5922,6 +5924,7 @@
                 <a:solidFill>
                   <a:schemeClr val="dk1"/>
                 </a:solidFill>
+                <a:latin typeface="Dosis" pitchFamily="2" charset="0"/>
                 <a:hlinkClick r:id="rId3"/>
               </a:rPr>
               <a:t>here</a:t>
@@ -5930,6 +5933,7 @@
               <a:solidFill>
                 <a:schemeClr val="dk1"/>
               </a:solidFill>
+              <a:latin typeface="Dosis" pitchFamily="2" charset="0"/>
             </a:endParaRPr>
           </a:p>
         </p:txBody>
@@ -5983,6 +5987,7 @@
                 <a:solidFill>
                   <a:schemeClr val="dk1"/>
                 </a:solidFill>
+                <a:latin typeface="Dosis" pitchFamily="2" charset="0"/>
               </a:rPr>
               <a:t>Overview :</a:t>
             </a:r>
@@ -6005,6 +6010,7 @@
               <a:solidFill>
                 <a:schemeClr val="dk1"/>
               </a:solidFill>
+              <a:latin typeface="Dosis" pitchFamily="2" charset="0"/>
             </a:endParaRPr>
           </a:p>
           <a:p>
@@ -6026,29 +6032,10 @@
                 <a:solidFill>
                   <a:schemeClr val="dk1"/>
                 </a:solidFill>
+                <a:latin typeface="Dosis" pitchFamily="2" charset="0"/>
               </a:rPr>
-              <a:t>Business performance in eCommerce is closely related to the products available within it. Analyzing the quality of products in eCommerce can provide insights for making better business decisions. In this section, we will conduct an Annual Product Category Quality Analysis by analyzing annual business metrics related to revenue and canceled orders.</a:t>
+              <a:t>Business performance in eCommerce is closely related to the products available within it. Analyzing the quality of products in eCommerce can provide insights for making better business decisions. Product quality is important because it</a:t>
             </a:r>
-          </a:p>
-          <a:p>
-            <a:pPr marL="133350" lvl="0" indent="0" algn="l" rtl="0">
-              <a:spcBef>
-                <a:spcPts val="0"/>
-              </a:spcBef>
-              <a:spcAft>
-                <a:spcPts val="0"/>
-              </a:spcAft>
-              <a:buClr>
-                <a:schemeClr val="dk1"/>
-              </a:buClr>
-              <a:buSzPts val="1500"/>
-              <a:buNone/>
-            </a:pPr>
-            <a:endParaRPr lang="en-US" sz="1300" dirty="0">
-              <a:solidFill>
-                <a:schemeClr val="dk1"/>
-              </a:solidFill>
-            </a:endParaRPr>
           </a:p>
           <a:p>
             <a:pPr marL="133350" lvl="0" indent="0" algn="l" rtl="0">
@@ -6069,6 +6056,100 @@
                 <a:solidFill>
                   <a:schemeClr val="dk1"/>
                 </a:solidFill>
+                <a:latin typeface="Dosis" pitchFamily="2" charset="0"/>
+              </a:rPr>
+              <a:t>influences a company's success and helps build its reputation in the customer market. When a company can create</a:t>
+            </a:r>
+          </a:p>
+          <a:p>
+            <a:pPr marL="133350" lvl="0" indent="0" algn="l" rtl="0">
+              <a:spcBef>
+                <a:spcPts val="0"/>
+              </a:spcBef>
+              <a:spcAft>
+                <a:spcPts val="0"/>
+              </a:spcAft>
+              <a:buClr>
+                <a:schemeClr val="dk1"/>
+              </a:buClr>
+              <a:buSzPts val="1500"/>
+              <a:buNone/>
+            </a:pPr>
+            <a:r>
+              <a:rPr lang="en-US" sz="1300" dirty="0">
+                <a:solidFill>
+                  <a:schemeClr val="dk1"/>
+                </a:solidFill>
+                <a:latin typeface="Dosis" pitchFamily="2" charset="0"/>
+              </a:rPr>
+              <a:t>high-quality products that continuously meet customer demands, it can result in a higher return on investment and</a:t>
+            </a:r>
+          </a:p>
+          <a:p>
+            <a:pPr marL="133350" lvl="0" indent="0" algn="l" rtl="0">
+              <a:spcBef>
+                <a:spcPts val="0"/>
+              </a:spcBef>
+              <a:spcAft>
+                <a:spcPts val="0"/>
+              </a:spcAft>
+              <a:buClr>
+                <a:schemeClr val="dk1"/>
+              </a:buClr>
+              <a:buSzPts val="1500"/>
+              <a:buNone/>
+            </a:pPr>
+            <a:r>
+              <a:rPr lang="en-US" sz="1300" dirty="0">
+                <a:solidFill>
+                  <a:schemeClr val="dk1"/>
+                </a:solidFill>
+                <a:latin typeface="Dosis" pitchFamily="2" charset="0"/>
+              </a:rPr>
+              <a:t>increased revenue. In this section, we will conduct an Annual Product Category Quality Analysis by analyzing annual business metrics related to revenue and canceled orders.</a:t>
+            </a:r>
+          </a:p>
+          <a:p>
+            <a:pPr marL="133350" lvl="0" indent="0" algn="l" rtl="0">
+              <a:spcBef>
+                <a:spcPts val="0"/>
+              </a:spcBef>
+              <a:spcAft>
+                <a:spcPts val="0"/>
+              </a:spcAft>
+              <a:buClr>
+                <a:schemeClr val="dk1"/>
+              </a:buClr>
+              <a:buSzPts val="1500"/>
+              <a:buNone/>
+            </a:pPr>
+            <a:endParaRPr lang="en-US" sz="1300" dirty="0">
+              <a:solidFill>
+                <a:schemeClr val="dk1"/>
+              </a:solidFill>
+              <a:latin typeface="Dosis" pitchFamily="2" charset="0"/>
+            </a:endParaRPr>
+          </a:p>
+          <a:p>
+            <a:pPr marL="133350" lvl="0" indent="0" algn="l" rtl="0">
+              <a:spcBef>
+                <a:spcPts val="0"/>
+              </a:spcBef>
+              <a:spcAft>
+                <a:spcPts val="0"/>
+              </a:spcAft>
+              <a:buClr>
+                <a:schemeClr val="dk1"/>
+              </a:buClr>
+              <a:buSzPts val="1500"/>
+              <a:buNone/>
+            </a:pPr>
+            <a:r>
+              <a:rPr lang="en-US" sz="1300" dirty="0">
+                <a:solidFill>
+                  <a:schemeClr val="dk1"/>
+                </a:solidFill>
+                <a:latin typeface="Dosis" pitchFamily="2" charset="0"/>
               </a:rPr>
               <a:t>Here is the summary table of total revenue, total cancel orders, top product category revenue, and top product category cancel order performance :</a:t>
             </a:r>
@@ -6077,12 +6158,14 @@
                 <a:solidFill>
                   <a:schemeClr val="dk1"/>
                 </a:solidFill>
+                <a:latin typeface="Dosis" pitchFamily="2" charset="0"/>
               </a:rPr>
             </a:br>
             <a:endParaRPr lang="en-US" sz="1500" dirty="0">
               <a:solidFill>
                 <a:schemeClr val="dk1"/>
               </a:solidFill>
+              <a:latin typeface="Dosis" pitchFamily="2" charset="0"/>
             </a:endParaRPr>
           </a:p>
         </p:txBody>
@@ -6109,7 +6192,7 @@
         </p:blipFill>
         <p:spPr>
           <a:xfrm>
-            <a:off x="0" y="3290081"/>
+            <a:off x="0" y="3650299"/>
             <a:ext cx="9144000" cy="807774"/>
           </a:xfrm>
           <a:prstGeom prst="rect">
@@ -6209,7 +6292,7 @@
         </p:nvSpPr>
         <p:spPr>
           <a:xfrm>
-            <a:off x="311701" y="863950"/>
+            <a:off x="311701" y="566182"/>
             <a:ext cx="2944118" cy="3004828"/>
           </a:xfrm>
           <a:prstGeom prst="rect">
@@ -6485,6 +6568,7 @@
                 <a:solidFill>
                   <a:schemeClr val="dk1"/>
                 </a:solidFill>
+                <a:latin typeface="Dosis" pitchFamily="2" charset="0"/>
               </a:rPr>
               <a:t>1. Total revenue per year</a:t>
             </a:r>
@@ -6498,10 +6582,20 @@
               <a:buFont typeface="Arial"/>
               <a:buNone/>
             </a:pPr>
+            <a:r>
+              <a:rPr lang="en-US" sz="1000" dirty="0">
+                <a:solidFill>
+                  <a:schemeClr val="tx1"/>
+                </a:solidFill>
+                <a:latin typeface="Dosis" pitchFamily="2" charset="0"/>
+              </a:rPr>
+              <a:t>Create a table that contains total company revenue information for each year</a:t>
+            </a:r>
             <a:endParaRPr lang="en-US" sz="1000" dirty="0">
               <a:solidFill>
                 <a:schemeClr val="dk1"/>
               </a:solidFill>
+              <a:latin typeface="Dosis" pitchFamily="2" charset="0"/>
             </a:endParaRPr>
           </a:p>
           <a:p>
@@ -6517,6 +6611,7 @@
               <a:solidFill>
                 <a:schemeClr val="dk1"/>
               </a:solidFill>
+              <a:latin typeface="Dosis" pitchFamily="2" charset="0"/>
             </a:endParaRPr>
           </a:p>
           <a:p>
@@ -6532,6 +6627,7 @@
               <a:solidFill>
                 <a:schemeClr val="dk1"/>
               </a:solidFill>
+              <a:latin typeface="Dosis" pitchFamily="2" charset="0"/>
             </a:endParaRPr>
           </a:p>
           <a:p>
@@ -6547,6 +6643,7 @@
               <a:solidFill>
                 <a:schemeClr val="dk1"/>
               </a:solidFill>
+              <a:latin typeface="Dosis" pitchFamily="2" charset="0"/>
             </a:endParaRPr>
           </a:p>
           <a:p>
@@ -6562,6 +6659,7 @@
               <a:solidFill>
                 <a:schemeClr val="dk1"/>
               </a:solidFill>
+              <a:latin typeface="Dosis" pitchFamily="2" charset="0"/>
             </a:endParaRPr>
           </a:p>
           <a:p>
@@ -6577,6 +6675,7 @@
               <a:solidFill>
                 <a:schemeClr val="dk1"/>
               </a:solidFill>
+              <a:latin typeface="Dosis" pitchFamily="2" charset="0"/>
             </a:endParaRPr>
           </a:p>
           <a:p>
@@ -6591,6 +6690,7 @@
               <a:solidFill>
                 <a:schemeClr val="dk1"/>
               </a:solidFill>
+              <a:latin typeface="Dosis" pitchFamily="2" charset="0"/>
             </a:endParaRPr>
           </a:p>
           <a:p>
@@ -6607,6 +6707,7 @@
                 <a:solidFill>
                   <a:schemeClr val="dk1"/>
                 </a:solidFill>
+                <a:latin typeface="Dosis" pitchFamily="2" charset="0"/>
               </a:rPr>
               <a:t>2. Total cancel order per year</a:t>
             </a:r>
@@ -6620,17 +6721,28 @@
               <a:buFont typeface="Arial"/>
               <a:buNone/>
             </a:pPr>
+            <a:r>
+              <a:rPr lang="en-US" sz="1000" dirty="0">
+                <a:solidFill>
+                  <a:schemeClr val="tx1"/>
+                </a:solidFill>
+                <a:latin typeface="Dosis" pitchFamily="2" charset="0"/>
+              </a:rPr>
+              <a:t>Create a table that contains information on the total number of canceled orders for each year </a:t>
+            </a:r>
             <a:br>
               <a:rPr lang="en-US" sz="1000" dirty="0">
                 <a:solidFill>
-                  <a:schemeClr val="dk1"/>
+                  <a:schemeClr val="tx1"/>
                 </a:solidFill>
+                <a:latin typeface="Dosis" pitchFamily="2" charset="0"/>
               </a:rPr>
             </a:br>
             <a:endParaRPr lang="en-US" sz="1000" dirty="0">
               <a:solidFill>
-                <a:schemeClr val="dk1"/>
+                <a:schemeClr val="tx1"/>
               </a:solidFill>
+              <a:latin typeface="Dosis" pitchFamily="2" charset="0"/>
             </a:endParaRPr>
           </a:p>
         </p:txBody>
@@ -6657,8 +6769,8 @@
         </p:blipFill>
         <p:spPr>
           <a:xfrm>
-            <a:off x="497226" y="1217611"/>
-            <a:ext cx="1920391" cy="950625"/>
+            <a:off x="533400" y="1289181"/>
+            <a:ext cx="1683326" cy="833274"/>
           </a:xfrm>
           <a:prstGeom prst="rect">
             <a:avLst/>
@@ -6687,8 +6799,8 @@
         </p:blipFill>
         <p:spPr>
           <a:xfrm>
-            <a:off x="497226" y="2622138"/>
-            <a:ext cx="2135635" cy="937905"/>
+            <a:off x="533400" y="2876334"/>
+            <a:ext cx="1683326" cy="739265"/>
           </a:xfrm>
           <a:prstGeom prst="rect">
             <a:avLst/>
@@ -6744,6 +6856,7 @@
                 <a:solidFill>
                   <a:schemeClr val="dk1"/>
                 </a:solidFill>
+                <a:latin typeface="Dosis" pitchFamily="2" charset="0"/>
               </a:rPr>
               <a:t>Insight :</a:t>
             </a:r>
@@ -6766,6 +6879,7 @@
               <a:solidFill>
                 <a:schemeClr val="dk1"/>
               </a:solidFill>
+              <a:latin typeface="Dosis" pitchFamily="2" charset="0"/>
             </a:endParaRPr>
           </a:p>
           <a:p>
@@ -6788,6 +6902,7 @@
                 <a:solidFill>
                   <a:schemeClr val="dk1"/>
                 </a:solidFill>
+                <a:latin typeface="Dosis" pitchFamily="2" charset="0"/>
               </a:rPr>
               <a:t>Increase in revenue (significantly in 2017) typically suggests that the business is growing and attracting more new customers, leading to higher sales volumes. It could be due to various factors such as effective marketing strategies, great product quality, or increased market demand.</a:t>
             </a:r>
@@ -6810,6 +6925,7 @@
               <a:solidFill>
                 <a:schemeClr val="dk1"/>
               </a:solidFill>
+              <a:latin typeface="Dosis" pitchFamily="2" charset="0"/>
             </a:endParaRPr>
           </a:p>
           <a:p>
@@ -6832,20 +6948,23 @@
                 <a:solidFill>
                   <a:schemeClr val="dk1"/>
                 </a:solidFill>
+                <a:latin typeface="Dosis" pitchFamily="2" charset="0"/>
               </a:rPr>
               <a:t>Small increase in canceled orders could indicates potential issues within the business like inaccurate product descriptions, shipping delays on some products, inventory management issues on some sellers, or customer service problems in the platform.</a:t>
             </a:r>
             <a:br>
-              <a:rPr lang="en" sz="1000" dirty="0">
+              <a:rPr lang="en-US" sz="1000" dirty="0">
                 <a:solidFill>
                   <a:schemeClr val="dk1"/>
                 </a:solidFill>
+                <a:latin typeface="Dosis" pitchFamily="2" charset="0"/>
               </a:rPr>
             </a:br>
-            <a:endParaRPr sz="1000" dirty="0">
+            <a:endParaRPr lang="en-US" sz="1000" dirty="0">
               <a:solidFill>
                 <a:schemeClr val="dk1"/>
               </a:solidFill>
+              <a:latin typeface="Dosis" pitchFamily="2" charset="0"/>
             </a:endParaRPr>
           </a:p>
         </p:txBody>
@@ -6872,7 +6991,7 @@
         </p:blipFill>
         <p:spPr>
           <a:xfrm>
-            <a:off x="3636483" y="698076"/>
+            <a:off x="3636483" y="656877"/>
             <a:ext cx="4426862" cy="3301463"/>
           </a:xfrm>
           <a:prstGeom prst="rect">
@@ -6977,7 +7096,7 @@
         </p:nvSpPr>
         <p:spPr>
           <a:xfrm>
-            <a:off x="311701" y="863950"/>
+            <a:off x="311701" y="623839"/>
             <a:ext cx="3332044" cy="3004828"/>
           </a:xfrm>
           <a:prstGeom prst="rect">
@@ -7253,6 +7372,7 @@
                 <a:solidFill>
                   <a:schemeClr val="dk1"/>
                 </a:solidFill>
+                <a:latin typeface="Dosis" pitchFamily="2" charset="0"/>
               </a:rPr>
               <a:t>3. Top product category by revenue per year</a:t>
             </a:r>
@@ -7266,10 +7386,20 @@
               <a:buFont typeface="Arial"/>
               <a:buNone/>
             </a:pPr>
-            <a:endParaRPr lang="en-US" sz="1000" dirty="0">
+            <a:r>
+              <a:rPr lang="en-US" sz="1000" dirty="0">
+                <a:solidFill>
+                  <a:schemeClr val="tx1"/>
+                </a:solidFill>
+                <a:latin typeface="Dosis" pitchFamily="2" charset="0"/>
+              </a:rPr>
+              <a:t>Create a table containing the product category names that provide the highest total revenue for each year</a:t>
+            </a:r>
+            <a:endParaRPr lang="en-US" sz="1000" b="1" dirty="0">
               <a:solidFill>
-                <a:schemeClr val="dk1"/>
+                <a:schemeClr val="tx1"/>
               </a:solidFill>
+              <a:latin typeface="Dosis" pitchFamily="2" charset="0"/>
             </a:endParaRPr>
           </a:p>
           <a:p>
@@ -7285,6 +7415,7 @@
               <a:solidFill>
                 <a:schemeClr val="dk1"/>
               </a:solidFill>
+              <a:latin typeface="Dosis" pitchFamily="2" charset="0"/>
             </a:endParaRPr>
           </a:p>
           <a:p>
@@ -7300,6 +7431,7 @@
               <a:solidFill>
                 <a:schemeClr val="dk1"/>
               </a:solidFill>
+              <a:latin typeface="Dosis" pitchFamily="2" charset="0"/>
             </a:endParaRPr>
           </a:p>
           <a:p>
@@ -7315,6 +7447,7 @@
               <a:solidFill>
                 <a:schemeClr val="dk1"/>
               </a:solidFill>
+              <a:latin typeface="Dosis" pitchFamily="2" charset="0"/>
             </a:endParaRPr>
           </a:p>
           <a:p>
@@ -7330,6 +7463,7 @@
               <a:solidFill>
                 <a:schemeClr val="dk1"/>
               </a:solidFill>
+              <a:latin typeface="Dosis" pitchFamily="2" charset="0"/>
             </a:endParaRPr>
           </a:p>
           <a:p>
@@ -7345,6 +7479,7 @@
               <a:solidFill>
                 <a:schemeClr val="dk1"/>
               </a:solidFill>
+              <a:latin typeface="Dosis" pitchFamily="2" charset="0"/>
             </a:endParaRPr>
           </a:p>
           <a:p>
@@ -7359,6 +7494,7 @@
               <a:solidFill>
                 <a:schemeClr val="dk1"/>
               </a:solidFill>
+              <a:latin typeface="Dosis" pitchFamily="2" charset="0"/>
             </a:endParaRPr>
           </a:p>
           <a:p>
@@ -7375,6 +7511,7 @@
                 <a:solidFill>
                   <a:schemeClr val="dk1"/>
                 </a:solidFill>
+                <a:latin typeface="Dosis" pitchFamily="2" charset="0"/>
               </a:rPr>
               <a:t>4. Top product category by cancel order per year</a:t>
             </a:r>
@@ -7388,17 +7525,28 @@
               <a:buFont typeface="Arial"/>
               <a:buNone/>
             </a:pPr>
+            <a:r>
+              <a:rPr lang="en-US" sz="1000" dirty="0">
+                <a:solidFill>
+                  <a:schemeClr val="tx1"/>
+                </a:solidFill>
+                <a:latin typeface="Dosis" pitchFamily="2" charset="0"/>
+              </a:rPr>
+              <a:t>Create a table containing the names of the product categories that have the highest number of canceled orders for each year</a:t>
+            </a:r>
             <a:br>
               <a:rPr lang="en-US" sz="1000" dirty="0">
                 <a:solidFill>
                   <a:schemeClr val="dk1"/>
                 </a:solidFill>
+                <a:latin typeface="Dosis" pitchFamily="2" charset="0"/>
               </a:rPr>
             </a:br>
             <a:endParaRPr lang="en-US" sz="1000" dirty="0">
               <a:solidFill>
                 <a:schemeClr val="dk1"/>
               </a:solidFill>
+              <a:latin typeface="Dosis" pitchFamily="2" charset="0"/>
             </a:endParaRPr>
           </a:p>
         </p:txBody>
@@ -7425,8 +7573,8 @@
         </p:blipFill>
         <p:spPr>
           <a:xfrm>
-            <a:off x="490180" y="2648843"/>
-            <a:ext cx="3211163" cy="890993"/>
+            <a:off x="505691" y="2954219"/>
+            <a:ext cx="2452600" cy="680517"/>
           </a:xfrm>
           <a:prstGeom prst="rect">
             <a:avLst/>
@@ -7455,8 +7603,8 @@
         </p:blipFill>
         <p:spPr>
           <a:xfrm>
-            <a:off x="560391" y="1274721"/>
-            <a:ext cx="3083354" cy="923159"/>
+            <a:off x="505691" y="1403514"/>
+            <a:ext cx="2452600" cy="734311"/>
           </a:xfrm>
           <a:prstGeom prst="rect">
             <a:avLst/>
@@ -7512,6 +7660,7 @@
                 <a:solidFill>
                   <a:schemeClr val="dk1"/>
                 </a:solidFill>
+                <a:latin typeface="Dosis" pitchFamily="2" charset="0"/>
               </a:rPr>
               <a:t>Insight :</a:t>
             </a:r>
@@ -7534,6 +7683,7 @@
               <a:solidFill>
                 <a:schemeClr val="dk1"/>
               </a:solidFill>
+              <a:latin typeface="Dosis" pitchFamily="2" charset="0"/>
             </a:endParaRPr>
           </a:p>
           <a:p>
@@ -7556,6 +7706,7 @@
                 <a:solidFill>
                   <a:schemeClr val="dk1"/>
                 </a:solidFill>
+                <a:latin typeface="Dosis" pitchFamily="2" charset="0"/>
               </a:rPr>
               <a:t>The types of product categories, both for top revenue and top canceled orders, all have different types each year. This suggest an evolving in consumer preferences and market demand fluctuations which could be influenced by seasonal trends, economic factors, or other external influences. In 2018, </a:t>
             </a:r>
@@ -7564,6 +7715,7 @@
                 <a:solidFill>
                   <a:schemeClr val="dk1"/>
                 </a:solidFill>
+                <a:latin typeface="Dosis" pitchFamily="2" charset="0"/>
               </a:rPr>
               <a:t>health_beauty</a:t>
             </a:r>
@@ -7572,6 +7724,7 @@
                 <a:solidFill>
                   <a:schemeClr val="dk1"/>
                 </a:solidFill>
+                <a:latin typeface="Dosis" pitchFamily="2" charset="0"/>
               </a:rPr>
               <a:t> became the top product category by revenue and cancel order is the example of this where there could potentially an important events.</a:t>
             </a:r>
@@ -7594,6 +7747,7 @@
               <a:solidFill>
                 <a:schemeClr val="dk1"/>
               </a:solidFill>
+              <a:latin typeface="Dosis" pitchFamily="2" charset="0"/>
             </a:endParaRPr>
           </a:p>
           <a:p>
@@ -7616,6 +7770,7 @@
                 <a:solidFill>
                   <a:schemeClr val="dk1"/>
                 </a:solidFill>
+                <a:latin typeface="Dosis" pitchFamily="2" charset="0"/>
               </a:rPr>
               <a:t>There is also the need to analyze further related to the products canceled, to gain the reason behind it. Whether it is related to the price, supply chain and inventory management issues, or something else.</a:t>
             </a:r>
@@ -7624,12 +7779,14 @@
                 <a:solidFill>
                   <a:schemeClr val="dk1"/>
                 </a:solidFill>
+                <a:latin typeface="Dosis" pitchFamily="2" charset="0"/>
               </a:rPr>
             </a:br>
             <a:endParaRPr sz="1000" dirty="0">
               <a:solidFill>
                 <a:schemeClr val="dk1"/>
               </a:solidFill>
+              <a:latin typeface="Dosis" pitchFamily="2" charset="0"/>
             </a:endParaRPr>
           </a:p>
         </p:txBody>
@@ -7656,7 +7813,7 @@
         </p:blipFill>
         <p:spPr>
           <a:xfrm>
-            <a:off x="4219217" y="724599"/>
+            <a:off x="4219217" y="623839"/>
             <a:ext cx="4364392" cy="3266432"/>
           </a:xfrm>
           <a:prstGeom prst="rect">
